--- a/宣道詩/(宣道詩9)萬福源頭.pptx
+++ b/宣道詩/(宣道詩9)萬福源頭.pptx
@@ -12,7 +12,7 @@
     <p:sldId id="260" r:id="rId6"/>
     <p:sldId id="261" r:id="rId7"/>
   </p:sldIdLst>
-  <p:sldSz cx="9144000" cy="6858000" type="screen4x3"/>
+  <p:sldSz cx="12192000" cy="6858000"/>
   <p:notesSz cx="6858000" cy="9144000"/>
   <p:defaultTextStyle>
     <a:defPPr>
@@ -109,6 +109,22 @@
       </a:defRPr>
     </a:lvl9pPr>
   </p:defaultTextStyle>
+  <p:extLst>
+    <p:ext uri="{EFAFB233-063F-42B5-8137-9DF3F51BA10A}">
+      <p15:sldGuideLst xmlns:p15="http://schemas.microsoft.com/office/powerpoint/2012/main">
+        <p15:guide id="1" orient="horz" pos="2160" userDrawn="1">
+          <p15:clr>
+            <a:srgbClr val="A4A3A4"/>
+          </p15:clr>
+        </p15:guide>
+        <p15:guide id="2" pos="3840" userDrawn="1">
+          <p15:clr>
+            <a:srgbClr val="A4A3A4"/>
+          </p15:clr>
+        </p15:guide>
+      </p15:sldGuideLst>
+    </p:ext>
+  </p:extLst>
 </p:presentation>
 </file>
 
@@ -141,8 +157,8 @@
         </p:nvSpPr>
         <p:spPr>
           <a:xfrm>
-            <a:off x="685800" y="2130425"/>
-            <a:ext cx="7772400" cy="1470025"/>
+            <a:off x="914400" y="2130426"/>
+            <a:ext cx="10363200" cy="1470025"/>
           </a:xfrm>
         </p:spPr>
         <p:txBody>
@@ -169,8 +185,8 @@
         </p:nvSpPr>
         <p:spPr>
           <a:xfrm>
-            <a:off x="1371600" y="3886200"/>
-            <a:ext cx="6400800" cy="1752600"/>
+            <a:off x="1828800" y="3886200"/>
+            <a:ext cx="8534400" cy="1752600"/>
           </a:xfrm>
         </p:spPr>
         <p:txBody>
@@ -293,7 +309,7 @@
           <a:p>
             <a:fld id="{D491BD5D-4119-46B2-8859-2390DC870597}" type="datetimeFigureOut">
               <a:rPr lang="zh-TW" altLang="en-US" smtClean="0"/>
-              <a:t>2017/12/28</a:t>
+              <a:t>2020/7/3</a:t>
             </a:fld>
             <a:endParaRPr lang="zh-TW" altLang="en-US"/>
           </a:p>
@@ -458,7 +474,7 @@
           <a:p>
             <a:fld id="{D491BD5D-4119-46B2-8859-2390DC870597}" type="datetimeFigureOut">
               <a:rPr lang="zh-TW" altLang="en-US" smtClean="0"/>
-              <a:t>2017/12/28</a:t>
+              <a:t>2020/7/3</a:t>
             </a:fld>
             <a:endParaRPr lang="zh-TW" altLang="en-US"/>
           </a:p>
@@ -543,8 +559,8 @@
         </p:nvSpPr>
         <p:spPr>
           <a:xfrm>
-            <a:off x="6629400" y="274638"/>
-            <a:ext cx="2057400" cy="5851525"/>
+            <a:off x="8839200" y="274639"/>
+            <a:ext cx="2743200" cy="5851525"/>
           </a:xfrm>
         </p:spPr>
         <p:txBody>
@@ -571,8 +587,8 @@
         </p:nvSpPr>
         <p:spPr>
           <a:xfrm>
-            <a:off x="457200" y="274638"/>
-            <a:ext cx="6019800" cy="5851525"/>
+            <a:off x="609600" y="274639"/>
+            <a:ext cx="8026400" cy="5851525"/>
           </a:xfrm>
         </p:spPr>
         <p:txBody>
@@ -633,7 +649,7 @@
           <a:p>
             <a:fld id="{D491BD5D-4119-46B2-8859-2390DC870597}" type="datetimeFigureOut">
               <a:rPr lang="zh-TW" altLang="en-US" smtClean="0"/>
-              <a:t>2017/12/28</a:t>
+              <a:t>2020/7/3</a:t>
             </a:fld>
             <a:endParaRPr lang="zh-TW" altLang="en-US"/>
           </a:p>
@@ -798,7 +814,7 @@
           <a:p>
             <a:fld id="{D491BD5D-4119-46B2-8859-2390DC870597}" type="datetimeFigureOut">
               <a:rPr lang="zh-TW" altLang="en-US" smtClean="0"/>
-              <a:t>2017/12/28</a:t>
+              <a:t>2020/7/3</a:t>
             </a:fld>
             <a:endParaRPr lang="zh-TW" altLang="en-US"/>
           </a:p>
@@ -883,8 +899,8 @@
         </p:nvSpPr>
         <p:spPr>
           <a:xfrm>
-            <a:off x="722313" y="4406900"/>
-            <a:ext cx="7772400" cy="1362075"/>
+            <a:off x="963084" y="4406901"/>
+            <a:ext cx="10363200" cy="1362075"/>
           </a:xfrm>
         </p:spPr>
         <p:txBody>
@@ -915,8 +931,8 @@
         </p:nvSpPr>
         <p:spPr>
           <a:xfrm>
-            <a:off x="722313" y="2906713"/>
-            <a:ext cx="7772400" cy="1500187"/>
+            <a:off x="963084" y="2906713"/>
+            <a:ext cx="10363200" cy="1500187"/>
           </a:xfrm>
         </p:spPr>
         <p:txBody>
@@ -1039,7 +1055,7 @@
           <a:p>
             <a:fld id="{D491BD5D-4119-46B2-8859-2390DC870597}" type="datetimeFigureOut">
               <a:rPr lang="zh-TW" altLang="en-US" smtClean="0"/>
-              <a:t>2017/12/28</a:t>
+              <a:t>2020/7/3</a:t>
             </a:fld>
             <a:endParaRPr lang="zh-TW" altLang="en-US"/>
           </a:p>
@@ -1147,8 +1163,8 @@
         </p:nvSpPr>
         <p:spPr>
           <a:xfrm>
-            <a:off x="457200" y="1600200"/>
-            <a:ext cx="4038600" cy="4525963"/>
+            <a:off x="609600" y="1600201"/>
+            <a:ext cx="5384800" cy="4525963"/>
           </a:xfrm>
         </p:spPr>
         <p:txBody>
@@ -1232,8 +1248,8 @@
         </p:nvSpPr>
         <p:spPr>
           <a:xfrm>
-            <a:off x="4648200" y="1600200"/>
-            <a:ext cx="4038600" cy="4525963"/>
+            <a:off x="6197600" y="1600201"/>
+            <a:ext cx="5384800" cy="4525963"/>
           </a:xfrm>
         </p:spPr>
         <p:txBody>
@@ -1322,7 +1338,7 @@
           <a:p>
             <a:fld id="{D491BD5D-4119-46B2-8859-2390DC870597}" type="datetimeFigureOut">
               <a:rPr lang="zh-TW" altLang="en-US" smtClean="0"/>
-              <a:t>2017/12/28</a:t>
+              <a:t>2020/7/3</a:t>
             </a:fld>
             <a:endParaRPr lang="zh-TW" altLang="en-US"/>
           </a:p>
@@ -1434,8 +1450,8 @@
         </p:nvSpPr>
         <p:spPr>
           <a:xfrm>
-            <a:off x="457200" y="1535113"/>
-            <a:ext cx="4040188" cy="639762"/>
+            <a:off x="609600" y="1535113"/>
+            <a:ext cx="5386917" cy="639762"/>
           </a:xfrm>
         </p:spPr>
         <p:txBody>
@@ -1499,8 +1515,8 @@
         </p:nvSpPr>
         <p:spPr>
           <a:xfrm>
-            <a:off x="457200" y="2174875"/>
-            <a:ext cx="4040188" cy="3951288"/>
+            <a:off x="609600" y="2174875"/>
+            <a:ext cx="5386917" cy="3951288"/>
           </a:xfrm>
         </p:spPr>
         <p:txBody>
@@ -1584,8 +1600,8 @@
         </p:nvSpPr>
         <p:spPr>
           <a:xfrm>
-            <a:off x="4645025" y="1535113"/>
-            <a:ext cx="4041775" cy="639762"/>
+            <a:off x="6193368" y="1535113"/>
+            <a:ext cx="5389033" cy="639762"/>
           </a:xfrm>
         </p:spPr>
         <p:txBody>
@@ -1649,8 +1665,8 @@
         </p:nvSpPr>
         <p:spPr>
           <a:xfrm>
-            <a:off x="4645025" y="2174875"/>
-            <a:ext cx="4041775" cy="3951288"/>
+            <a:off x="6193368" y="2174875"/>
+            <a:ext cx="5389033" cy="3951288"/>
           </a:xfrm>
         </p:spPr>
         <p:txBody>
@@ -1739,7 +1755,7 @@
           <a:p>
             <a:fld id="{D491BD5D-4119-46B2-8859-2390DC870597}" type="datetimeFigureOut">
               <a:rPr lang="zh-TW" altLang="en-US" smtClean="0"/>
-              <a:t>2017/12/28</a:t>
+              <a:t>2020/7/3</a:t>
             </a:fld>
             <a:endParaRPr lang="zh-TW" altLang="en-US"/>
           </a:p>
@@ -1852,7 +1868,7 @@
           <a:p>
             <a:fld id="{D491BD5D-4119-46B2-8859-2390DC870597}" type="datetimeFigureOut">
               <a:rPr lang="zh-TW" altLang="en-US" smtClean="0"/>
-              <a:t>2017/12/28</a:t>
+              <a:t>2020/7/3</a:t>
             </a:fld>
             <a:endParaRPr lang="zh-TW" altLang="en-US"/>
           </a:p>
@@ -1942,7 +1958,7 @@
           <a:p>
             <a:fld id="{D491BD5D-4119-46B2-8859-2390DC870597}" type="datetimeFigureOut">
               <a:rPr lang="zh-TW" altLang="en-US" smtClean="0"/>
-              <a:t>2017/12/28</a:t>
+              <a:t>2020/7/3</a:t>
             </a:fld>
             <a:endParaRPr lang="zh-TW" altLang="en-US"/>
           </a:p>
@@ -2027,8 +2043,8 @@
         </p:nvSpPr>
         <p:spPr>
           <a:xfrm>
-            <a:off x="457200" y="273050"/>
-            <a:ext cx="3008313" cy="1162050"/>
+            <a:off x="609601" y="273050"/>
+            <a:ext cx="4011084" cy="1162050"/>
           </a:xfrm>
         </p:spPr>
         <p:txBody>
@@ -2059,8 +2075,8 @@
         </p:nvSpPr>
         <p:spPr>
           <a:xfrm>
-            <a:off x="3575050" y="273050"/>
-            <a:ext cx="5111750" cy="5853113"/>
+            <a:off x="4766733" y="273051"/>
+            <a:ext cx="6815667" cy="5853113"/>
           </a:xfrm>
         </p:spPr>
         <p:txBody>
@@ -2144,8 +2160,8 @@
         </p:nvSpPr>
         <p:spPr>
           <a:xfrm>
-            <a:off x="457200" y="1435100"/>
-            <a:ext cx="3008313" cy="4691063"/>
+            <a:off x="609601" y="1435101"/>
+            <a:ext cx="4011084" cy="4691063"/>
           </a:xfrm>
         </p:spPr>
         <p:txBody>
@@ -2214,7 +2230,7 @@
           <a:p>
             <a:fld id="{D491BD5D-4119-46B2-8859-2390DC870597}" type="datetimeFigureOut">
               <a:rPr lang="zh-TW" altLang="en-US" smtClean="0"/>
-              <a:t>2017/12/28</a:t>
+              <a:t>2020/7/3</a:t>
             </a:fld>
             <a:endParaRPr lang="zh-TW" altLang="en-US"/>
           </a:p>
@@ -2299,8 +2315,8 @@
         </p:nvSpPr>
         <p:spPr>
           <a:xfrm>
-            <a:off x="1792288" y="4800600"/>
-            <a:ext cx="5486400" cy="566738"/>
+            <a:off x="2389717" y="4800600"/>
+            <a:ext cx="7315200" cy="566738"/>
           </a:xfrm>
         </p:spPr>
         <p:txBody>
@@ -2331,8 +2347,8 @@
         </p:nvSpPr>
         <p:spPr>
           <a:xfrm>
-            <a:off x="1792288" y="612775"/>
-            <a:ext cx="5486400" cy="4114800"/>
+            <a:off x="2389717" y="612775"/>
+            <a:ext cx="7315200" cy="4114800"/>
           </a:xfrm>
         </p:spPr>
         <p:txBody>
@@ -2396,8 +2412,8 @@
         </p:nvSpPr>
         <p:spPr>
           <a:xfrm>
-            <a:off x="1792288" y="5367338"/>
-            <a:ext cx="5486400" cy="804862"/>
+            <a:off x="2389717" y="5367338"/>
+            <a:ext cx="7315200" cy="804862"/>
           </a:xfrm>
         </p:spPr>
         <p:txBody>
@@ -2466,7 +2482,7 @@
           <a:p>
             <a:fld id="{D491BD5D-4119-46B2-8859-2390DC870597}" type="datetimeFigureOut">
               <a:rPr lang="zh-TW" altLang="en-US" smtClean="0"/>
-              <a:t>2017/12/28</a:t>
+              <a:t>2020/7/3</a:t>
             </a:fld>
             <a:endParaRPr lang="zh-TW" altLang="en-US"/>
           </a:p>
@@ -2561,8 +2577,8 @@
         </p:nvSpPr>
         <p:spPr>
           <a:xfrm>
-            <a:off x="457200" y="274638"/>
-            <a:ext cx="8229600" cy="1143000"/>
+            <a:off x="609600" y="274638"/>
+            <a:ext cx="10972800" cy="1143000"/>
           </a:xfrm>
           <a:prstGeom prst="rect">
             <a:avLst/>
@@ -2594,8 +2610,8 @@
         </p:nvSpPr>
         <p:spPr>
           <a:xfrm>
-            <a:off x="457200" y="1600200"/>
-            <a:ext cx="8229600" cy="4525963"/>
+            <a:off x="609600" y="1600201"/>
+            <a:ext cx="10972800" cy="4525963"/>
           </a:xfrm>
           <a:prstGeom prst="rect">
             <a:avLst/>
@@ -2656,8 +2672,8 @@
         </p:nvSpPr>
         <p:spPr>
           <a:xfrm>
-            <a:off x="457200" y="6356350"/>
-            <a:ext cx="2133600" cy="365125"/>
+            <a:off x="609600" y="6356351"/>
+            <a:ext cx="2844800" cy="365125"/>
           </a:xfrm>
           <a:prstGeom prst="rect">
             <a:avLst/>
@@ -2679,7 +2695,7 @@
           <a:p>
             <a:fld id="{D491BD5D-4119-46B2-8859-2390DC870597}" type="datetimeFigureOut">
               <a:rPr lang="zh-TW" altLang="en-US" smtClean="0"/>
-              <a:t>2017/12/28</a:t>
+              <a:t>2020/7/3</a:t>
             </a:fld>
             <a:endParaRPr lang="zh-TW" altLang="en-US"/>
           </a:p>
@@ -2697,8 +2713,8 @@
         </p:nvSpPr>
         <p:spPr>
           <a:xfrm>
-            <a:off x="3124200" y="6356350"/>
-            <a:ext cx="2895600" cy="365125"/>
+            <a:off x="4165600" y="6356351"/>
+            <a:ext cx="3860800" cy="365125"/>
           </a:xfrm>
           <a:prstGeom prst="rect">
             <a:avLst/>
@@ -2734,8 +2750,8 @@
         </p:nvSpPr>
         <p:spPr>
           <a:xfrm>
-            <a:off x="6553200" y="6356350"/>
-            <a:ext cx="2133600" cy="365125"/>
+            <a:off x="8737600" y="6356351"/>
+            <a:ext cx="2844800" cy="365125"/>
           </a:xfrm>
           <a:prstGeom prst="rect">
             <a:avLst/>
@@ -3061,103 +3077,63 @@
         </p:nvSpPr>
         <p:spPr/>
         <p:txBody>
-          <a:bodyPr/>
-          <a:lstStyle/>
-          <a:p>
-            <a:r>
-              <a:rPr lang="zh-TW" altLang="en-US" b="1" dirty="0">
-                <a:solidFill>
-                  <a:srgbClr val="660033"/>
-                </a:solidFill>
-                <a:latin typeface="微軟正黑體" pitchFamily="34" charset="-120"/>
-                <a:ea typeface="微軟正黑體" pitchFamily="34" charset="-120"/>
-              </a:rPr>
-              <a:t>萬福源頭</a:t>
-            </a:r>
-          </a:p>
-        </p:txBody>
-      </p:sp>
-      <p:sp>
-        <p:nvSpPr>
-          <p:cNvPr id="5" name="內容版面配置區 4"/>
-          <p:cNvSpPr>
-            <a:spLocks noGrp="1"/>
-          </p:cNvSpPr>
-          <p:nvPr>
-            <p:ph idx="1"/>
-          </p:nvPr>
-        </p:nvSpPr>
-        <p:spPr/>
-        <p:txBody>
           <a:bodyPr>
             <a:normAutofit/>
           </a:bodyPr>
           <a:lstStyle/>
           <a:p>
-            <a:pPr algn="ctr">
-              <a:buNone/>
-            </a:pPr>
-            <a:r>
-              <a:rPr lang="zh-TW" altLang="en-US" sz="5400" b="1" dirty="0">
+            <a:r>
+              <a:rPr lang="zh-TW" altLang="en-US" sz="4800" b="1" dirty="0">
                 <a:solidFill>
                   <a:srgbClr val="660033"/>
                 </a:solidFill>
                 <a:latin typeface="微軟正黑體" pitchFamily="34" charset="-120"/>
                 <a:ea typeface="微軟正黑體" pitchFamily="34" charset="-120"/>
               </a:rPr>
-              <a:t>救主</a:t>
-            </a:r>
-            <a:r>
-              <a:rPr lang="zh-TW" altLang="en-US" sz="5400" b="1" dirty="0" smtClean="0">
+              <a:t>萬福源頭</a:t>
+            </a:r>
+          </a:p>
+        </p:txBody>
+      </p:sp>
+      <p:sp>
+        <p:nvSpPr>
+          <p:cNvPr id="5" name="內容版面配置區 4"/>
+          <p:cNvSpPr>
+            <a:spLocks noGrp="1"/>
+          </p:cNvSpPr>
+          <p:nvPr>
+            <p:ph idx="1"/>
+          </p:nvPr>
+        </p:nvSpPr>
+        <p:spPr/>
+        <p:txBody>
+          <a:bodyPr>
+            <a:normAutofit/>
+          </a:bodyPr>
+          <a:lstStyle/>
+          <a:p>
+            <a:pPr algn="ctr">
+              <a:buNone/>
+            </a:pPr>
+            <a:r>
+              <a:rPr lang="zh-TW" altLang="en-US" sz="5400" b="1" dirty="0">
                 <a:solidFill>
                   <a:srgbClr val="660033"/>
                 </a:solidFill>
                 <a:latin typeface="微軟正黑體" pitchFamily="34" charset="-120"/>
                 <a:ea typeface="微軟正黑體" pitchFamily="34" charset="-120"/>
               </a:rPr>
-              <a:t>耶穌  萬福源頭</a:t>
-            </a:r>
-            <a:endParaRPr lang="en-US" altLang="zh-TW" sz="5400" b="1" dirty="0" smtClean="0">
-              <a:solidFill>
-                <a:srgbClr val="660033"/>
-              </a:solidFill>
-              <a:latin typeface="微軟正黑體" pitchFamily="34" charset="-120"/>
-              <a:ea typeface="微軟正黑體" pitchFamily="34" charset="-120"/>
-            </a:endParaRPr>
-          </a:p>
-          <a:p>
-            <a:pPr algn="ctr">
-              <a:buNone/>
-            </a:pPr>
-            <a:r>
-              <a:rPr lang="zh-TW" altLang="en-US" sz="5400" b="1" dirty="0" smtClean="0">
+              <a:t>救主</a:t>
+            </a:r>
+            <a:r>
+              <a:rPr lang="zh-TW" altLang="en-US" sz="5400" b="1" dirty="0">
                 <a:solidFill>
                   <a:srgbClr val="660033"/>
                 </a:solidFill>
                 <a:latin typeface="微軟正黑體" pitchFamily="34" charset="-120"/>
                 <a:ea typeface="微軟正黑體" pitchFamily="34" charset="-120"/>
               </a:rPr>
-              <a:t>懇求</a:t>
-            </a:r>
-            <a:r>
-              <a:rPr lang="zh-TW" altLang="en-US" sz="5400" b="1" dirty="0">
-                <a:solidFill>
-                  <a:srgbClr val="660033"/>
-                </a:solidFill>
-                <a:latin typeface="微軟正黑體" pitchFamily="34" charset="-120"/>
-                <a:ea typeface="微軟正黑體" pitchFamily="34" charset="-120"/>
-              </a:rPr>
-              <a:t>垂聽我</a:t>
-            </a:r>
-            <a:r>
-              <a:rPr lang="zh-TW" altLang="en-US" sz="5400" b="1" dirty="0" smtClean="0">
-                <a:solidFill>
-                  <a:srgbClr val="660033"/>
-                </a:solidFill>
-                <a:latin typeface="微軟正黑體" pitchFamily="34" charset="-120"/>
-                <a:ea typeface="微軟正黑體" pitchFamily="34" charset="-120"/>
-              </a:rPr>
-              <a:t>頌揚</a:t>
+              <a:t>耶穌  萬福源頭</a:t>
             </a:r>
             <a:endParaRPr lang="en-US" altLang="zh-TW" sz="5400" b="1" dirty="0">
               <a:solidFill>
@@ -3172,14 +3148,14 @@
               <a:buNone/>
             </a:pPr>
             <a:r>
-              <a:rPr lang="zh-TW" altLang="en-US" sz="5400" b="1" dirty="0" smtClean="0">
+              <a:rPr lang="zh-TW" altLang="en-US" sz="5400" b="1" dirty="0">
                 <a:solidFill>
                   <a:srgbClr val="660033"/>
                 </a:solidFill>
                 <a:latin typeface="微軟正黑體" pitchFamily="34" charset="-120"/>
                 <a:ea typeface="微軟正黑體" pitchFamily="34" charset="-120"/>
               </a:rPr>
-              <a:t>主</a:t>
+              <a:t>懇求</a:t>
             </a:r>
             <a:r>
               <a:rPr lang="zh-TW" altLang="en-US" sz="5400" b="1" dirty="0">
@@ -3189,39 +3165,19 @@
                 <a:latin typeface="微軟正黑體" pitchFamily="34" charset="-120"/>
                 <a:ea typeface="微軟正黑體" pitchFamily="34" charset="-120"/>
               </a:rPr>
-              <a:t>賜</a:t>
-            </a:r>
-            <a:r>
-              <a:rPr lang="zh-TW" altLang="en-US" sz="5400" b="1" dirty="0" smtClean="0">
+              <a:t>垂聽我</a:t>
+            </a:r>
+            <a:r>
+              <a:rPr lang="zh-TW" altLang="en-US" sz="5400" b="1" dirty="0">
                 <a:solidFill>
                   <a:srgbClr val="660033"/>
                 </a:solidFill>
                 <a:latin typeface="微軟正黑體" pitchFamily="34" charset="-120"/>
                 <a:ea typeface="微軟正黑體" pitchFamily="34" charset="-120"/>
               </a:rPr>
-              <a:t>恩惠  如</a:t>
-            </a:r>
-            <a:r>
-              <a:rPr lang="zh-TW" altLang="en-US" sz="5400" b="1" dirty="0">
-                <a:solidFill>
-                  <a:srgbClr val="660033"/>
-                </a:solidFill>
-                <a:latin typeface="微軟正黑體" pitchFamily="34" charset="-120"/>
-                <a:ea typeface="微軟正黑體" pitchFamily="34" charset="-120"/>
-              </a:rPr>
-              <a:t>川湧</a:t>
-            </a:r>
-            <a:r>
-              <a:rPr lang="zh-TW" altLang="en-US" sz="5400" b="1" dirty="0" smtClean="0">
-                <a:solidFill>
-                  <a:srgbClr val="660033"/>
-                </a:solidFill>
-                <a:latin typeface="微軟正黑體" pitchFamily="34" charset="-120"/>
-                <a:ea typeface="微軟正黑體" pitchFamily="34" charset="-120"/>
-              </a:rPr>
-              <a:t>流</a:t>
-            </a:r>
-            <a:endParaRPr lang="en-US" altLang="zh-TW" sz="5400" b="1" dirty="0" smtClean="0">
+              <a:t>頌揚</a:t>
+            </a:r>
+            <a:endParaRPr lang="en-US" altLang="zh-TW" sz="5400" b="1" dirty="0">
               <a:solidFill>
                 <a:srgbClr val="660033"/>
               </a:solidFill>
@@ -3234,14 +3190,14 @@
               <a:buNone/>
             </a:pPr>
             <a:r>
-              <a:rPr lang="zh-TW" altLang="en-US" sz="5400" b="1" dirty="0" smtClean="0">
+              <a:rPr lang="zh-TW" altLang="en-US" sz="5400" b="1" dirty="0">
                 <a:solidFill>
                   <a:srgbClr val="660033"/>
                 </a:solidFill>
                 <a:latin typeface="微軟正黑體" pitchFamily="34" charset="-120"/>
                 <a:ea typeface="微軟正黑體" pitchFamily="34" charset="-120"/>
               </a:rPr>
-              <a:t>應當</a:t>
+              <a:t>主</a:t>
             </a:r>
             <a:r>
               <a:rPr lang="zh-TW" altLang="en-US" sz="5400" b="1" dirty="0">
@@ -3251,8 +3207,108 @@
                 <a:latin typeface="微軟正黑體" pitchFamily="34" charset="-120"/>
                 <a:ea typeface="微軟正黑體" pitchFamily="34" charset="-120"/>
               </a:rPr>
+              <a:t>賜</a:t>
+            </a:r>
+            <a:r>
+              <a:rPr lang="zh-TW" altLang="en-US" sz="5400" b="1" dirty="0">
+                <a:solidFill>
+                  <a:srgbClr val="660033"/>
+                </a:solidFill>
+                <a:latin typeface="微軟正黑體" pitchFamily="34" charset="-120"/>
+                <a:ea typeface="微軟正黑體" pitchFamily="34" charset="-120"/>
+              </a:rPr>
+              <a:t>恩惠  如</a:t>
+            </a:r>
+            <a:r>
+              <a:rPr lang="zh-TW" altLang="en-US" sz="5400" b="1" dirty="0">
+                <a:solidFill>
+                  <a:srgbClr val="660033"/>
+                </a:solidFill>
+                <a:latin typeface="微軟正黑體" pitchFamily="34" charset="-120"/>
+                <a:ea typeface="微軟正黑體" pitchFamily="34" charset="-120"/>
+              </a:rPr>
+              <a:t>川湧</a:t>
+            </a:r>
+            <a:r>
+              <a:rPr lang="zh-TW" altLang="en-US" sz="5400" b="1" dirty="0">
+                <a:solidFill>
+                  <a:srgbClr val="660033"/>
+                </a:solidFill>
+                <a:latin typeface="微軟正黑體" pitchFamily="34" charset="-120"/>
+                <a:ea typeface="微軟正黑體" pitchFamily="34" charset="-120"/>
+              </a:rPr>
+              <a:t>流</a:t>
+            </a:r>
+            <a:endParaRPr lang="en-US" altLang="zh-TW" sz="5400" b="1" dirty="0">
+              <a:solidFill>
+                <a:srgbClr val="660033"/>
+              </a:solidFill>
+              <a:latin typeface="微軟正黑體" pitchFamily="34" charset="-120"/>
+              <a:ea typeface="微軟正黑體" pitchFamily="34" charset="-120"/>
+            </a:endParaRPr>
+          </a:p>
+          <a:p>
+            <a:pPr algn="ctr">
+              <a:buNone/>
+            </a:pPr>
+            <a:r>
+              <a:rPr lang="zh-TW" altLang="en-US" sz="5400" b="1" dirty="0">
+                <a:solidFill>
+                  <a:srgbClr val="660033"/>
+                </a:solidFill>
+                <a:latin typeface="微軟正黑體" pitchFamily="34" charset="-120"/>
+                <a:ea typeface="微軟正黑體" pitchFamily="34" charset="-120"/>
+              </a:rPr>
+              <a:t>應當</a:t>
+            </a:r>
+            <a:r>
+              <a:rPr lang="zh-TW" altLang="en-US" sz="5400" b="1" dirty="0">
+                <a:solidFill>
+                  <a:srgbClr val="660033"/>
+                </a:solidFill>
+                <a:latin typeface="微軟正黑體" pitchFamily="34" charset="-120"/>
+                <a:ea typeface="微軟正黑體" pitchFamily="34" charset="-120"/>
+              </a:rPr>
               <a:t>高歌詠無疆</a:t>
             </a:r>
+          </a:p>
+        </p:txBody>
+      </p:sp>
+      <p:sp>
+        <p:nvSpPr>
+          <p:cNvPr id="2" name="TextBox 1"/>
+          <p:cNvSpPr txBox="1"/>
+          <p:nvPr/>
+        </p:nvSpPr>
+        <p:spPr>
+          <a:xfrm>
+            <a:off x="1271464" y="1574486"/>
+            <a:ext cx="1008112" cy="1107996"/>
+          </a:xfrm>
+          <a:prstGeom prst="rect">
+            <a:avLst/>
+          </a:prstGeom>
+          <a:noFill/>
+        </p:spPr>
+        <p:txBody>
+          <a:bodyPr wrap="square" rtlCol="0">
+            <a:spAutoFit/>
+          </a:bodyPr>
+          <a:lstStyle/>
+          <a:p>
+            <a:r>
+              <a:rPr lang="en-US" sz="6600" b="1" dirty="0" smtClean="0">
+                <a:solidFill>
+                  <a:srgbClr val="660033"/>
+                </a:solidFill>
+              </a:rPr>
+              <a:t>1.</a:t>
+            </a:r>
+            <a:endParaRPr lang="vi-VN" sz="6600" b="1" dirty="0">
+              <a:solidFill>
+                <a:srgbClr val="660033"/>
+              </a:solidFill>
+            </a:endParaRPr>
           </a:p>
         </p:txBody>
       </p:sp>
@@ -3293,53 +3349,55 @@
         </p:nvSpPr>
         <p:spPr/>
         <p:txBody>
-          <a:bodyPr/>
-          <a:lstStyle/>
-          <a:p>
-            <a:r>
-              <a:rPr lang="zh-TW" altLang="en-US" b="1" dirty="0">
-                <a:solidFill>
-                  <a:srgbClr val="660033"/>
-                </a:solidFill>
-                <a:latin typeface="微軟正黑體" pitchFamily="34" charset="-120"/>
-                <a:ea typeface="微軟正黑體" pitchFamily="34" charset="-120"/>
-              </a:rPr>
-              <a:t>萬福源頭</a:t>
-            </a:r>
-          </a:p>
-        </p:txBody>
-      </p:sp>
-      <p:sp>
-        <p:nvSpPr>
-          <p:cNvPr id="5" name="內容版面配置區 4"/>
-          <p:cNvSpPr>
-            <a:spLocks noGrp="1"/>
-          </p:cNvSpPr>
-          <p:nvPr>
-            <p:ph idx="1"/>
-          </p:nvPr>
-        </p:nvSpPr>
-        <p:spPr/>
-        <p:txBody>
           <a:bodyPr>
             <a:normAutofit/>
           </a:bodyPr>
           <a:lstStyle/>
           <a:p>
-            <a:pPr algn="ctr">
-              <a:buNone/>
-            </a:pPr>
-            <a:r>
-              <a:rPr lang="zh-TW" altLang="en-US" sz="5400" b="1" dirty="0" smtClean="0">
+            <a:r>
+              <a:rPr lang="zh-TW" altLang="en-US" sz="4800" b="1" dirty="0">
                 <a:solidFill>
                   <a:srgbClr val="660033"/>
                 </a:solidFill>
                 <a:latin typeface="微軟正黑體" pitchFamily="34" charset="-120"/>
                 <a:ea typeface="微軟正黑體" pitchFamily="34" charset="-120"/>
               </a:rPr>
+              <a:t>萬福源頭</a:t>
+            </a:r>
+          </a:p>
+        </p:txBody>
+      </p:sp>
+      <p:sp>
+        <p:nvSpPr>
+          <p:cNvPr id="5" name="內容版面配置區 4"/>
+          <p:cNvSpPr>
+            <a:spLocks noGrp="1"/>
+          </p:cNvSpPr>
+          <p:nvPr>
+            <p:ph idx="1"/>
+          </p:nvPr>
+        </p:nvSpPr>
+        <p:spPr/>
+        <p:txBody>
+          <a:bodyPr>
+            <a:normAutofit/>
+          </a:bodyPr>
+          <a:lstStyle/>
+          <a:p>
+            <a:pPr algn="ctr">
+              <a:buNone/>
+            </a:pPr>
+            <a:r>
+              <a:rPr lang="zh-TW" altLang="en-US" sz="5400" b="1" dirty="0">
+                <a:solidFill>
+                  <a:srgbClr val="660033"/>
+                </a:solidFill>
+                <a:latin typeface="微軟正黑體" pitchFamily="34" charset="-120"/>
+                <a:ea typeface="微軟正黑體" pitchFamily="34" charset="-120"/>
+              </a:rPr>
               <a:t>天上使者高聲讚美</a:t>
             </a:r>
-            <a:endParaRPr lang="en-US" altLang="zh-TW" sz="5400" b="1" dirty="0" smtClean="0">
+            <a:endParaRPr lang="en-US" altLang="zh-TW" sz="5400" b="1" dirty="0">
               <a:solidFill>
                 <a:srgbClr val="660033"/>
               </a:solidFill>
@@ -3352,7 +3410,7 @@
               <a:buNone/>
             </a:pPr>
             <a:r>
-              <a:rPr lang="zh-TW" altLang="en-US" sz="5400" b="1" dirty="0" smtClean="0">
+              <a:rPr lang="zh-TW" altLang="en-US" sz="5400" b="1" dirty="0">
                 <a:solidFill>
                   <a:srgbClr val="660033"/>
                 </a:solidFill>
@@ -3361,7 +3419,7 @@
               </a:rPr>
               <a:t>和諧歌頌無晝夜</a:t>
             </a:r>
-            <a:endParaRPr lang="en-US" altLang="zh-TW" sz="5400" b="1" dirty="0" smtClean="0">
+            <a:endParaRPr lang="en-US" altLang="zh-TW" sz="5400" b="1" dirty="0">
               <a:solidFill>
                 <a:srgbClr val="660033"/>
               </a:solidFill>
@@ -3374,7 +3432,7 @@
               <a:buNone/>
             </a:pPr>
             <a:r>
-              <a:rPr lang="zh-TW" altLang="en-US" sz="5400" b="1" dirty="0" smtClean="0">
+              <a:rPr lang="zh-TW" altLang="en-US" sz="5400" b="1" dirty="0">
                 <a:solidFill>
                   <a:srgbClr val="660033"/>
                 </a:solidFill>
@@ -3383,7 +3441,7 @@
               </a:rPr>
               <a:t>我受恩惠比祂加倍</a:t>
             </a:r>
-            <a:endParaRPr lang="en-US" altLang="zh-TW" sz="5400" b="1" dirty="0" smtClean="0">
+            <a:endParaRPr lang="en-US" altLang="zh-TW" sz="5400" b="1" dirty="0">
               <a:solidFill>
                 <a:srgbClr val="660033"/>
               </a:solidFill>
@@ -3396,7 +3454,7 @@
               <a:buNone/>
             </a:pPr>
             <a:r>
-              <a:rPr lang="zh-TW" altLang="en-US" sz="5400" b="1" dirty="0" smtClean="0">
+              <a:rPr lang="zh-TW" altLang="en-US" sz="5400" b="1" dirty="0">
                 <a:solidFill>
                   <a:srgbClr val="660033"/>
                 </a:solidFill>
@@ -3411,6 +3469,44 @@
               </a:solidFill>
               <a:latin typeface="微軟正黑體" pitchFamily="34" charset="-120"/>
               <a:ea typeface="微軟正黑體" pitchFamily="34" charset="-120"/>
+            </a:endParaRPr>
+          </a:p>
+        </p:txBody>
+      </p:sp>
+      <p:sp>
+        <p:nvSpPr>
+          <p:cNvPr id="6" name="TextBox 5"/>
+          <p:cNvSpPr txBox="1"/>
+          <p:nvPr/>
+        </p:nvSpPr>
+        <p:spPr>
+          <a:xfrm>
+            <a:off x="1271464" y="1574486"/>
+            <a:ext cx="1008112" cy="1107996"/>
+          </a:xfrm>
+          <a:prstGeom prst="rect">
+            <a:avLst/>
+          </a:prstGeom>
+          <a:noFill/>
+        </p:spPr>
+        <p:txBody>
+          <a:bodyPr wrap="square" rtlCol="0">
+            <a:spAutoFit/>
+          </a:bodyPr>
+          <a:lstStyle/>
+          <a:p>
+            <a:r>
+              <a:rPr lang="en-US" sz="6600" b="1" dirty="0" smtClean="0">
+                <a:solidFill>
+                  <a:srgbClr val="660033"/>
+                </a:solidFill>
+              </a:rPr>
+              <a:t>1.</a:t>
+            </a:r>
+            <a:endParaRPr lang="vi-VN" sz="6600" b="1" dirty="0">
+              <a:solidFill>
+                <a:srgbClr val="660033"/>
+              </a:solidFill>
             </a:endParaRPr>
           </a:p>
         </p:txBody>
@@ -3452,53 +3548,55 @@
         </p:nvSpPr>
         <p:spPr/>
         <p:txBody>
-          <a:bodyPr/>
-          <a:lstStyle/>
-          <a:p>
-            <a:r>
-              <a:rPr lang="zh-TW" altLang="en-US" b="1" dirty="0">
-                <a:solidFill>
-                  <a:srgbClr val="660033"/>
-                </a:solidFill>
-                <a:latin typeface="微軟正黑體" pitchFamily="34" charset="-120"/>
-                <a:ea typeface="微軟正黑體" pitchFamily="34" charset="-120"/>
-              </a:rPr>
-              <a:t>萬福源頭</a:t>
-            </a:r>
-          </a:p>
-        </p:txBody>
-      </p:sp>
-      <p:sp>
-        <p:nvSpPr>
-          <p:cNvPr id="5" name="內容版面配置區 4"/>
-          <p:cNvSpPr>
-            <a:spLocks noGrp="1"/>
-          </p:cNvSpPr>
-          <p:nvPr>
-            <p:ph idx="1"/>
-          </p:nvPr>
-        </p:nvSpPr>
-        <p:spPr/>
-        <p:txBody>
           <a:bodyPr>
             <a:normAutofit/>
           </a:bodyPr>
           <a:lstStyle/>
           <a:p>
-            <a:pPr algn="ctr">
-              <a:buNone/>
-            </a:pPr>
-            <a:r>
-              <a:rPr lang="zh-TW" altLang="en-US" sz="5400" b="1" dirty="0" smtClean="0">
+            <a:r>
+              <a:rPr lang="zh-TW" altLang="en-US" sz="4800" b="1" dirty="0">
                 <a:solidFill>
                   <a:srgbClr val="660033"/>
                 </a:solidFill>
                 <a:latin typeface="微軟正黑體" pitchFamily="34" charset="-120"/>
                 <a:ea typeface="微軟正黑體" pitchFamily="34" charset="-120"/>
               </a:rPr>
+              <a:t>萬福源頭</a:t>
+            </a:r>
+          </a:p>
+        </p:txBody>
+      </p:sp>
+      <p:sp>
+        <p:nvSpPr>
+          <p:cNvPr id="5" name="內容版面配置區 4"/>
+          <p:cNvSpPr>
+            <a:spLocks noGrp="1"/>
+          </p:cNvSpPr>
+          <p:nvPr>
+            <p:ph idx="1"/>
+          </p:nvPr>
+        </p:nvSpPr>
+        <p:spPr/>
+        <p:txBody>
+          <a:bodyPr>
+            <a:normAutofit/>
+          </a:bodyPr>
+          <a:lstStyle/>
+          <a:p>
+            <a:pPr algn="ctr">
+              <a:buNone/>
+            </a:pPr>
+            <a:r>
+              <a:rPr lang="zh-TW" altLang="en-US" sz="5400" b="1" dirty="0">
+                <a:solidFill>
+                  <a:srgbClr val="660033"/>
+                </a:solidFill>
+                <a:latin typeface="微軟正黑體" pitchFamily="34" charset="-120"/>
+                <a:ea typeface="微軟正黑體" pitchFamily="34" charset="-120"/>
+              </a:rPr>
               <a:t>此時立碑  記主恩慈</a:t>
             </a:r>
-            <a:endParaRPr lang="en-US" altLang="zh-TW" sz="5400" b="1" dirty="0" smtClean="0">
+            <a:endParaRPr lang="en-US" altLang="zh-TW" sz="5400" b="1" dirty="0">
               <a:solidFill>
                 <a:srgbClr val="660033"/>
               </a:solidFill>
@@ -3511,7 +3609,7 @@
               <a:buNone/>
             </a:pPr>
             <a:r>
-              <a:rPr lang="zh-TW" altLang="en-US" sz="5400" b="1" dirty="0" smtClean="0">
+              <a:rPr lang="zh-TW" altLang="en-US" sz="5400" b="1" dirty="0">
                 <a:solidFill>
                   <a:srgbClr val="660033"/>
                 </a:solidFill>
@@ -3520,7 +3618,7 @@
               </a:rPr>
               <a:t>效法士師撒母耳</a:t>
             </a:r>
-            <a:endParaRPr lang="en-US" altLang="zh-TW" sz="5400" b="1" dirty="0" smtClean="0">
+            <a:endParaRPr lang="en-US" altLang="zh-TW" sz="5400" b="1" dirty="0">
               <a:solidFill>
                 <a:srgbClr val="660033"/>
               </a:solidFill>
@@ -3533,7 +3631,7 @@
               <a:buNone/>
             </a:pPr>
             <a:r>
-              <a:rPr lang="zh-TW" altLang="en-US" sz="5400" b="1" dirty="0" smtClean="0">
+              <a:rPr lang="zh-TW" altLang="en-US" sz="5400" b="1" dirty="0">
                 <a:solidFill>
                   <a:srgbClr val="660033"/>
                 </a:solidFill>
@@ -3542,7 +3640,7 @@
               </a:rPr>
               <a:t>主曾保護  直到現時</a:t>
             </a:r>
-            <a:endParaRPr lang="en-US" altLang="zh-TW" sz="5400" b="1" dirty="0" smtClean="0">
+            <a:endParaRPr lang="en-US" altLang="zh-TW" sz="5400" b="1" dirty="0">
               <a:solidFill>
                 <a:srgbClr val="660033"/>
               </a:solidFill>
@@ -3555,7 +3653,7 @@
               <a:buNone/>
             </a:pPr>
             <a:r>
-              <a:rPr lang="zh-TW" altLang="en-US" sz="5400" b="1" dirty="0" smtClean="0">
+              <a:rPr lang="zh-TW" altLang="en-US" sz="5400" b="1" dirty="0">
                 <a:solidFill>
                   <a:srgbClr val="660033"/>
                 </a:solidFill>
@@ -3564,6 +3662,52 @@
               </a:rPr>
               <a:t>總不離棄到末日</a:t>
             </a:r>
+          </a:p>
+        </p:txBody>
+      </p:sp>
+      <p:sp>
+        <p:nvSpPr>
+          <p:cNvPr id="6" name="TextBox 5"/>
+          <p:cNvSpPr txBox="1"/>
+          <p:nvPr/>
+        </p:nvSpPr>
+        <p:spPr>
+          <a:xfrm>
+            <a:off x="1271464" y="1574486"/>
+            <a:ext cx="1008112" cy="1107996"/>
+          </a:xfrm>
+          <a:prstGeom prst="rect">
+            <a:avLst/>
+          </a:prstGeom>
+          <a:noFill/>
+        </p:spPr>
+        <p:txBody>
+          <a:bodyPr wrap="square" rtlCol="0">
+            <a:spAutoFit/>
+          </a:bodyPr>
+          <a:lstStyle/>
+          <a:p>
+            <a:r>
+              <a:rPr lang="en-US" sz="6600" b="1" dirty="0">
+                <a:solidFill>
+                  <a:srgbClr val="660033"/>
+                </a:solidFill>
+              </a:rPr>
+              <a:t>2</a:t>
+            </a:r>
+            <a:r>
+              <a:rPr lang="en-US" sz="6600" b="1" dirty="0" smtClean="0">
+                <a:solidFill>
+                  <a:srgbClr val="660033"/>
+                </a:solidFill>
+              </a:rPr>
+              <a:t>.</a:t>
+            </a:r>
+            <a:endParaRPr lang="vi-VN" sz="6600" b="1" dirty="0">
+              <a:solidFill>
+                <a:srgbClr val="660033"/>
+              </a:solidFill>
+            </a:endParaRPr>
           </a:p>
         </p:txBody>
       </p:sp>
@@ -3604,53 +3748,55 @@
         </p:nvSpPr>
         <p:spPr/>
         <p:txBody>
-          <a:bodyPr/>
-          <a:lstStyle/>
-          <a:p>
-            <a:r>
-              <a:rPr lang="zh-TW" altLang="en-US" b="1" dirty="0">
-                <a:solidFill>
-                  <a:srgbClr val="660033"/>
-                </a:solidFill>
-                <a:latin typeface="微軟正黑體" pitchFamily="34" charset="-120"/>
-                <a:ea typeface="微軟正黑體" pitchFamily="34" charset="-120"/>
-              </a:rPr>
-              <a:t>萬福源頭</a:t>
-            </a:r>
-          </a:p>
-        </p:txBody>
-      </p:sp>
-      <p:sp>
-        <p:nvSpPr>
-          <p:cNvPr id="5" name="內容版面配置區 4"/>
-          <p:cNvSpPr>
-            <a:spLocks noGrp="1"/>
-          </p:cNvSpPr>
-          <p:nvPr>
-            <p:ph idx="1"/>
-          </p:nvPr>
-        </p:nvSpPr>
-        <p:spPr/>
-        <p:txBody>
           <a:bodyPr>
             <a:normAutofit/>
           </a:bodyPr>
           <a:lstStyle/>
           <a:p>
-            <a:pPr algn="ctr">
-              <a:buNone/>
-            </a:pPr>
-            <a:r>
-              <a:rPr lang="zh-TW" altLang="en-US" sz="5400" b="1" dirty="0" smtClean="0">
+            <a:r>
+              <a:rPr lang="zh-TW" altLang="en-US" sz="4800" b="1" dirty="0">
                 <a:solidFill>
                   <a:srgbClr val="660033"/>
                 </a:solidFill>
                 <a:latin typeface="微軟正黑體" pitchFamily="34" charset="-120"/>
                 <a:ea typeface="微軟正黑體" pitchFamily="34" charset="-120"/>
               </a:rPr>
+              <a:t>萬福源頭</a:t>
+            </a:r>
+          </a:p>
+        </p:txBody>
+      </p:sp>
+      <p:sp>
+        <p:nvSpPr>
+          <p:cNvPr id="5" name="內容版面配置區 4"/>
+          <p:cNvSpPr>
+            <a:spLocks noGrp="1"/>
+          </p:cNvSpPr>
+          <p:nvPr>
+            <p:ph idx="1"/>
+          </p:nvPr>
+        </p:nvSpPr>
+        <p:spPr/>
+        <p:txBody>
+          <a:bodyPr>
+            <a:normAutofit/>
+          </a:bodyPr>
+          <a:lstStyle/>
+          <a:p>
+            <a:pPr algn="ctr">
+              <a:buNone/>
+            </a:pPr>
+            <a:r>
+              <a:rPr lang="zh-TW" altLang="en-US" sz="5400" b="1" dirty="0">
+                <a:solidFill>
+                  <a:srgbClr val="660033"/>
+                </a:solidFill>
+                <a:latin typeface="微軟正黑體" pitchFamily="34" charset="-120"/>
+                <a:ea typeface="微軟正黑體" pitchFamily="34" charset="-120"/>
+              </a:rPr>
               <a:t>耶穌看我如羊失群</a:t>
             </a:r>
-            <a:endParaRPr lang="en-US" altLang="zh-TW" sz="5400" b="1" dirty="0" smtClean="0">
+            <a:endParaRPr lang="en-US" altLang="zh-TW" sz="5400" b="1" dirty="0">
               <a:solidFill>
                 <a:srgbClr val="660033"/>
               </a:solidFill>
@@ -3663,7 +3809,7 @@
               <a:buNone/>
             </a:pPr>
             <a:r>
-              <a:rPr lang="zh-TW" altLang="en-US" sz="5400" b="1" dirty="0" smtClean="0">
+              <a:rPr lang="zh-TW" altLang="en-US" sz="5400" b="1" dirty="0">
                 <a:solidFill>
                   <a:srgbClr val="660033"/>
                 </a:solidFill>
@@ -3672,7 +3818,7 @@
               </a:rPr>
               <a:t>離開天父去遙遠</a:t>
             </a:r>
-            <a:endParaRPr lang="en-US" altLang="zh-TW" sz="5400" b="1" dirty="0" smtClean="0">
+            <a:endParaRPr lang="en-US" altLang="zh-TW" sz="5400" b="1" dirty="0">
               <a:solidFill>
                 <a:srgbClr val="660033"/>
               </a:solidFill>
@@ -3685,7 +3831,7 @@
               <a:buNone/>
             </a:pPr>
             <a:r>
-              <a:rPr lang="zh-TW" altLang="en-US" sz="5400" b="1" dirty="0" smtClean="0">
+              <a:rPr lang="zh-TW" altLang="en-US" sz="5400" b="1" dirty="0">
                 <a:solidFill>
                   <a:srgbClr val="660033"/>
                 </a:solidFill>
@@ -3694,7 +3840,7 @@
               </a:rPr>
               <a:t>自流寶血救我罪身</a:t>
             </a:r>
-            <a:endParaRPr lang="en-US" altLang="zh-TW" sz="5400" b="1" dirty="0" smtClean="0">
+            <a:endParaRPr lang="en-US" altLang="zh-TW" sz="5400" b="1" dirty="0">
               <a:solidFill>
                 <a:srgbClr val="660033"/>
               </a:solidFill>
@@ -3707,7 +3853,7 @@
               <a:buNone/>
             </a:pPr>
             <a:r>
-              <a:rPr lang="zh-TW" altLang="en-US" sz="5400" b="1" dirty="0" smtClean="0">
+              <a:rPr lang="zh-TW" altLang="en-US" sz="5400" b="1" dirty="0">
                 <a:solidFill>
                   <a:srgbClr val="660033"/>
                 </a:solidFill>
@@ -3716,6 +3862,52 @@
               </a:rPr>
               <a:t>親來引我歸羊圈</a:t>
             </a:r>
+          </a:p>
+        </p:txBody>
+      </p:sp>
+      <p:sp>
+        <p:nvSpPr>
+          <p:cNvPr id="6" name="TextBox 5"/>
+          <p:cNvSpPr txBox="1"/>
+          <p:nvPr/>
+        </p:nvSpPr>
+        <p:spPr>
+          <a:xfrm>
+            <a:off x="1271464" y="1574486"/>
+            <a:ext cx="1008112" cy="1107996"/>
+          </a:xfrm>
+          <a:prstGeom prst="rect">
+            <a:avLst/>
+          </a:prstGeom>
+          <a:noFill/>
+        </p:spPr>
+        <p:txBody>
+          <a:bodyPr wrap="square" rtlCol="0">
+            <a:spAutoFit/>
+          </a:bodyPr>
+          <a:lstStyle/>
+          <a:p>
+            <a:r>
+              <a:rPr lang="en-US" sz="6600" b="1" dirty="0">
+                <a:solidFill>
+                  <a:srgbClr val="660033"/>
+                </a:solidFill>
+              </a:rPr>
+              <a:t>2</a:t>
+            </a:r>
+            <a:r>
+              <a:rPr lang="en-US" sz="6600" b="1" dirty="0" smtClean="0">
+                <a:solidFill>
+                  <a:srgbClr val="660033"/>
+                </a:solidFill>
+              </a:rPr>
+              <a:t>.</a:t>
+            </a:r>
+            <a:endParaRPr lang="vi-VN" sz="6600" b="1" dirty="0">
+              <a:solidFill>
+                <a:srgbClr val="660033"/>
+              </a:solidFill>
+            </a:endParaRPr>
           </a:p>
         </p:txBody>
       </p:sp>
@@ -3756,53 +3948,55 @@
         </p:nvSpPr>
         <p:spPr/>
         <p:txBody>
-          <a:bodyPr/>
-          <a:lstStyle/>
-          <a:p>
-            <a:r>
-              <a:rPr lang="zh-TW" altLang="en-US" b="1" dirty="0">
-                <a:solidFill>
-                  <a:srgbClr val="660033"/>
-                </a:solidFill>
-                <a:latin typeface="微軟正黑體" pitchFamily="34" charset="-120"/>
-                <a:ea typeface="微軟正黑體" pitchFamily="34" charset="-120"/>
-              </a:rPr>
-              <a:t>萬福源頭</a:t>
-            </a:r>
-          </a:p>
-        </p:txBody>
-      </p:sp>
-      <p:sp>
-        <p:nvSpPr>
-          <p:cNvPr id="5" name="內容版面配置區 4"/>
-          <p:cNvSpPr>
-            <a:spLocks noGrp="1"/>
-          </p:cNvSpPr>
-          <p:nvPr>
-            <p:ph idx="1"/>
-          </p:nvPr>
-        </p:nvSpPr>
-        <p:spPr/>
-        <p:txBody>
           <a:bodyPr>
             <a:normAutofit/>
           </a:bodyPr>
           <a:lstStyle/>
           <a:p>
-            <a:pPr algn="ctr">
-              <a:buNone/>
-            </a:pPr>
-            <a:r>
-              <a:rPr lang="zh-TW" altLang="en-US" sz="5400" b="1" dirty="0" smtClean="0">
+            <a:r>
+              <a:rPr lang="zh-TW" altLang="en-US" sz="4800" b="1" dirty="0">
                 <a:solidFill>
                   <a:srgbClr val="660033"/>
                 </a:solidFill>
                 <a:latin typeface="微軟正黑體" pitchFamily="34" charset="-120"/>
                 <a:ea typeface="微軟正黑體" pitchFamily="34" charset="-120"/>
               </a:rPr>
+              <a:t>萬福源頭</a:t>
+            </a:r>
+          </a:p>
+        </p:txBody>
+      </p:sp>
+      <p:sp>
+        <p:nvSpPr>
+          <p:cNvPr id="5" name="內容版面配置區 4"/>
+          <p:cNvSpPr>
+            <a:spLocks noGrp="1"/>
+          </p:cNvSpPr>
+          <p:nvPr>
+            <p:ph idx="1"/>
+          </p:nvPr>
+        </p:nvSpPr>
+        <p:spPr/>
+        <p:txBody>
+          <a:bodyPr>
+            <a:normAutofit/>
+          </a:bodyPr>
+          <a:lstStyle/>
+          <a:p>
+            <a:pPr algn="ctr">
+              <a:buNone/>
+            </a:pPr>
+            <a:r>
+              <a:rPr lang="zh-TW" altLang="en-US" sz="5400" b="1" dirty="0">
+                <a:solidFill>
+                  <a:srgbClr val="660033"/>
+                </a:solidFill>
+                <a:latin typeface="微軟正黑體" pitchFamily="34" charset="-120"/>
+                <a:ea typeface="微軟正黑體" pitchFamily="34" charset="-120"/>
+              </a:rPr>
               <a:t>我受恩惠  何其寬洪</a:t>
             </a:r>
-            <a:endParaRPr lang="en-US" altLang="zh-TW" sz="5400" b="1" dirty="0" smtClean="0">
+            <a:endParaRPr lang="en-US" altLang="zh-TW" sz="5400" b="1" dirty="0">
               <a:solidFill>
                 <a:srgbClr val="660033"/>
               </a:solidFill>
@@ -3815,7 +4009,7 @@
               <a:buNone/>
             </a:pPr>
             <a:r>
-              <a:rPr lang="zh-TW" altLang="en-US" sz="5400" b="1" dirty="0" smtClean="0">
+              <a:rPr lang="zh-TW" altLang="en-US" sz="5400" b="1" dirty="0">
                 <a:solidFill>
                   <a:srgbClr val="660033"/>
                 </a:solidFill>
@@ -3824,7 +4018,7 @@
               </a:rPr>
               <a:t>日日增新無從報</a:t>
             </a:r>
-            <a:endParaRPr lang="en-US" altLang="zh-TW" sz="5400" b="1" dirty="0" smtClean="0">
+            <a:endParaRPr lang="en-US" altLang="zh-TW" sz="5400" b="1" dirty="0">
               <a:solidFill>
                 <a:srgbClr val="660033"/>
               </a:solidFill>
@@ -3837,7 +4031,7 @@
               <a:buNone/>
             </a:pPr>
             <a:r>
-              <a:rPr lang="zh-TW" altLang="en-US" sz="5400" b="1" dirty="0" smtClean="0">
+              <a:rPr lang="zh-TW" altLang="en-US" sz="5400" b="1" dirty="0">
                 <a:solidFill>
                   <a:srgbClr val="660033"/>
                 </a:solidFill>
@@ -3846,7 +4040,7 @@
               </a:rPr>
               <a:t>此後惟願  事主盡忠</a:t>
             </a:r>
-            <a:endParaRPr lang="en-US" altLang="zh-TW" sz="5400" b="1" dirty="0" smtClean="0">
+            <a:endParaRPr lang="en-US" altLang="zh-TW" sz="5400" b="1" dirty="0">
               <a:solidFill>
                 <a:srgbClr val="660033"/>
               </a:solidFill>
@@ -3859,7 +4053,7 @@
               <a:buNone/>
             </a:pPr>
             <a:r>
-              <a:rPr lang="zh-TW" altLang="en-US" sz="5400" b="1" dirty="0" smtClean="0">
+              <a:rPr lang="zh-TW" altLang="en-US" sz="5400" b="1" dirty="0">
                 <a:solidFill>
                   <a:srgbClr val="660033"/>
                 </a:solidFill>
@@ -3868,6 +4062,52 @@
               </a:rPr>
               <a:t>一心戀主蒙引導</a:t>
             </a:r>
+          </a:p>
+        </p:txBody>
+      </p:sp>
+      <p:sp>
+        <p:nvSpPr>
+          <p:cNvPr id="6" name="TextBox 5"/>
+          <p:cNvSpPr txBox="1"/>
+          <p:nvPr/>
+        </p:nvSpPr>
+        <p:spPr>
+          <a:xfrm>
+            <a:off x="1271464" y="1574486"/>
+            <a:ext cx="1008112" cy="1107996"/>
+          </a:xfrm>
+          <a:prstGeom prst="rect">
+            <a:avLst/>
+          </a:prstGeom>
+          <a:noFill/>
+        </p:spPr>
+        <p:txBody>
+          <a:bodyPr wrap="square" rtlCol="0">
+            <a:spAutoFit/>
+          </a:bodyPr>
+          <a:lstStyle/>
+          <a:p>
+            <a:r>
+              <a:rPr lang="en-US" sz="6600" b="1" dirty="0">
+                <a:solidFill>
+                  <a:srgbClr val="660033"/>
+                </a:solidFill>
+              </a:rPr>
+              <a:t>3</a:t>
+            </a:r>
+            <a:r>
+              <a:rPr lang="en-US" sz="6600" b="1" dirty="0" smtClean="0">
+                <a:solidFill>
+                  <a:srgbClr val="660033"/>
+                </a:solidFill>
+              </a:rPr>
+              <a:t>.</a:t>
+            </a:r>
+            <a:endParaRPr lang="vi-VN" sz="6600" b="1" dirty="0">
+              <a:solidFill>
+                <a:srgbClr val="660033"/>
+              </a:solidFill>
+            </a:endParaRPr>
           </a:p>
         </p:txBody>
       </p:sp>
@@ -3908,53 +4148,55 @@
         </p:nvSpPr>
         <p:spPr/>
         <p:txBody>
-          <a:bodyPr/>
-          <a:lstStyle/>
-          <a:p>
-            <a:r>
-              <a:rPr lang="zh-TW" altLang="en-US" b="1" dirty="0">
-                <a:solidFill>
-                  <a:srgbClr val="660033"/>
-                </a:solidFill>
-                <a:latin typeface="微軟正黑體" pitchFamily="34" charset="-120"/>
-                <a:ea typeface="微軟正黑體" pitchFamily="34" charset="-120"/>
-              </a:rPr>
-              <a:t>萬福源頭</a:t>
-            </a:r>
-          </a:p>
-        </p:txBody>
-      </p:sp>
-      <p:sp>
-        <p:nvSpPr>
-          <p:cNvPr id="5" name="內容版面配置區 4"/>
-          <p:cNvSpPr>
-            <a:spLocks noGrp="1"/>
-          </p:cNvSpPr>
-          <p:nvPr>
-            <p:ph idx="1"/>
-          </p:nvPr>
-        </p:nvSpPr>
-        <p:spPr/>
-        <p:txBody>
           <a:bodyPr>
             <a:normAutofit/>
           </a:bodyPr>
           <a:lstStyle/>
           <a:p>
-            <a:pPr algn="ctr">
-              <a:buNone/>
-            </a:pPr>
-            <a:r>
-              <a:rPr lang="zh-TW" altLang="en-US" sz="5400" b="1" dirty="0" smtClean="0">
+            <a:r>
+              <a:rPr lang="zh-TW" altLang="en-US" sz="4800" b="1" dirty="0">
                 <a:solidFill>
                   <a:srgbClr val="660033"/>
                 </a:solidFill>
                 <a:latin typeface="微軟正黑體" pitchFamily="34" charset="-120"/>
                 <a:ea typeface="微軟正黑體" pitchFamily="34" charset="-120"/>
               </a:rPr>
+              <a:t>萬福源頭</a:t>
+            </a:r>
+          </a:p>
+        </p:txBody>
+      </p:sp>
+      <p:sp>
+        <p:nvSpPr>
+          <p:cNvPr id="5" name="內容版面配置區 4"/>
+          <p:cNvSpPr>
+            <a:spLocks noGrp="1"/>
+          </p:cNvSpPr>
+          <p:nvPr>
+            <p:ph idx="1"/>
+          </p:nvPr>
+        </p:nvSpPr>
+        <p:spPr/>
+        <p:txBody>
+          <a:bodyPr>
+            <a:normAutofit/>
+          </a:bodyPr>
+          <a:lstStyle/>
+          <a:p>
+            <a:pPr algn="ctr">
+              <a:buNone/>
+            </a:pPr>
+            <a:r>
+              <a:rPr lang="zh-TW" altLang="en-US" sz="5400" b="1" dirty="0">
+                <a:solidFill>
+                  <a:srgbClr val="660033"/>
+                </a:solidFill>
+                <a:latin typeface="微軟正黑體" pitchFamily="34" charset="-120"/>
+                <a:ea typeface="微軟正黑體" pitchFamily="34" charset="-120"/>
+              </a:rPr>
               <a:t>惜我愚心易失正途</a:t>
             </a:r>
-            <a:endParaRPr lang="en-US" altLang="zh-TW" sz="5400" b="1" dirty="0" smtClean="0">
+            <a:endParaRPr lang="en-US" altLang="zh-TW" sz="5400" b="1" dirty="0">
               <a:solidFill>
                 <a:srgbClr val="660033"/>
               </a:solidFill>
@@ -3967,7 +4209,7 @@
               <a:buNone/>
             </a:pPr>
             <a:r>
-              <a:rPr lang="zh-TW" altLang="en-US" sz="5400" b="1" dirty="0" smtClean="0">
+              <a:rPr lang="zh-TW" altLang="en-US" sz="5400" b="1" dirty="0">
                 <a:solidFill>
                   <a:srgbClr val="660033"/>
                 </a:solidFill>
@@ -3976,7 +4218,7 @@
               </a:rPr>
               <a:t>去行邪道冒危險</a:t>
             </a:r>
-            <a:endParaRPr lang="en-US" altLang="zh-TW" sz="5400" b="1" dirty="0" smtClean="0">
+            <a:endParaRPr lang="en-US" altLang="zh-TW" sz="5400" b="1" dirty="0">
               <a:solidFill>
                 <a:srgbClr val="660033"/>
               </a:solidFill>
@@ -3989,7 +4231,7 @@
               <a:buNone/>
             </a:pPr>
             <a:r>
-              <a:rPr lang="zh-TW" altLang="en-US" sz="5400" b="1" dirty="0" smtClean="0">
+              <a:rPr lang="zh-TW" altLang="en-US" sz="5400" b="1" dirty="0">
                 <a:solidFill>
                   <a:srgbClr val="660033"/>
                 </a:solidFill>
@@ -3998,7 +4240,7 @@
               </a:rPr>
               <a:t>今將身心獻與救主</a:t>
             </a:r>
-            <a:endParaRPr lang="en-US" altLang="zh-TW" sz="5400" b="1" dirty="0" smtClean="0">
+            <a:endParaRPr lang="en-US" altLang="zh-TW" sz="5400" b="1" dirty="0">
               <a:solidFill>
                 <a:srgbClr val="660033"/>
               </a:solidFill>
@@ -4011,7 +4253,7 @@
               <a:buNone/>
             </a:pPr>
             <a:r>
-              <a:rPr lang="zh-TW" altLang="en-US" sz="5400" b="1" dirty="0" smtClean="0">
+              <a:rPr lang="zh-TW" altLang="en-US" sz="5400" b="1" dirty="0">
                 <a:solidFill>
                   <a:srgbClr val="660033"/>
                 </a:solidFill>
@@ -4020,6 +4262,52 @@
               </a:rPr>
               <a:t>使我傳揚主恩典</a:t>
             </a:r>
+          </a:p>
+        </p:txBody>
+      </p:sp>
+      <p:sp>
+        <p:nvSpPr>
+          <p:cNvPr id="6" name="TextBox 5"/>
+          <p:cNvSpPr txBox="1"/>
+          <p:nvPr/>
+        </p:nvSpPr>
+        <p:spPr>
+          <a:xfrm>
+            <a:off x="1271464" y="1574486"/>
+            <a:ext cx="1008112" cy="1107996"/>
+          </a:xfrm>
+          <a:prstGeom prst="rect">
+            <a:avLst/>
+          </a:prstGeom>
+          <a:noFill/>
+        </p:spPr>
+        <p:txBody>
+          <a:bodyPr wrap="square" rtlCol="0">
+            <a:spAutoFit/>
+          </a:bodyPr>
+          <a:lstStyle/>
+          <a:p>
+            <a:r>
+              <a:rPr lang="en-US" sz="6600" b="1" dirty="0">
+                <a:solidFill>
+                  <a:srgbClr val="660033"/>
+                </a:solidFill>
+              </a:rPr>
+              <a:t>3</a:t>
+            </a:r>
+            <a:r>
+              <a:rPr lang="en-US" sz="6600" b="1" dirty="0" smtClean="0">
+                <a:solidFill>
+                  <a:srgbClr val="660033"/>
+                </a:solidFill>
+              </a:rPr>
+              <a:t>.</a:t>
+            </a:r>
+            <a:endParaRPr lang="vi-VN" sz="6600" b="1" dirty="0">
+              <a:solidFill>
+                <a:srgbClr val="660033"/>
+              </a:solidFill>
+            </a:endParaRPr>
           </a:p>
         </p:txBody>
       </p:sp>

--- a/宣道詩/(宣道詩9)萬福源頭.pptx
+++ b/宣道詩/(宣道詩9)萬福源頭.pptx
@@ -5,12 +5,19 @@
     <p:sldMasterId id="2147483660" r:id="rId1"/>
   </p:sldMasterIdLst>
   <p:sldIdLst>
-    <p:sldId id="256" r:id="rId2"/>
-    <p:sldId id="257" r:id="rId3"/>
-    <p:sldId id="258" r:id="rId4"/>
-    <p:sldId id="259" r:id="rId5"/>
-    <p:sldId id="260" r:id="rId6"/>
-    <p:sldId id="261" r:id="rId7"/>
+    <p:sldId id="262" r:id="rId2"/>
+    <p:sldId id="263" r:id="rId3"/>
+    <p:sldId id="264" r:id="rId4"/>
+    <p:sldId id="265" r:id="rId5"/>
+    <p:sldId id="266" r:id="rId6"/>
+    <p:sldId id="267" r:id="rId7"/>
+    <p:sldId id="268" r:id="rId8"/>
+    <p:sldId id="269" r:id="rId9"/>
+    <p:sldId id="270" r:id="rId10"/>
+    <p:sldId id="271" r:id="rId11"/>
+    <p:sldId id="272" r:id="rId12"/>
+    <p:sldId id="273" r:id="rId13"/>
+    <p:sldId id="274" r:id="rId14"/>
   </p:sldIdLst>
   <p:sldSz cx="12192000" cy="6858000"/>
   <p:notesSz cx="6858000" cy="9144000"/>
@@ -309,7 +316,7 @@
           <a:p>
             <a:fld id="{D491BD5D-4119-46B2-8859-2390DC870597}" type="datetimeFigureOut">
               <a:rPr lang="zh-TW" altLang="en-US" smtClean="0"/>
-              <a:t>2020/7/3</a:t>
+              <a:t>2021/2/9</a:t>
             </a:fld>
             <a:endParaRPr lang="zh-TW" altLang="en-US"/>
           </a:p>
@@ -474,7 +481,7 @@
           <a:p>
             <a:fld id="{D491BD5D-4119-46B2-8859-2390DC870597}" type="datetimeFigureOut">
               <a:rPr lang="zh-TW" altLang="en-US" smtClean="0"/>
-              <a:t>2020/7/3</a:t>
+              <a:t>2021/2/9</a:t>
             </a:fld>
             <a:endParaRPr lang="zh-TW" altLang="en-US"/>
           </a:p>
@@ -649,7 +656,7 @@
           <a:p>
             <a:fld id="{D491BD5D-4119-46B2-8859-2390DC870597}" type="datetimeFigureOut">
               <a:rPr lang="zh-TW" altLang="en-US" smtClean="0"/>
-              <a:t>2020/7/3</a:t>
+              <a:t>2021/2/9</a:t>
             </a:fld>
             <a:endParaRPr lang="zh-TW" altLang="en-US"/>
           </a:p>
@@ -814,7 +821,7 @@
           <a:p>
             <a:fld id="{D491BD5D-4119-46B2-8859-2390DC870597}" type="datetimeFigureOut">
               <a:rPr lang="zh-TW" altLang="en-US" smtClean="0"/>
-              <a:t>2020/7/3</a:t>
+              <a:t>2021/2/9</a:t>
             </a:fld>
             <a:endParaRPr lang="zh-TW" altLang="en-US"/>
           </a:p>
@@ -1055,7 +1062,7 @@
           <a:p>
             <a:fld id="{D491BD5D-4119-46B2-8859-2390DC870597}" type="datetimeFigureOut">
               <a:rPr lang="zh-TW" altLang="en-US" smtClean="0"/>
-              <a:t>2020/7/3</a:t>
+              <a:t>2021/2/9</a:t>
             </a:fld>
             <a:endParaRPr lang="zh-TW" altLang="en-US"/>
           </a:p>
@@ -1338,7 +1345,7 @@
           <a:p>
             <a:fld id="{D491BD5D-4119-46B2-8859-2390DC870597}" type="datetimeFigureOut">
               <a:rPr lang="zh-TW" altLang="en-US" smtClean="0"/>
-              <a:t>2020/7/3</a:t>
+              <a:t>2021/2/9</a:t>
             </a:fld>
             <a:endParaRPr lang="zh-TW" altLang="en-US"/>
           </a:p>
@@ -1755,7 +1762,7 @@
           <a:p>
             <a:fld id="{D491BD5D-4119-46B2-8859-2390DC870597}" type="datetimeFigureOut">
               <a:rPr lang="zh-TW" altLang="en-US" smtClean="0"/>
-              <a:t>2020/7/3</a:t>
+              <a:t>2021/2/9</a:t>
             </a:fld>
             <a:endParaRPr lang="zh-TW" altLang="en-US"/>
           </a:p>
@@ -1868,7 +1875,7 @@
           <a:p>
             <a:fld id="{D491BD5D-4119-46B2-8859-2390DC870597}" type="datetimeFigureOut">
               <a:rPr lang="zh-TW" altLang="en-US" smtClean="0"/>
-              <a:t>2020/7/3</a:t>
+              <a:t>2021/2/9</a:t>
             </a:fld>
             <a:endParaRPr lang="zh-TW" altLang="en-US"/>
           </a:p>
@@ -1958,7 +1965,7 @@
           <a:p>
             <a:fld id="{D491BD5D-4119-46B2-8859-2390DC870597}" type="datetimeFigureOut">
               <a:rPr lang="zh-TW" altLang="en-US" smtClean="0"/>
-              <a:t>2020/7/3</a:t>
+              <a:t>2021/2/9</a:t>
             </a:fld>
             <a:endParaRPr lang="zh-TW" altLang="en-US"/>
           </a:p>
@@ -2230,7 +2237,7 @@
           <a:p>
             <a:fld id="{D491BD5D-4119-46B2-8859-2390DC870597}" type="datetimeFigureOut">
               <a:rPr lang="zh-TW" altLang="en-US" smtClean="0"/>
-              <a:t>2020/7/3</a:t>
+              <a:t>2021/2/9</a:t>
             </a:fld>
             <a:endParaRPr lang="zh-TW" altLang="en-US"/>
           </a:p>
@@ -2482,7 +2489,7 @@
           <a:p>
             <a:fld id="{D491BD5D-4119-46B2-8859-2390DC870597}" type="datetimeFigureOut">
               <a:rPr lang="zh-TW" altLang="en-US" smtClean="0"/>
-              <a:t>2020/7/3</a:t>
+              <a:t>2021/2/9</a:t>
             </a:fld>
             <a:endParaRPr lang="zh-TW" altLang="en-US"/>
           </a:p>
@@ -2695,7 +2702,7 @@
           <a:p>
             <a:fld id="{D491BD5D-4119-46B2-8859-2390DC870597}" type="datetimeFigureOut">
               <a:rPr lang="zh-TW" altLang="en-US" smtClean="0"/>
-              <a:t>2020/7/3</a:t>
+              <a:t>2021/2/9</a:t>
             </a:fld>
             <a:endParaRPr lang="zh-TW" altLang="en-US"/>
           </a:p>
@@ -3075,67 +3082,195 @@
             <p:ph type="title"/>
           </p:nvPr>
         </p:nvSpPr>
-        <p:spPr/>
+        <p:spPr>
+          <a:xfrm>
+            <a:off x="0" y="2857513"/>
+            <a:ext cx="12192000" cy="1143000"/>
+          </a:xfrm>
+        </p:spPr>
         <p:txBody>
           <a:bodyPr>
-            <a:normAutofit/>
+            <a:noAutofit/>
           </a:bodyPr>
           <a:lstStyle/>
           <a:p>
             <a:r>
-              <a:rPr lang="zh-TW" altLang="en-US" sz="4800" b="1" dirty="0">
-                <a:solidFill>
-                  <a:srgbClr val="660033"/>
-                </a:solidFill>
+              <a:rPr lang="zh-CN" altLang="en-US" sz="5333" b="1" u="sng" dirty="0">
+                <a:solidFill>
+                  <a:srgbClr val="000066"/>
+                </a:solidFill>
+                <a:effectLst>
+                  <a:outerShdw blurRad="38100" dist="38100" dir="2700000" algn="tl">
+                    <a:srgbClr val="000000">
+                      <a:alpha val="43137"/>
+                    </a:srgbClr>
+                  </a:outerShdw>
+                </a:effectLst>
                 <a:latin typeface="微軟正黑體" pitchFamily="34" charset="-120"/>
                 <a:ea typeface="微軟正黑體" pitchFamily="34" charset="-120"/>
               </a:rPr>
-              <a:t>萬福源頭</a:t>
-            </a:r>
-          </a:p>
-        </p:txBody>
-      </p:sp>
-      <p:sp>
-        <p:nvSpPr>
-          <p:cNvPr id="5" name="內容版面配置區 4"/>
-          <p:cNvSpPr>
-            <a:spLocks noGrp="1"/>
-          </p:cNvSpPr>
-          <p:nvPr>
-            <p:ph idx="1"/>
-          </p:nvPr>
-        </p:nvSpPr>
-        <p:spPr/>
-        <p:txBody>
-          <a:bodyPr>
-            <a:normAutofit/>
-          </a:bodyPr>
-          <a:lstStyle/>
-          <a:p>
-            <a:pPr algn="ctr">
-              <a:buNone/>
-            </a:pPr>
-            <a:r>
-              <a:rPr lang="zh-TW" altLang="en-US" sz="5400" b="1" dirty="0">
-                <a:solidFill>
-                  <a:srgbClr val="660033"/>
-                </a:solidFill>
+              <a:t>宣道詩 </a:t>
+            </a:r>
+            <a:r>
+              <a:rPr lang="en-US" altLang="zh-CN" sz="5333" b="1" u="sng" dirty="0">
+                <a:solidFill>
+                  <a:srgbClr val="000066"/>
+                </a:solidFill>
+                <a:effectLst>
+                  <a:outerShdw blurRad="38100" dist="38100" dir="2700000" algn="tl">
+                    <a:srgbClr val="000000">
+                      <a:alpha val="43137"/>
+                    </a:srgbClr>
+                  </a:outerShdw>
+                </a:effectLst>
                 <a:latin typeface="微軟正黑體" pitchFamily="34" charset="-120"/>
                 <a:ea typeface="微軟正黑體" pitchFamily="34" charset="-120"/>
               </a:rPr>
-              <a:t>救主</a:t>
-            </a:r>
-            <a:r>
-              <a:rPr lang="zh-TW" altLang="en-US" sz="5400" b="1" dirty="0">
+              <a:t>9</a:t>
+            </a:r>
+            <a:r>
+              <a:rPr lang="en-US" altLang="zh-CN" sz="7200" b="1" i="1" dirty="0">
                 <a:solidFill>
                   <a:srgbClr val="660033"/>
                 </a:solidFill>
+                <a:effectLst>
+                  <a:outerShdw blurRad="38100" dist="38100" dir="2700000" algn="tl">
+                    <a:srgbClr val="000000">
+                      <a:alpha val="43137"/>
+                    </a:srgbClr>
+                  </a:outerShdw>
+                </a:effectLst>
                 <a:latin typeface="微軟正黑體" pitchFamily="34" charset="-120"/>
                 <a:ea typeface="微軟正黑體" pitchFamily="34" charset="-120"/>
               </a:rPr>
-              <a:t>耶穌  萬福源頭</a:t>
-            </a:r>
-            <a:endParaRPr lang="en-US" altLang="zh-TW" sz="5400" b="1" dirty="0">
+              <a:t/>
+            </a:r>
+            <a:br>
+              <a:rPr lang="en-US" altLang="zh-CN" sz="7200" b="1" i="1" dirty="0">
+                <a:solidFill>
+                  <a:srgbClr val="660033"/>
+                </a:solidFill>
+                <a:effectLst>
+                  <a:outerShdw blurRad="38100" dist="38100" dir="2700000" algn="tl">
+                    <a:srgbClr val="000000">
+                      <a:alpha val="43137"/>
+                    </a:srgbClr>
+                  </a:outerShdw>
+                </a:effectLst>
+                <a:latin typeface="微軟正黑體" pitchFamily="34" charset="-120"/>
+                <a:ea typeface="微軟正黑體" pitchFamily="34" charset="-120"/>
+              </a:rPr>
+            </a:br>
+            <a:r>
+              <a:rPr lang="zh-TW" altLang="en-US" sz="8000" b="1" dirty="0">
+                <a:solidFill>
+                  <a:srgbClr val="660033"/>
+                </a:solidFill>
+                <a:effectLst>
+                  <a:outerShdw blurRad="38100" dist="38100" dir="2700000" algn="tl">
+                    <a:srgbClr val="000000">
+                      <a:alpha val="43137"/>
+                    </a:srgbClr>
+                  </a:outerShdw>
+                </a:effectLst>
+                <a:latin typeface="微軟正黑體" pitchFamily="34" charset="-120"/>
+                <a:ea typeface="微軟正黑體" pitchFamily="34" charset="-120"/>
+              </a:rPr>
+              <a:t>萬</a:t>
+            </a:r>
+            <a:r>
+              <a:rPr lang="zh-TW" altLang="en-US" sz="8000" b="1" dirty="0">
+                <a:solidFill>
+                  <a:srgbClr val="660033"/>
+                </a:solidFill>
+                <a:effectLst>
+                  <a:outerShdw blurRad="38100" dist="38100" dir="2700000" algn="tl">
+                    <a:srgbClr val="000000">
+                      <a:alpha val="43137"/>
+                    </a:srgbClr>
+                  </a:outerShdw>
+                </a:effectLst>
+                <a:latin typeface="微軟正黑體" pitchFamily="34" charset="-120"/>
+                <a:ea typeface="微軟正黑體" pitchFamily="34" charset="-120"/>
+              </a:rPr>
+              <a:t>福源頭</a:t>
+            </a:r>
+          </a:p>
+        </p:txBody>
+      </p:sp>
+    </p:spTree>
+    <p:extLst>
+      <p:ext uri="{BB962C8B-B14F-4D97-AF65-F5344CB8AC3E}">
+        <p14:creationId xmlns:p14="http://schemas.microsoft.com/office/powerpoint/2010/main" val="1337075831"/>
+      </p:ext>
+    </p:extLst>
+  </p:cSld>
+  <p:clrMapOvr>
+    <a:masterClrMapping/>
+  </p:clrMapOvr>
+  <p:timing>
+    <p:tnLst>
+      <p:par>
+        <p:cTn id="1" dur="indefinite" restart="never" nodeType="tmRoot"/>
+      </p:par>
+    </p:tnLst>
+  </p:timing>
+</p:sld>
+</file>
+
+<file path=ppt/slides/slide10.xml><?xml version="1.0" encoding="utf-8"?>
+<p:sld xmlns:a="http://schemas.openxmlformats.org/drawingml/2006/main" xmlns:r="http://schemas.openxmlformats.org/officeDocument/2006/relationships" xmlns:p="http://schemas.openxmlformats.org/presentationml/2006/main">
+  <p:cSld>
+    <p:spTree>
+      <p:nvGrpSpPr>
+        <p:cNvPr id="1" name=""/>
+        <p:cNvGrpSpPr/>
+        <p:nvPr/>
+      </p:nvGrpSpPr>
+      <p:grpSpPr>
+        <a:xfrm>
+          <a:off x="0" y="0"/>
+          <a:ext cx="0" cy="0"/>
+          <a:chOff x="0" y="0"/>
+          <a:chExt cx="0" cy="0"/>
+        </a:xfrm>
+      </p:grpSpPr>
+      <p:sp>
+        <p:nvSpPr>
+          <p:cNvPr id="5" name="內容版面配置區 4"/>
+          <p:cNvSpPr>
+            <a:spLocks noGrp="1"/>
+          </p:cNvSpPr>
+          <p:nvPr>
+            <p:ph idx="1"/>
+          </p:nvPr>
+        </p:nvSpPr>
+        <p:spPr>
+          <a:xfrm>
+            <a:off x="0" y="2084851"/>
+            <a:ext cx="12192000" cy="2404863"/>
+          </a:xfrm>
+        </p:spPr>
+        <p:txBody>
+          <a:bodyPr anchor="ctr">
+            <a:normAutofit/>
+          </a:bodyPr>
+          <a:lstStyle/>
+          <a:p>
+            <a:pPr algn="ctr">
+              <a:buNone/>
+            </a:pPr>
+            <a:r>
+              <a:rPr lang="zh-TW" altLang="en-US" sz="6400" b="1" dirty="0">
+                <a:solidFill>
+                  <a:srgbClr val="660033"/>
+                </a:solidFill>
+                <a:latin typeface="微軟正黑體" pitchFamily="34" charset="-120"/>
+                <a:ea typeface="微軟正黑體" pitchFamily="34" charset="-120"/>
+              </a:rPr>
+              <a:t>我受恩惠  何其寬洪</a:t>
+            </a:r>
+            <a:endParaRPr lang="en-US" altLang="zh-TW" sz="6400" b="1" dirty="0">
               <a:solidFill>
                 <a:srgbClr val="660033"/>
               </a:solidFill>
@@ -3148,36 +3283,16 @@
               <a:buNone/>
             </a:pPr>
             <a:r>
-              <a:rPr lang="zh-TW" altLang="en-US" sz="5400" b="1" dirty="0">
+              <a:rPr lang="zh-TW" altLang="en-US" sz="6400" b="1" dirty="0">
                 <a:solidFill>
                   <a:srgbClr val="660033"/>
                 </a:solidFill>
                 <a:latin typeface="微軟正黑體" pitchFamily="34" charset="-120"/>
                 <a:ea typeface="微軟正黑體" pitchFamily="34" charset="-120"/>
               </a:rPr>
-              <a:t>懇求</a:t>
-            </a:r>
-            <a:r>
-              <a:rPr lang="zh-TW" altLang="en-US" sz="5400" b="1" dirty="0">
-                <a:solidFill>
-                  <a:srgbClr val="660033"/>
-                </a:solidFill>
-                <a:latin typeface="微軟正黑體" pitchFamily="34" charset="-120"/>
-                <a:ea typeface="微軟正黑體" pitchFamily="34" charset="-120"/>
-              </a:rPr>
-              <a:t>垂聽我</a:t>
-            </a:r>
-            <a:r>
-              <a:rPr lang="zh-TW" altLang="en-US" sz="5400" b="1" dirty="0">
-                <a:solidFill>
-                  <a:srgbClr val="660033"/>
-                </a:solidFill>
-                <a:latin typeface="微軟正黑體" pitchFamily="34" charset="-120"/>
-                <a:ea typeface="微軟正黑體" pitchFamily="34" charset="-120"/>
-              </a:rPr>
-              <a:t>頌揚</a:t>
-            </a:r>
-            <a:endParaRPr lang="en-US" altLang="zh-TW" sz="5400" b="1" dirty="0">
+              <a:t>日日增新無從報</a:t>
+            </a:r>
+            <a:endParaRPr lang="en-US" altLang="zh-TW" sz="6400" b="1" dirty="0">
               <a:solidFill>
                 <a:srgbClr val="660033"/>
               </a:solidFill>
@@ -3185,61 +3300,120 @@
               <a:ea typeface="微軟正黑體" pitchFamily="34" charset="-120"/>
             </a:endParaRPr>
           </a:p>
+        </p:txBody>
+      </p:sp>
+      <p:sp>
+        <p:nvSpPr>
+          <p:cNvPr id="3" name="TextBox 2"/>
+          <p:cNvSpPr txBox="1"/>
+          <p:nvPr/>
+        </p:nvSpPr>
+        <p:spPr>
+          <a:xfrm>
+            <a:off x="331" y="5253203"/>
+            <a:ext cx="12192000" cy="830997"/>
+          </a:xfrm>
+          <a:prstGeom prst="rect">
+            <a:avLst/>
+          </a:prstGeom>
+          <a:noFill/>
+        </p:spPr>
+        <p:txBody>
+          <a:bodyPr wrap="square" rtlCol="0">
+            <a:spAutoFit/>
+          </a:bodyPr>
+          <a:lstStyle/>
+          <a:p>
+            <a:pPr algn="ctr"/>
+            <a:r>
+              <a:rPr lang="en-US" sz="4800" b="1" dirty="0">
+                <a:solidFill>
+                  <a:srgbClr val="660033"/>
+                </a:solidFill>
+              </a:rPr>
+              <a:t>( 3 )</a:t>
+            </a:r>
+            <a:endParaRPr lang="vi-VN" sz="4800" b="1" dirty="0">
+              <a:solidFill>
+                <a:srgbClr val="660033"/>
+              </a:solidFill>
+            </a:endParaRPr>
+          </a:p>
+        </p:txBody>
+      </p:sp>
+    </p:spTree>
+    <p:extLst>
+      <p:ext uri="{BB962C8B-B14F-4D97-AF65-F5344CB8AC3E}">
+        <p14:creationId xmlns:p14="http://schemas.microsoft.com/office/powerpoint/2010/main" val="636194259"/>
+      </p:ext>
+    </p:extLst>
+  </p:cSld>
+  <p:clrMapOvr>
+    <a:masterClrMapping/>
+  </p:clrMapOvr>
+  <p:timing>
+    <p:tnLst>
+      <p:par>
+        <p:cTn id="1" dur="indefinite" restart="never" nodeType="tmRoot"/>
+      </p:par>
+    </p:tnLst>
+  </p:timing>
+</p:sld>
+</file>
+
+<file path=ppt/slides/slide11.xml><?xml version="1.0" encoding="utf-8"?>
+<p:sld xmlns:a="http://schemas.openxmlformats.org/drawingml/2006/main" xmlns:r="http://schemas.openxmlformats.org/officeDocument/2006/relationships" xmlns:p="http://schemas.openxmlformats.org/presentationml/2006/main">
+  <p:cSld>
+    <p:spTree>
+      <p:nvGrpSpPr>
+        <p:cNvPr id="1" name=""/>
+        <p:cNvGrpSpPr/>
+        <p:nvPr/>
+      </p:nvGrpSpPr>
+      <p:grpSpPr>
+        <a:xfrm>
+          <a:off x="0" y="0"/>
+          <a:ext cx="0" cy="0"/>
+          <a:chOff x="0" y="0"/>
+          <a:chExt cx="0" cy="0"/>
+        </a:xfrm>
+      </p:grpSpPr>
+      <p:sp>
+        <p:nvSpPr>
+          <p:cNvPr id="5" name="內容版面配置區 4"/>
+          <p:cNvSpPr>
+            <a:spLocks noGrp="1"/>
+          </p:cNvSpPr>
+          <p:nvPr>
+            <p:ph idx="1"/>
+          </p:nvPr>
+        </p:nvSpPr>
+        <p:spPr>
+          <a:xfrm>
+            <a:off x="0" y="2084851"/>
+            <a:ext cx="12192000" cy="2404863"/>
+          </a:xfrm>
+        </p:spPr>
+        <p:txBody>
+          <a:bodyPr anchor="ctr">
+            <a:normAutofit/>
+          </a:bodyPr>
+          <a:lstStyle/>
           <a:p>
             <a:pPr algn="ctr">
               <a:buNone/>
             </a:pPr>
             <a:r>
-              <a:rPr lang="zh-TW" altLang="en-US" sz="5400" b="1" dirty="0">
+              <a:rPr lang="zh-TW" altLang="en-US" sz="6400" b="1" dirty="0">
                 <a:solidFill>
                   <a:srgbClr val="660033"/>
                 </a:solidFill>
                 <a:latin typeface="微軟正黑體" pitchFamily="34" charset="-120"/>
                 <a:ea typeface="微軟正黑體" pitchFamily="34" charset="-120"/>
               </a:rPr>
-              <a:t>主</a:t>
-            </a:r>
-            <a:r>
-              <a:rPr lang="zh-TW" altLang="en-US" sz="5400" b="1" dirty="0">
-                <a:solidFill>
-                  <a:srgbClr val="660033"/>
-                </a:solidFill>
-                <a:latin typeface="微軟正黑體" pitchFamily="34" charset="-120"/>
-                <a:ea typeface="微軟正黑體" pitchFamily="34" charset="-120"/>
-              </a:rPr>
-              <a:t>賜</a:t>
-            </a:r>
-            <a:r>
-              <a:rPr lang="zh-TW" altLang="en-US" sz="5400" b="1" dirty="0">
-                <a:solidFill>
-                  <a:srgbClr val="660033"/>
-                </a:solidFill>
-                <a:latin typeface="微軟正黑體" pitchFamily="34" charset="-120"/>
-                <a:ea typeface="微軟正黑體" pitchFamily="34" charset="-120"/>
-              </a:rPr>
-              <a:t>恩惠  如</a:t>
-            </a:r>
-            <a:r>
-              <a:rPr lang="zh-TW" altLang="en-US" sz="5400" b="1" dirty="0">
-                <a:solidFill>
-                  <a:srgbClr val="660033"/>
-                </a:solidFill>
-                <a:latin typeface="微軟正黑體" pitchFamily="34" charset="-120"/>
-                <a:ea typeface="微軟正黑體" pitchFamily="34" charset="-120"/>
-              </a:rPr>
-              <a:t>川湧</a:t>
-            </a:r>
-            <a:r>
-              <a:rPr lang="zh-TW" altLang="en-US" sz="5400" b="1" dirty="0">
-                <a:solidFill>
-                  <a:srgbClr val="660033"/>
-                </a:solidFill>
-                <a:latin typeface="微軟正黑體" pitchFamily="34" charset="-120"/>
-                <a:ea typeface="微軟正黑體" pitchFamily="34" charset="-120"/>
-              </a:rPr>
-              <a:t>流</a:t>
-            </a:r>
-            <a:endParaRPr lang="en-US" altLang="zh-TW" sz="5400" b="1" dirty="0">
+              <a:t>此後惟願  事主盡忠</a:t>
+            </a:r>
+            <a:endParaRPr lang="en-US" altLang="zh-TW" sz="6400" b="1" dirty="0">
               <a:solidFill>
                 <a:srgbClr val="660033"/>
               </a:solidFill>
@@ -3252,38 +3426,35 @@
               <a:buNone/>
             </a:pPr>
             <a:r>
-              <a:rPr lang="zh-TW" altLang="en-US" sz="5400" b="1" dirty="0">
+              <a:rPr lang="zh-TW" altLang="en-US" sz="6400" b="1" dirty="0">
                 <a:solidFill>
                   <a:srgbClr val="660033"/>
                 </a:solidFill>
                 <a:latin typeface="微軟正黑體" pitchFamily="34" charset="-120"/>
                 <a:ea typeface="微軟正黑體" pitchFamily="34" charset="-120"/>
               </a:rPr>
-              <a:t>應當</a:t>
-            </a:r>
-            <a:r>
-              <a:rPr lang="zh-TW" altLang="en-US" sz="5400" b="1" dirty="0">
-                <a:solidFill>
-                  <a:srgbClr val="660033"/>
-                </a:solidFill>
-                <a:latin typeface="微軟正黑體" pitchFamily="34" charset="-120"/>
-                <a:ea typeface="微軟正黑體" pitchFamily="34" charset="-120"/>
-              </a:rPr>
-              <a:t>高歌詠無疆</a:t>
-            </a:r>
-          </a:p>
-        </p:txBody>
-      </p:sp>
-      <p:sp>
-        <p:nvSpPr>
-          <p:cNvPr id="2" name="TextBox 1"/>
+              <a:t>一心戀主蒙引導</a:t>
+            </a:r>
+            <a:endParaRPr lang="zh-TW" altLang="en-US" sz="6400" b="1" dirty="0">
+              <a:solidFill>
+                <a:srgbClr val="660033"/>
+              </a:solidFill>
+              <a:latin typeface="微軟正黑體" pitchFamily="34" charset="-120"/>
+              <a:ea typeface="微軟正黑體" pitchFamily="34" charset="-120"/>
+            </a:endParaRPr>
+          </a:p>
+        </p:txBody>
+      </p:sp>
+      <p:sp>
+        <p:nvSpPr>
+          <p:cNvPr id="3" name="TextBox 2"/>
           <p:cNvSpPr txBox="1"/>
           <p:nvPr/>
         </p:nvSpPr>
         <p:spPr>
           <a:xfrm>
-            <a:off x="1271464" y="1574486"/>
-            <a:ext cx="1008112" cy="1107996"/>
+            <a:off x="331" y="5253203"/>
+            <a:ext cx="12192000" cy="830997"/>
           </a:xfrm>
           <a:prstGeom prst="rect">
             <a:avLst/>
@@ -3296,15 +3467,16 @@
           </a:bodyPr>
           <a:lstStyle/>
           <a:p>
-            <a:r>
-              <a:rPr lang="en-US" sz="6600" b="1" dirty="0" smtClean="0">
+            <a:pPr algn="ctr"/>
+            <a:r>
+              <a:rPr lang="en-US" sz="4800" b="1" dirty="0">
                 <a:solidFill>
                   <a:srgbClr val="660033"/>
                 </a:solidFill>
               </a:rPr>
-              <a:t>1.</a:t>
-            </a:r>
-            <a:endParaRPr lang="vi-VN" sz="6600" b="1" dirty="0">
+              <a:t>( 3 )</a:t>
+            </a:r>
+            <a:endParaRPr lang="vi-VN" sz="4800" b="1" dirty="0">
               <a:solidFill>
                 <a:srgbClr val="660033"/>
               </a:solidFill>
@@ -3313,10 +3485,308 @@
         </p:txBody>
       </p:sp>
     </p:spTree>
+    <p:extLst>
+      <p:ext uri="{BB962C8B-B14F-4D97-AF65-F5344CB8AC3E}">
+        <p14:creationId xmlns:p14="http://schemas.microsoft.com/office/powerpoint/2010/main" val="2626779313"/>
+      </p:ext>
+    </p:extLst>
   </p:cSld>
   <p:clrMapOvr>
     <a:masterClrMapping/>
   </p:clrMapOvr>
+  <p:timing>
+    <p:tnLst>
+      <p:par>
+        <p:cTn id="1" dur="indefinite" restart="never" nodeType="tmRoot"/>
+      </p:par>
+    </p:tnLst>
+  </p:timing>
+</p:sld>
+</file>
+
+<file path=ppt/slides/slide12.xml><?xml version="1.0" encoding="utf-8"?>
+<p:sld xmlns:a="http://schemas.openxmlformats.org/drawingml/2006/main" xmlns:r="http://schemas.openxmlformats.org/officeDocument/2006/relationships" xmlns:p="http://schemas.openxmlformats.org/presentationml/2006/main">
+  <p:cSld>
+    <p:spTree>
+      <p:nvGrpSpPr>
+        <p:cNvPr id="1" name=""/>
+        <p:cNvGrpSpPr/>
+        <p:nvPr/>
+      </p:nvGrpSpPr>
+      <p:grpSpPr>
+        <a:xfrm>
+          <a:off x="0" y="0"/>
+          <a:ext cx="0" cy="0"/>
+          <a:chOff x="0" y="0"/>
+          <a:chExt cx="0" cy="0"/>
+        </a:xfrm>
+      </p:grpSpPr>
+      <p:sp>
+        <p:nvSpPr>
+          <p:cNvPr id="5" name="內容版面配置區 4"/>
+          <p:cNvSpPr>
+            <a:spLocks noGrp="1"/>
+          </p:cNvSpPr>
+          <p:nvPr>
+            <p:ph idx="1"/>
+          </p:nvPr>
+        </p:nvSpPr>
+        <p:spPr>
+          <a:xfrm>
+            <a:off x="0" y="2084851"/>
+            <a:ext cx="12192000" cy="2404863"/>
+          </a:xfrm>
+        </p:spPr>
+        <p:txBody>
+          <a:bodyPr anchor="ctr">
+            <a:normAutofit/>
+          </a:bodyPr>
+          <a:lstStyle/>
+          <a:p>
+            <a:pPr algn="ctr">
+              <a:buNone/>
+            </a:pPr>
+            <a:r>
+              <a:rPr lang="zh-TW" altLang="en-US" sz="6400" b="1" dirty="0">
+                <a:solidFill>
+                  <a:srgbClr val="660033"/>
+                </a:solidFill>
+                <a:latin typeface="微軟正黑體" pitchFamily="34" charset="-120"/>
+                <a:ea typeface="微軟正黑體" pitchFamily="34" charset="-120"/>
+              </a:rPr>
+              <a:t>惜我愚心易失正途</a:t>
+            </a:r>
+            <a:endParaRPr lang="en-US" altLang="zh-TW" sz="6400" b="1" dirty="0">
+              <a:solidFill>
+                <a:srgbClr val="660033"/>
+              </a:solidFill>
+              <a:latin typeface="微軟正黑體" pitchFamily="34" charset="-120"/>
+              <a:ea typeface="微軟正黑體" pitchFamily="34" charset="-120"/>
+            </a:endParaRPr>
+          </a:p>
+          <a:p>
+            <a:pPr algn="ctr">
+              <a:buNone/>
+            </a:pPr>
+            <a:r>
+              <a:rPr lang="zh-TW" altLang="en-US" sz="6400" b="1" dirty="0">
+                <a:solidFill>
+                  <a:srgbClr val="660033"/>
+                </a:solidFill>
+                <a:latin typeface="微軟正黑體" pitchFamily="34" charset="-120"/>
+                <a:ea typeface="微軟正黑體" pitchFamily="34" charset="-120"/>
+              </a:rPr>
+              <a:t>去行邪道冒危險</a:t>
+            </a:r>
+            <a:endParaRPr lang="en-US" altLang="zh-TW" sz="6400" b="1" dirty="0">
+              <a:solidFill>
+                <a:srgbClr val="660033"/>
+              </a:solidFill>
+              <a:latin typeface="微軟正黑體" pitchFamily="34" charset="-120"/>
+              <a:ea typeface="微軟正黑體" pitchFamily="34" charset="-120"/>
+            </a:endParaRPr>
+          </a:p>
+        </p:txBody>
+      </p:sp>
+      <p:sp>
+        <p:nvSpPr>
+          <p:cNvPr id="3" name="TextBox 2"/>
+          <p:cNvSpPr txBox="1"/>
+          <p:nvPr/>
+        </p:nvSpPr>
+        <p:spPr>
+          <a:xfrm>
+            <a:off x="331" y="5253203"/>
+            <a:ext cx="12192000" cy="830997"/>
+          </a:xfrm>
+          <a:prstGeom prst="rect">
+            <a:avLst/>
+          </a:prstGeom>
+          <a:noFill/>
+        </p:spPr>
+        <p:txBody>
+          <a:bodyPr wrap="square" rtlCol="0">
+            <a:spAutoFit/>
+          </a:bodyPr>
+          <a:lstStyle/>
+          <a:p>
+            <a:pPr algn="ctr"/>
+            <a:r>
+              <a:rPr lang="en-US" sz="4800" b="1" dirty="0">
+                <a:solidFill>
+                  <a:srgbClr val="660033"/>
+                </a:solidFill>
+              </a:rPr>
+              <a:t>( 3 )</a:t>
+            </a:r>
+            <a:endParaRPr lang="vi-VN" sz="4800" b="1" dirty="0">
+              <a:solidFill>
+                <a:srgbClr val="660033"/>
+              </a:solidFill>
+            </a:endParaRPr>
+          </a:p>
+        </p:txBody>
+      </p:sp>
+    </p:spTree>
+    <p:extLst>
+      <p:ext uri="{BB962C8B-B14F-4D97-AF65-F5344CB8AC3E}">
+        <p14:creationId xmlns:p14="http://schemas.microsoft.com/office/powerpoint/2010/main" val="261195437"/>
+      </p:ext>
+    </p:extLst>
+  </p:cSld>
+  <p:clrMapOvr>
+    <a:masterClrMapping/>
+  </p:clrMapOvr>
+  <p:timing>
+    <p:tnLst>
+      <p:par>
+        <p:cTn id="1" dur="indefinite" restart="never" nodeType="tmRoot"/>
+      </p:par>
+    </p:tnLst>
+  </p:timing>
+</p:sld>
+</file>
+
+<file path=ppt/slides/slide13.xml><?xml version="1.0" encoding="utf-8"?>
+<p:sld xmlns:a="http://schemas.openxmlformats.org/drawingml/2006/main" xmlns:r="http://schemas.openxmlformats.org/officeDocument/2006/relationships" xmlns:p="http://schemas.openxmlformats.org/presentationml/2006/main">
+  <p:cSld>
+    <p:spTree>
+      <p:nvGrpSpPr>
+        <p:cNvPr id="1" name=""/>
+        <p:cNvGrpSpPr/>
+        <p:nvPr/>
+      </p:nvGrpSpPr>
+      <p:grpSpPr>
+        <a:xfrm>
+          <a:off x="0" y="0"/>
+          <a:ext cx="0" cy="0"/>
+          <a:chOff x="0" y="0"/>
+          <a:chExt cx="0" cy="0"/>
+        </a:xfrm>
+      </p:grpSpPr>
+      <p:sp>
+        <p:nvSpPr>
+          <p:cNvPr id="5" name="內容版面配置區 4"/>
+          <p:cNvSpPr>
+            <a:spLocks noGrp="1"/>
+          </p:cNvSpPr>
+          <p:nvPr>
+            <p:ph idx="1"/>
+          </p:nvPr>
+        </p:nvSpPr>
+        <p:spPr>
+          <a:xfrm>
+            <a:off x="0" y="2084851"/>
+            <a:ext cx="12192000" cy="2404863"/>
+          </a:xfrm>
+        </p:spPr>
+        <p:txBody>
+          <a:bodyPr anchor="ctr">
+            <a:normAutofit/>
+          </a:bodyPr>
+          <a:lstStyle/>
+          <a:p>
+            <a:pPr algn="ctr">
+              <a:buNone/>
+            </a:pPr>
+            <a:r>
+              <a:rPr lang="zh-TW" altLang="en-US" sz="6400" b="1" dirty="0">
+                <a:solidFill>
+                  <a:srgbClr val="660033"/>
+                </a:solidFill>
+                <a:latin typeface="微軟正黑體" pitchFamily="34" charset="-120"/>
+                <a:ea typeface="微軟正黑體" pitchFamily="34" charset="-120"/>
+              </a:rPr>
+              <a:t>今將身心獻與救主</a:t>
+            </a:r>
+            <a:endParaRPr lang="en-US" altLang="zh-TW" sz="6400" b="1" dirty="0">
+              <a:solidFill>
+                <a:srgbClr val="660033"/>
+              </a:solidFill>
+              <a:latin typeface="微軟正黑體" pitchFamily="34" charset="-120"/>
+              <a:ea typeface="微軟正黑體" pitchFamily="34" charset="-120"/>
+            </a:endParaRPr>
+          </a:p>
+          <a:p>
+            <a:pPr algn="ctr">
+              <a:buNone/>
+            </a:pPr>
+            <a:r>
+              <a:rPr lang="zh-TW" altLang="en-US" sz="6400" b="1" dirty="0">
+                <a:solidFill>
+                  <a:srgbClr val="660033"/>
+                </a:solidFill>
+                <a:latin typeface="微軟正黑體" pitchFamily="34" charset="-120"/>
+                <a:ea typeface="微軟正黑體" pitchFamily="34" charset="-120"/>
+              </a:rPr>
+              <a:t>使我傳揚主恩典</a:t>
+            </a:r>
+            <a:endParaRPr lang="zh-TW" altLang="en-US" sz="6400" b="1" dirty="0">
+              <a:solidFill>
+                <a:srgbClr val="660033"/>
+              </a:solidFill>
+              <a:latin typeface="微軟正黑體" pitchFamily="34" charset="-120"/>
+              <a:ea typeface="微軟正黑體" pitchFamily="34" charset="-120"/>
+            </a:endParaRPr>
+          </a:p>
+        </p:txBody>
+      </p:sp>
+      <p:sp>
+        <p:nvSpPr>
+          <p:cNvPr id="3" name="TextBox 2"/>
+          <p:cNvSpPr txBox="1"/>
+          <p:nvPr/>
+        </p:nvSpPr>
+        <p:spPr>
+          <a:xfrm>
+            <a:off x="331" y="5253203"/>
+            <a:ext cx="12192000" cy="830997"/>
+          </a:xfrm>
+          <a:prstGeom prst="rect">
+            <a:avLst/>
+          </a:prstGeom>
+          <a:noFill/>
+        </p:spPr>
+        <p:txBody>
+          <a:bodyPr wrap="square" rtlCol="0">
+            <a:spAutoFit/>
+          </a:bodyPr>
+          <a:lstStyle/>
+          <a:p>
+            <a:pPr algn="ctr"/>
+            <a:r>
+              <a:rPr lang="en-US" sz="4800" b="1" dirty="0">
+                <a:solidFill>
+                  <a:srgbClr val="660033"/>
+                </a:solidFill>
+              </a:rPr>
+              <a:t>( 3 )</a:t>
+            </a:r>
+            <a:endParaRPr lang="vi-VN" sz="4800" b="1" dirty="0">
+              <a:solidFill>
+                <a:srgbClr val="660033"/>
+              </a:solidFill>
+            </a:endParaRPr>
+          </a:p>
+        </p:txBody>
+      </p:sp>
+    </p:spTree>
+    <p:extLst>
+      <p:ext uri="{BB962C8B-B14F-4D97-AF65-F5344CB8AC3E}">
+        <p14:creationId xmlns:p14="http://schemas.microsoft.com/office/powerpoint/2010/main" val="2633641799"/>
+      </p:ext>
+    </p:extLst>
+  </p:cSld>
+  <p:clrMapOvr>
+    <a:masterClrMapping/>
+  </p:clrMapOvr>
+  <p:timing>
+    <p:tnLst>
+      <p:par>
+        <p:cTn id="1" dur="indefinite" restart="never" nodeType="tmRoot"/>
+      </p:par>
+    </p:tnLst>
+  </p:timing>
 </p:sld>
 </file>
 
@@ -3339,65 +3809,40 @@
       </p:grpSpPr>
       <p:sp>
         <p:nvSpPr>
-          <p:cNvPr id="4" name="標題 3"/>
-          <p:cNvSpPr>
-            <a:spLocks noGrp="1"/>
-          </p:cNvSpPr>
-          <p:nvPr>
-            <p:ph type="title"/>
-          </p:nvPr>
-        </p:nvSpPr>
-        <p:spPr/>
-        <p:txBody>
-          <a:bodyPr>
+          <p:cNvPr id="5" name="內容版面配置區 4"/>
+          <p:cNvSpPr>
+            <a:spLocks noGrp="1"/>
+          </p:cNvSpPr>
+          <p:nvPr>
+            <p:ph idx="1"/>
+          </p:nvPr>
+        </p:nvSpPr>
+        <p:spPr>
+          <a:xfrm>
+            <a:off x="0" y="2084851"/>
+            <a:ext cx="12192000" cy="2404863"/>
+          </a:xfrm>
+        </p:spPr>
+        <p:txBody>
+          <a:bodyPr anchor="ctr">
             <a:normAutofit/>
           </a:bodyPr>
           <a:lstStyle/>
           <a:p>
-            <a:r>
-              <a:rPr lang="zh-TW" altLang="en-US" sz="4800" b="1" dirty="0">
+            <a:pPr algn="ctr">
+              <a:buNone/>
+            </a:pPr>
+            <a:r>
+              <a:rPr lang="zh-TW" altLang="en-US" sz="6400" b="1" dirty="0">
                 <a:solidFill>
                   <a:srgbClr val="660033"/>
                 </a:solidFill>
                 <a:latin typeface="微軟正黑體" pitchFamily="34" charset="-120"/>
                 <a:ea typeface="微軟正黑體" pitchFamily="34" charset="-120"/>
               </a:rPr>
-              <a:t>萬福源頭</a:t>
-            </a:r>
-          </a:p>
-        </p:txBody>
-      </p:sp>
-      <p:sp>
-        <p:nvSpPr>
-          <p:cNvPr id="5" name="內容版面配置區 4"/>
-          <p:cNvSpPr>
-            <a:spLocks noGrp="1"/>
-          </p:cNvSpPr>
-          <p:nvPr>
-            <p:ph idx="1"/>
-          </p:nvPr>
-        </p:nvSpPr>
-        <p:spPr/>
-        <p:txBody>
-          <a:bodyPr>
-            <a:normAutofit/>
-          </a:bodyPr>
-          <a:lstStyle/>
-          <a:p>
-            <a:pPr algn="ctr">
-              <a:buNone/>
-            </a:pPr>
-            <a:r>
-              <a:rPr lang="zh-TW" altLang="en-US" sz="5400" b="1" dirty="0">
-                <a:solidFill>
-                  <a:srgbClr val="660033"/>
-                </a:solidFill>
-                <a:latin typeface="微軟正黑體" pitchFamily="34" charset="-120"/>
-                <a:ea typeface="微軟正黑體" pitchFamily="34" charset="-120"/>
-              </a:rPr>
-              <a:t>天上使者高聲讚美</a:t>
-            </a:r>
-            <a:endParaRPr lang="en-US" altLang="zh-TW" sz="5400" b="1" dirty="0">
+              <a:t>救主耶穌  萬福源頭</a:t>
+            </a:r>
+            <a:endParaRPr lang="en-US" altLang="zh-TW" sz="6400" b="1" dirty="0">
               <a:solidFill>
                 <a:srgbClr val="660033"/>
               </a:solidFill>
@@ -3410,16 +3855,16 @@
               <a:buNone/>
             </a:pPr>
             <a:r>
-              <a:rPr lang="zh-TW" altLang="en-US" sz="5400" b="1" dirty="0">
+              <a:rPr lang="zh-TW" altLang="en-US" sz="6400" b="1" dirty="0">
                 <a:solidFill>
                   <a:srgbClr val="660033"/>
                 </a:solidFill>
                 <a:latin typeface="微軟正黑體" pitchFamily="34" charset="-120"/>
                 <a:ea typeface="微軟正黑體" pitchFamily="34" charset="-120"/>
               </a:rPr>
-              <a:t>和諧歌頌無晝夜</a:t>
-            </a:r>
-            <a:endParaRPr lang="en-US" altLang="zh-TW" sz="5400" b="1" dirty="0">
+              <a:t>懇求垂聽我頌揚</a:t>
+            </a:r>
+            <a:endParaRPr lang="en-US" altLang="zh-TW" sz="6400" b="1" dirty="0">
               <a:solidFill>
                 <a:srgbClr val="660033"/>
               </a:solidFill>
@@ -3427,62 +3872,18 @@
               <a:ea typeface="微軟正黑體" pitchFamily="34" charset="-120"/>
             </a:endParaRPr>
           </a:p>
-          <a:p>
-            <a:pPr algn="ctr">
-              <a:buNone/>
-            </a:pPr>
-            <a:r>
-              <a:rPr lang="zh-TW" altLang="en-US" sz="5400" b="1" dirty="0">
-                <a:solidFill>
-                  <a:srgbClr val="660033"/>
-                </a:solidFill>
-                <a:latin typeface="微軟正黑體" pitchFamily="34" charset="-120"/>
-                <a:ea typeface="微軟正黑體" pitchFamily="34" charset="-120"/>
-              </a:rPr>
-              <a:t>我受恩惠比祂加倍</a:t>
-            </a:r>
-            <a:endParaRPr lang="en-US" altLang="zh-TW" sz="5400" b="1" dirty="0">
-              <a:solidFill>
-                <a:srgbClr val="660033"/>
-              </a:solidFill>
-              <a:latin typeface="微軟正黑體" pitchFamily="34" charset="-120"/>
-              <a:ea typeface="微軟正黑體" pitchFamily="34" charset="-120"/>
-            </a:endParaRPr>
-          </a:p>
-          <a:p>
-            <a:pPr algn="ctr">
-              <a:buNone/>
-            </a:pPr>
-            <a:r>
-              <a:rPr lang="zh-TW" altLang="en-US" sz="5400" b="1" dirty="0">
-                <a:solidFill>
-                  <a:srgbClr val="660033"/>
-                </a:solidFill>
-                <a:latin typeface="微軟正黑體" pitchFamily="34" charset="-120"/>
-                <a:ea typeface="微軟正黑體" pitchFamily="34" charset="-120"/>
-              </a:rPr>
-              <a:t>尤當讚美常感謝</a:t>
-            </a:r>
-            <a:endParaRPr lang="zh-TW" altLang="en-US" sz="5400" b="1" dirty="0">
-              <a:solidFill>
-                <a:srgbClr val="660033"/>
-              </a:solidFill>
-              <a:latin typeface="微軟正黑體" pitchFamily="34" charset="-120"/>
-              <a:ea typeface="微軟正黑體" pitchFamily="34" charset="-120"/>
-            </a:endParaRPr>
-          </a:p>
-        </p:txBody>
-      </p:sp>
-      <p:sp>
-        <p:nvSpPr>
-          <p:cNvPr id="6" name="TextBox 5"/>
+        </p:txBody>
+      </p:sp>
+      <p:sp>
+        <p:nvSpPr>
+          <p:cNvPr id="3" name="TextBox 2"/>
           <p:cNvSpPr txBox="1"/>
           <p:nvPr/>
         </p:nvSpPr>
         <p:spPr>
           <a:xfrm>
-            <a:off x="1271464" y="1574486"/>
-            <a:ext cx="1008112" cy="1107996"/>
+            <a:off x="331" y="5253203"/>
+            <a:ext cx="12192000" cy="830997"/>
           </a:xfrm>
           <a:prstGeom prst="rect">
             <a:avLst/>
@@ -3495,15 +3896,16 @@
           </a:bodyPr>
           <a:lstStyle/>
           <a:p>
-            <a:r>
-              <a:rPr lang="en-US" sz="6600" b="1" dirty="0" smtClean="0">
+            <a:pPr algn="ctr"/>
+            <a:r>
+              <a:rPr lang="en-US" sz="4800" b="1" dirty="0">
                 <a:solidFill>
                   <a:srgbClr val="660033"/>
                 </a:solidFill>
               </a:rPr>
-              <a:t>1.</a:t>
-            </a:r>
-            <a:endParaRPr lang="vi-VN" sz="6600" b="1" dirty="0">
+              <a:t>( 1 )</a:t>
+            </a:r>
+            <a:endParaRPr lang="vi-VN" sz="4800" b="1" dirty="0">
               <a:solidFill>
                 <a:srgbClr val="660033"/>
               </a:solidFill>
@@ -3512,10 +3914,22 @@
         </p:txBody>
       </p:sp>
     </p:spTree>
+    <p:extLst>
+      <p:ext uri="{BB962C8B-B14F-4D97-AF65-F5344CB8AC3E}">
+        <p14:creationId xmlns:p14="http://schemas.microsoft.com/office/powerpoint/2010/main" val="4127305693"/>
+      </p:ext>
+    </p:extLst>
   </p:cSld>
   <p:clrMapOvr>
     <a:masterClrMapping/>
   </p:clrMapOvr>
+  <p:timing>
+    <p:tnLst>
+      <p:par>
+        <p:cTn id="1" dur="indefinite" restart="never" nodeType="tmRoot"/>
+      </p:par>
+    </p:tnLst>
+  </p:timing>
 </p:sld>
 </file>
 
@@ -3538,65 +3952,40 @@
       </p:grpSpPr>
       <p:sp>
         <p:nvSpPr>
-          <p:cNvPr id="4" name="標題 3"/>
-          <p:cNvSpPr>
-            <a:spLocks noGrp="1"/>
-          </p:cNvSpPr>
-          <p:nvPr>
-            <p:ph type="title"/>
-          </p:nvPr>
-        </p:nvSpPr>
-        <p:spPr/>
-        <p:txBody>
-          <a:bodyPr>
+          <p:cNvPr id="5" name="內容版面配置區 4"/>
+          <p:cNvSpPr>
+            <a:spLocks noGrp="1"/>
+          </p:cNvSpPr>
+          <p:nvPr>
+            <p:ph idx="1"/>
+          </p:nvPr>
+        </p:nvSpPr>
+        <p:spPr>
+          <a:xfrm>
+            <a:off x="0" y="2084851"/>
+            <a:ext cx="12192000" cy="2404863"/>
+          </a:xfrm>
+        </p:spPr>
+        <p:txBody>
+          <a:bodyPr anchor="ctr">
             <a:normAutofit/>
           </a:bodyPr>
           <a:lstStyle/>
           <a:p>
-            <a:r>
-              <a:rPr lang="zh-TW" altLang="en-US" sz="4800" b="1" dirty="0">
+            <a:pPr algn="ctr">
+              <a:buNone/>
+            </a:pPr>
+            <a:r>
+              <a:rPr lang="zh-TW" altLang="en-US" sz="6400" b="1" dirty="0">
                 <a:solidFill>
                   <a:srgbClr val="660033"/>
                 </a:solidFill>
                 <a:latin typeface="微軟正黑體" pitchFamily="34" charset="-120"/>
                 <a:ea typeface="微軟正黑體" pitchFamily="34" charset="-120"/>
               </a:rPr>
-              <a:t>萬福源頭</a:t>
-            </a:r>
-          </a:p>
-        </p:txBody>
-      </p:sp>
-      <p:sp>
-        <p:nvSpPr>
-          <p:cNvPr id="5" name="內容版面配置區 4"/>
-          <p:cNvSpPr>
-            <a:spLocks noGrp="1"/>
-          </p:cNvSpPr>
-          <p:nvPr>
-            <p:ph idx="1"/>
-          </p:nvPr>
-        </p:nvSpPr>
-        <p:spPr/>
-        <p:txBody>
-          <a:bodyPr>
-            <a:normAutofit/>
-          </a:bodyPr>
-          <a:lstStyle/>
-          <a:p>
-            <a:pPr algn="ctr">
-              <a:buNone/>
-            </a:pPr>
-            <a:r>
-              <a:rPr lang="zh-TW" altLang="en-US" sz="5400" b="1" dirty="0">
-                <a:solidFill>
-                  <a:srgbClr val="660033"/>
-                </a:solidFill>
-                <a:latin typeface="微軟正黑體" pitchFamily="34" charset="-120"/>
-                <a:ea typeface="微軟正黑體" pitchFamily="34" charset="-120"/>
-              </a:rPr>
-              <a:t>此時立碑  記主恩慈</a:t>
-            </a:r>
-            <a:endParaRPr lang="en-US" altLang="zh-TW" sz="5400" b="1" dirty="0">
+              <a:t>主賜恩惠  如川湧流</a:t>
+            </a:r>
+            <a:endParaRPr lang="en-US" altLang="zh-TW" sz="6400" b="1" dirty="0">
               <a:solidFill>
                 <a:srgbClr val="660033"/>
               </a:solidFill>
@@ -3609,16 +3998,16 @@
               <a:buNone/>
             </a:pPr>
             <a:r>
-              <a:rPr lang="zh-TW" altLang="en-US" sz="5400" b="1" dirty="0">
+              <a:rPr lang="zh-TW" altLang="en-US" sz="6400" b="1" dirty="0">
                 <a:solidFill>
                   <a:srgbClr val="660033"/>
                 </a:solidFill>
                 <a:latin typeface="微軟正黑體" pitchFamily="34" charset="-120"/>
                 <a:ea typeface="微軟正黑體" pitchFamily="34" charset="-120"/>
               </a:rPr>
-              <a:t>效法士師撒母耳</a:t>
-            </a:r>
-            <a:endParaRPr lang="en-US" altLang="zh-TW" sz="5400" b="1" dirty="0">
+              <a:t>應當高歌詠無疆</a:t>
+            </a:r>
+            <a:endParaRPr lang="zh-TW" altLang="en-US" sz="6400" b="1" dirty="0">
               <a:solidFill>
                 <a:srgbClr val="660033"/>
               </a:solidFill>
@@ -3626,55 +4015,18 @@
               <a:ea typeface="微軟正黑體" pitchFamily="34" charset="-120"/>
             </a:endParaRPr>
           </a:p>
-          <a:p>
-            <a:pPr algn="ctr">
-              <a:buNone/>
-            </a:pPr>
-            <a:r>
-              <a:rPr lang="zh-TW" altLang="en-US" sz="5400" b="1" dirty="0">
-                <a:solidFill>
-                  <a:srgbClr val="660033"/>
-                </a:solidFill>
-                <a:latin typeface="微軟正黑體" pitchFamily="34" charset="-120"/>
-                <a:ea typeface="微軟正黑體" pitchFamily="34" charset="-120"/>
-              </a:rPr>
-              <a:t>主曾保護  直到現時</a:t>
-            </a:r>
-            <a:endParaRPr lang="en-US" altLang="zh-TW" sz="5400" b="1" dirty="0">
-              <a:solidFill>
-                <a:srgbClr val="660033"/>
-              </a:solidFill>
-              <a:latin typeface="微軟正黑體" pitchFamily="34" charset="-120"/>
-              <a:ea typeface="微軟正黑體" pitchFamily="34" charset="-120"/>
-            </a:endParaRPr>
-          </a:p>
-          <a:p>
-            <a:pPr algn="ctr">
-              <a:buNone/>
-            </a:pPr>
-            <a:r>
-              <a:rPr lang="zh-TW" altLang="en-US" sz="5400" b="1" dirty="0">
-                <a:solidFill>
-                  <a:srgbClr val="660033"/>
-                </a:solidFill>
-                <a:latin typeface="微軟正黑體" pitchFamily="34" charset="-120"/>
-                <a:ea typeface="微軟正黑體" pitchFamily="34" charset="-120"/>
-              </a:rPr>
-              <a:t>總不離棄到末日</a:t>
-            </a:r>
-          </a:p>
-        </p:txBody>
-      </p:sp>
-      <p:sp>
-        <p:nvSpPr>
-          <p:cNvPr id="6" name="TextBox 5"/>
+        </p:txBody>
+      </p:sp>
+      <p:sp>
+        <p:nvSpPr>
+          <p:cNvPr id="3" name="TextBox 2"/>
           <p:cNvSpPr txBox="1"/>
           <p:nvPr/>
         </p:nvSpPr>
         <p:spPr>
           <a:xfrm>
-            <a:off x="1271464" y="1574486"/>
-            <a:ext cx="1008112" cy="1107996"/>
+            <a:off x="331" y="5253203"/>
+            <a:ext cx="12192000" cy="830997"/>
           </a:xfrm>
           <a:prstGeom prst="rect">
             <a:avLst/>
@@ -3687,23 +4039,16 @@
           </a:bodyPr>
           <a:lstStyle/>
           <a:p>
-            <a:r>
-              <a:rPr lang="en-US" sz="6600" b="1" dirty="0">
+            <a:pPr algn="ctr"/>
+            <a:r>
+              <a:rPr lang="en-US" sz="4800" b="1" dirty="0">
                 <a:solidFill>
                   <a:srgbClr val="660033"/>
                 </a:solidFill>
               </a:rPr>
-              <a:t>2</a:t>
-            </a:r>
-            <a:r>
-              <a:rPr lang="en-US" sz="6600" b="1" dirty="0" smtClean="0">
-                <a:solidFill>
-                  <a:srgbClr val="660033"/>
-                </a:solidFill>
-              </a:rPr>
-              <a:t>.</a:t>
-            </a:r>
-            <a:endParaRPr lang="vi-VN" sz="6600" b="1" dirty="0">
+              <a:t>( 1 )</a:t>
+            </a:r>
+            <a:endParaRPr lang="vi-VN" sz="4800" b="1" dirty="0">
               <a:solidFill>
                 <a:srgbClr val="660033"/>
               </a:solidFill>
@@ -3712,10 +4057,22 @@
         </p:txBody>
       </p:sp>
     </p:spTree>
+    <p:extLst>
+      <p:ext uri="{BB962C8B-B14F-4D97-AF65-F5344CB8AC3E}">
+        <p14:creationId xmlns:p14="http://schemas.microsoft.com/office/powerpoint/2010/main" val="541061738"/>
+      </p:ext>
+    </p:extLst>
   </p:cSld>
   <p:clrMapOvr>
     <a:masterClrMapping/>
   </p:clrMapOvr>
+  <p:timing>
+    <p:tnLst>
+      <p:par>
+        <p:cTn id="1" dur="indefinite" restart="never" nodeType="tmRoot"/>
+      </p:par>
+    </p:tnLst>
+  </p:timing>
 </p:sld>
 </file>
 
@@ -3738,65 +4095,40 @@
       </p:grpSpPr>
       <p:sp>
         <p:nvSpPr>
-          <p:cNvPr id="4" name="標題 3"/>
-          <p:cNvSpPr>
-            <a:spLocks noGrp="1"/>
-          </p:cNvSpPr>
-          <p:nvPr>
-            <p:ph type="title"/>
-          </p:nvPr>
-        </p:nvSpPr>
-        <p:spPr/>
-        <p:txBody>
-          <a:bodyPr>
+          <p:cNvPr id="5" name="內容版面配置區 4"/>
+          <p:cNvSpPr>
+            <a:spLocks noGrp="1"/>
+          </p:cNvSpPr>
+          <p:nvPr>
+            <p:ph idx="1"/>
+          </p:nvPr>
+        </p:nvSpPr>
+        <p:spPr>
+          <a:xfrm>
+            <a:off x="0" y="2084851"/>
+            <a:ext cx="12192000" cy="2404863"/>
+          </a:xfrm>
+        </p:spPr>
+        <p:txBody>
+          <a:bodyPr anchor="ctr">
             <a:normAutofit/>
           </a:bodyPr>
           <a:lstStyle/>
           <a:p>
-            <a:r>
-              <a:rPr lang="zh-TW" altLang="en-US" sz="4800" b="1" dirty="0">
+            <a:pPr algn="ctr">
+              <a:buNone/>
+            </a:pPr>
+            <a:r>
+              <a:rPr lang="zh-TW" altLang="en-US" sz="6400" b="1" dirty="0">
                 <a:solidFill>
                   <a:srgbClr val="660033"/>
                 </a:solidFill>
                 <a:latin typeface="微軟正黑體" pitchFamily="34" charset="-120"/>
                 <a:ea typeface="微軟正黑體" pitchFamily="34" charset="-120"/>
               </a:rPr>
-              <a:t>萬福源頭</a:t>
-            </a:r>
-          </a:p>
-        </p:txBody>
-      </p:sp>
-      <p:sp>
-        <p:nvSpPr>
-          <p:cNvPr id="5" name="內容版面配置區 4"/>
-          <p:cNvSpPr>
-            <a:spLocks noGrp="1"/>
-          </p:cNvSpPr>
-          <p:nvPr>
-            <p:ph idx="1"/>
-          </p:nvPr>
-        </p:nvSpPr>
-        <p:spPr/>
-        <p:txBody>
-          <a:bodyPr>
-            <a:normAutofit/>
-          </a:bodyPr>
-          <a:lstStyle/>
-          <a:p>
-            <a:pPr algn="ctr">
-              <a:buNone/>
-            </a:pPr>
-            <a:r>
-              <a:rPr lang="zh-TW" altLang="en-US" sz="5400" b="1" dirty="0">
-                <a:solidFill>
-                  <a:srgbClr val="660033"/>
-                </a:solidFill>
-                <a:latin typeface="微軟正黑體" pitchFamily="34" charset="-120"/>
-                <a:ea typeface="微軟正黑體" pitchFamily="34" charset="-120"/>
-              </a:rPr>
-              <a:t>耶穌看我如羊失群</a:t>
-            </a:r>
-            <a:endParaRPr lang="en-US" altLang="zh-TW" sz="5400" b="1" dirty="0">
+              <a:t>天上使者高聲讚美</a:t>
+            </a:r>
+            <a:endParaRPr lang="en-US" altLang="zh-TW" sz="6400" b="1" dirty="0">
               <a:solidFill>
                 <a:srgbClr val="660033"/>
               </a:solidFill>
@@ -3809,16 +4141,16 @@
               <a:buNone/>
             </a:pPr>
             <a:r>
-              <a:rPr lang="zh-TW" altLang="en-US" sz="5400" b="1" dirty="0">
+              <a:rPr lang="zh-TW" altLang="en-US" sz="6400" b="1" dirty="0">
                 <a:solidFill>
                   <a:srgbClr val="660033"/>
                 </a:solidFill>
                 <a:latin typeface="微軟正黑體" pitchFamily="34" charset="-120"/>
                 <a:ea typeface="微軟正黑體" pitchFamily="34" charset="-120"/>
               </a:rPr>
-              <a:t>離開天父去遙遠</a:t>
-            </a:r>
-            <a:endParaRPr lang="en-US" altLang="zh-TW" sz="5400" b="1" dirty="0">
+              <a:t>和諧歌頌無晝夜</a:t>
+            </a:r>
+            <a:endParaRPr lang="en-US" altLang="zh-TW" sz="6400" b="1" dirty="0">
               <a:solidFill>
                 <a:srgbClr val="660033"/>
               </a:solidFill>
@@ -3826,55 +4158,18 @@
               <a:ea typeface="微軟正黑體" pitchFamily="34" charset="-120"/>
             </a:endParaRPr>
           </a:p>
-          <a:p>
-            <a:pPr algn="ctr">
-              <a:buNone/>
-            </a:pPr>
-            <a:r>
-              <a:rPr lang="zh-TW" altLang="en-US" sz="5400" b="1" dirty="0">
-                <a:solidFill>
-                  <a:srgbClr val="660033"/>
-                </a:solidFill>
-                <a:latin typeface="微軟正黑體" pitchFamily="34" charset="-120"/>
-                <a:ea typeface="微軟正黑體" pitchFamily="34" charset="-120"/>
-              </a:rPr>
-              <a:t>自流寶血救我罪身</a:t>
-            </a:r>
-            <a:endParaRPr lang="en-US" altLang="zh-TW" sz="5400" b="1" dirty="0">
-              <a:solidFill>
-                <a:srgbClr val="660033"/>
-              </a:solidFill>
-              <a:latin typeface="微軟正黑體" pitchFamily="34" charset="-120"/>
-              <a:ea typeface="微軟正黑體" pitchFamily="34" charset="-120"/>
-            </a:endParaRPr>
-          </a:p>
-          <a:p>
-            <a:pPr algn="ctr">
-              <a:buNone/>
-            </a:pPr>
-            <a:r>
-              <a:rPr lang="zh-TW" altLang="en-US" sz="5400" b="1" dirty="0">
-                <a:solidFill>
-                  <a:srgbClr val="660033"/>
-                </a:solidFill>
-                <a:latin typeface="微軟正黑體" pitchFamily="34" charset="-120"/>
-                <a:ea typeface="微軟正黑體" pitchFamily="34" charset="-120"/>
-              </a:rPr>
-              <a:t>親來引我歸羊圈</a:t>
-            </a:r>
-          </a:p>
-        </p:txBody>
-      </p:sp>
-      <p:sp>
-        <p:nvSpPr>
-          <p:cNvPr id="6" name="TextBox 5"/>
+        </p:txBody>
+      </p:sp>
+      <p:sp>
+        <p:nvSpPr>
+          <p:cNvPr id="3" name="TextBox 2"/>
           <p:cNvSpPr txBox="1"/>
           <p:nvPr/>
         </p:nvSpPr>
         <p:spPr>
           <a:xfrm>
-            <a:off x="1271464" y="1574486"/>
-            <a:ext cx="1008112" cy="1107996"/>
+            <a:off x="331" y="5253203"/>
+            <a:ext cx="12192000" cy="830997"/>
           </a:xfrm>
           <a:prstGeom prst="rect">
             <a:avLst/>
@@ -3887,23 +4182,16 @@
           </a:bodyPr>
           <a:lstStyle/>
           <a:p>
-            <a:r>
-              <a:rPr lang="en-US" sz="6600" b="1" dirty="0">
+            <a:pPr algn="ctr"/>
+            <a:r>
+              <a:rPr lang="en-US" sz="4800" b="1" dirty="0">
                 <a:solidFill>
                   <a:srgbClr val="660033"/>
                 </a:solidFill>
               </a:rPr>
-              <a:t>2</a:t>
-            </a:r>
-            <a:r>
-              <a:rPr lang="en-US" sz="6600" b="1" dirty="0" smtClean="0">
-                <a:solidFill>
-                  <a:srgbClr val="660033"/>
-                </a:solidFill>
-              </a:rPr>
-              <a:t>.</a:t>
-            </a:r>
-            <a:endParaRPr lang="vi-VN" sz="6600" b="1" dirty="0">
+              <a:t>( 1 )</a:t>
+            </a:r>
+            <a:endParaRPr lang="vi-VN" sz="4800" b="1" dirty="0">
               <a:solidFill>
                 <a:srgbClr val="660033"/>
               </a:solidFill>
@@ -3912,10 +4200,22 @@
         </p:txBody>
       </p:sp>
     </p:spTree>
+    <p:extLst>
+      <p:ext uri="{BB962C8B-B14F-4D97-AF65-F5344CB8AC3E}">
+        <p14:creationId xmlns:p14="http://schemas.microsoft.com/office/powerpoint/2010/main" val="789882565"/>
+      </p:ext>
+    </p:extLst>
   </p:cSld>
   <p:clrMapOvr>
     <a:masterClrMapping/>
   </p:clrMapOvr>
+  <p:timing>
+    <p:tnLst>
+      <p:par>
+        <p:cTn id="1" dur="indefinite" restart="never" nodeType="tmRoot"/>
+      </p:par>
+    </p:tnLst>
+  </p:timing>
 </p:sld>
 </file>
 
@@ -3938,65 +4238,40 @@
       </p:grpSpPr>
       <p:sp>
         <p:nvSpPr>
-          <p:cNvPr id="4" name="標題 3"/>
-          <p:cNvSpPr>
-            <a:spLocks noGrp="1"/>
-          </p:cNvSpPr>
-          <p:nvPr>
-            <p:ph type="title"/>
-          </p:nvPr>
-        </p:nvSpPr>
-        <p:spPr/>
-        <p:txBody>
-          <a:bodyPr>
+          <p:cNvPr id="5" name="內容版面配置區 4"/>
+          <p:cNvSpPr>
+            <a:spLocks noGrp="1"/>
+          </p:cNvSpPr>
+          <p:nvPr>
+            <p:ph idx="1"/>
+          </p:nvPr>
+        </p:nvSpPr>
+        <p:spPr>
+          <a:xfrm>
+            <a:off x="0" y="2084851"/>
+            <a:ext cx="12192000" cy="2404863"/>
+          </a:xfrm>
+        </p:spPr>
+        <p:txBody>
+          <a:bodyPr anchor="ctr">
             <a:normAutofit/>
           </a:bodyPr>
           <a:lstStyle/>
           <a:p>
-            <a:r>
-              <a:rPr lang="zh-TW" altLang="en-US" sz="4800" b="1" dirty="0">
+            <a:pPr algn="ctr">
+              <a:buNone/>
+            </a:pPr>
+            <a:r>
+              <a:rPr lang="zh-TW" altLang="en-US" sz="6400" b="1" dirty="0">
                 <a:solidFill>
                   <a:srgbClr val="660033"/>
                 </a:solidFill>
                 <a:latin typeface="微軟正黑體" pitchFamily="34" charset="-120"/>
                 <a:ea typeface="微軟正黑體" pitchFamily="34" charset="-120"/>
               </a:rPr>
-              <a:t>萬福源頭</a:t>
-            </a:r>
-          </a:p>
-        </p:txBody>
-      </p:sp>
-      <p:sp>
-        <p:nvSpPr>
-          <p:cNvPr id="5" name="內容版面配置區 4"/>
-          <p:cNvSpPr>
-            <a:spLocks noGrp="1"/>
-          </p:cNvSpPr>
-          <p:nvPr>
-            <p:ph idx="1"/>
-          </p:nvPr>
-        </p:nvSpPr>
-        <p:spPr/>
-        <p:txBody>
-          <a:bodyPr>
-            <a:normAutofit/>
-          </a:bodyPr>
-          <a:lstStyle/>
-          <a:p>
-            <a:pPr algn="ctr">
-              <a:buNone/>
-            </a:pPr>
-            <a:r>
-              <a:rPr lang="zh-TW" altLang="en-US" sz="5400" b="1" dirty="0">
-                <a:solidFill>
-                  <a:srgbClr val="660033"/>
-                </a:solidFill>
-                <a:latin typeface="微軟正黑體" pitchFamily="34" charset="-120"/>
-                <a:ea typeface="微軟正黑體" pitchFamily="34" charset="-120"/>
-              </a:rPr>
-              <a:t>我受恩惠  何其寬洪</a:t>
-            </a:r>
-            <a:endParaRPr lang="en-US" altLang="zh-TW" sz="5400" b="1" dirty="0">
+              <a:t>我受恩惠比祂加倍</a:t>
+            </a:r>
+            <a:endParaRPr lang="en-US" altLang="zh-TW" sz="6400" b="1" dirty="0">
               <a:solidFill>
                 <a:srgbClr val="660033"/>
               </a:solidFill>
@@ -4009,16 +4284,16 @@
               <a:buNone/>
             </a:pPr>
             <a:r>
-              <a:rPr lang="zh-TW" altLang="en-US" sz="5400" b="1" dirty="0">
+              <a:rPr lang="zh-TW" altLang="en-US" sz="6400" b="1" dirty="0">
                 <a:solidFill>
                   <a:srgbClr val="660033"/>
                 </a:solidFill>
                 <a:latin typeface="微軟正黑體" pitchFamily="34" charset="-120"/>
                 <a:ea typeface="微軟正黑體" pitchFamily="34" charset="-120"/>
               </a:rPr>
-              <a:t>日日增新無從報</a:t>
-            </a:r>
-            <a:endParaRPr lang="en-US" altLang="zh-TW" sz="5400" b="1" dirty="0">
+              <a:t>尤當讚美常感謝</a:t>
+            </a:r>
+            <a:endParaRPr lang="zh-TW" altLang="en-US" sz="6400" b="1" dirty="0">
               <a:solidFill>
                 <a:srgbClr val="660033"/>
               </a:solidFill>
@@ -4026,55 +4301,18 @@
               <a:ea typeface="微軟正黑體" pitchFamily="34" charset="-120"/>
             </a:endParaRPr>
           </a:p>
-          <a:p>
-            <a:pPr algn="ctr">
-              <a:buNone/>
-            </a:pPr>
-            <a:r>
-              <a:rPr lang="zh-TW" altLang="en-US" sz="5400" b="1" dirty="0">
-                <a:solidFill>
-                  <a:srgbClr val="660033"/>
-                </a:solidFill>
-                <a:latin typeface="微軟正黑體" pitchFamily="34" charset="-120"/>
-                <a:ea typeface="微軟正黑體" pitchFamily="34" charset="-120"/>
-              </a:rPr>
-              <a:t>此後惟願  事主盡忠</a:t>
-            </a:r>
-            <a:endParaRPr lang="en-US" altLang="zh-TW" sz="5400" b="1" dirty="0">
-              <a:solidFill>
-                <a:srgbClr val="660033"/>
-              </a:solidFill>
-              <a:latin typeface="微軟正黑體" pitchFamily="34" charset="-120"/>
-              <a:ea typeface="微軟正黑體" pitchFamily="34" charset="-120"/>
-            </a:endParaRPr>
-          </a:p>
-          <a:p>
-            <a:pPr algn="ctr">
-              <a:buNone/>
-            </a:pPr>
-            <a:r>
-              <a:rPr lang="zh-TW" altLang="en-US" sz="5400" b="1" dirty="0">
-                <a:solidFill>
-                  <a:srgbClr val="660033"/>
-                </a:solidFill>
-                <a:latin typeface="微軟正黑體" pitchFamily="34" charset="-120"/>
-                <a:ea typeface="微軟正黑體" pitchFamily="34" charset="-120"/>
-              </a:rPr>
-              <a:t>一心戀主蒙引導</a:t>
-            </a:r>
-          </a:p>
-        </p:txBody>
-      </p:sp>
-      <p:sp>
-        <p:nvSpPr>
-          <p:cNvPr id="6" name="TextBox 5"/>
+        </p:txBody>
+      </p:sp>
+      <p:sp>
+        <p:nvSpPr>
+          <p:cNvPr id="3" name="TextBox 2"/>
           <p:cNvSpPr txBox="1"/>
           <p:nvPr/>
         </p:nvSpPr>
         <p:spPr>
           <a:xfrm>
-            <a:off x="1271464" y="1574486"/>
-            <a:ext cx="1008112" cy="1107996"/>
+            <a:off x="331" y="5253203"/>
+            <a:ext cx="12192000" cy="830997"/>
           </a:xfrm>
           <a:prstGeom prst="rect">
             <a:avLst/>
@@ -4087,23 +4325,16 @@
           </a:bodyPr>
           <a:lstStyle/>
           <a:p>
-            <a:r>
-              <a:rPr lang="en-US" sz="6600" b="1" dirty="0">
+            <a:pPr algn="ctr"/>
+            <a:r>
+              <a:rPr lang="en-US" sz="4800" b="1" dirty="0">
                 <a:solidFill>
                   <a:srgbClr val="660033"/>
                 </a:solidFill>
               </a:rPr>
-              <a:t>3</a:t>
-            </a:r>
-            <a:r>
-              <a:rPr lang="en-US" sz="6600" b="1" dirty="0" smtClean="0">
-                <a:solidFill>
-                  <a:srgbClr val="660033"/>
-                </a:solidFill>
-              </a:rPr>
-              <a:t>.</a:t>
-            </a:r>
-            <a:endParaRPr lang="vi-VN" sz="6600" b="1" dirty="0">
+              <a:t>( 1 )</a:t>
+            </a:r>
+            <a:endParaRPr lang="vi-VN" sz="4800" b="1" dirty="0">
               <a:solidFill>
                 <a:srgbClr val="660033"/>
               </a:solidFill>
@@ -4112,10 +4343,22 @@
         </p:txBody>
       </p:sp>
     </p:spTree>
+    <p:extLst>
+      <p:ext uri="{BB962C8B-B14F-4D97-AF65-F5344CB8AC3E}">
+        <p14:creationId xmlns:p14="http://schemas.microsoft.com/office/powerpoint/2010/main" val="4271022370"/>
+      </p:ext>
+    </p:extLst>
   </p:cSld>
   <p:clrMapOvr>
     <a:masterClrMapping/>
   </p:clrMapOvr>
+  <p:timing>
+    <p:tnLst>
+      <p:par>
+        <p:cTn id="1" dur="indefinite" restart="never" nodeType="tmRoot"/>
+      </p:par>
+    </p:tnLst>
+  </p:timing>
 </p:sld>
 </file>
 
@@ -4138,65 +4381,40 @@
       </p:grpSpPr>
       <p:sp>
         <p:nvSpPr>
-          <p:cNvPr id="4" name="標題 3"/>
-          <p:cNvSpPr>
-            <a:spLocks noGrp="1"/>
-          </p:cNvSpPr>
-          <p:nvPr>
-            <p:ph type="title"/>
-          </p:nvPr>
-        </p:nvSpPr>
-        <p:spPr/>
-        <p:txBody>
-          <a:bodyPr>
+          <p:cNvPr id="5" name="內容版面配置區 4"/>
+          <p:cNvSpPr>
+            <a:spLocks noGrp="1"/>
+          </p:cNvSpPr>
+          <p:nvPr>
+            <p:ph idx="1"/>
+          </p:nvPr>
+        </p:nvSpPr>
+        <p:spPr>
+          <a:xfrm>
+            <a:off x="0" y="2084851"/>
+            <a:ext cx="12192000" cy="2404863"/>
+          </a:xfrm>
+        </p:spPr>
+        <p:txBody>
+          <a:bodyPr anchor="ctr">
             <a:normAutofit/>
           </a:bodyPr>
           <a:lstStyle/>
           <a:p>
-            <a:r>
-              <a:rPr lang="zh-TW" altLang="en-US" sz="4800" b="1" dirty="0">
+            <a:pPr algn="ctr">
+              <a:buNone/>
+            </a:pPr>
+            <a:r>
+              <a:rPr lang="zh-TW" altLang="en-US" sz="6400" b="1" dirty="0">
                 <a:solidFill>
                   <a:srgbClr val="660033"/>
                 </a:solidFill>
                 <a:latin typeface="微軟正黑體" pitchFamily="34" charset="-120"/>
                 <a:ea typeface="微軟正黑體" pitchFamily="34" charset="-120"/>
               </a:rPr>
-              <a:t>萬福源頭</a:t>
-            </a:r>
-          </a:p>
-        </p:txBody>
-      </p:sp>
-      <p:sp>
-        <p:nvSpPr>
-          <p:cNvPr id="5" name="內容版面配置區 4"/>
-          <p:cNvSpPr>
-            <a:spLocks noGrp="1"/>
-          </p:cNvSpPr>
-          <p:nvPr>
-            <p:ph idx="1"/>
-          </p:nvPr>
-        </p:nvSpPr>
-        <p:spPr/>
-        <p:txBody>
-          <a:bodyPr>
-            <a:normAutofit/>
-          </a:bodyPr>
-          <a:lstStyle/>
-          <a:p>
-            <a:pPr algn="ctr">
-              <a:buNone/>
-            </a:pPr>
-            <a:r>
-              <a:rPr lang="zh-TW" altLang="en-US" sz="5400" b="1" dirty="0">
-                <a:solidFill>
-                  <a:srgbClr val="660033"/>
-                </a:solidFill>
-                <a:latin typeface="微軟正黑體" pitchFamily="34" charset="-120"/>
-                <a:ea typeface="微軟正黑體" pitchFamily="34" charset="-120"/>
-              </a:rPr>
-              <a:t>惜我愚心易失正途</a:t>
-            </a:r>
-            <a:endParaRPr lang="en-US" altLang="zh-TW" sz="5400" b="1" dirty="0">
+              <a:t>此時立碑  記主恩慈</a:t>
+            </a:r>
+            <a:endParaRPr lang="en-US" altLang="zh-TW" sz="6400" b="1" dirty="0">
               <a:solidFill>
                 <a:srgbClr val="660033"/>
               </a:solidFill>
@@ -4209,16 +4427,16 @@
               <a:buNone/>
             </a:pPr>
             <a:r>
-              <a:rPr lang="zh-TW" altLang="en-US" sz="5400" b="1" dirty="0">
+              <a:rPr lang="zh-TW" altLang="en-US" sz="6400" b="1" dirty="0">
                 <a:solidFill>
                   <a:srgbClr val="660033"/>
                 </a:solidFill>
                 <a:latin typeface="微軟正黑體" pitchFamily="34" charset="-120"/>
                 <a:ea typeface="微軟正黑體" pitchFamily="34" charset="-120"/>
               </a:rPr>
-              <a:t>去行邪道冒危險</a:t>
-            </a:r>
-            <a:endParaRPr lang="en-US" altLang="zh-TW" sz="5400" b="1" dirty="0">
+              <a:t>效法士師撒母耳</a:t>
+            </a:r>
+            <a:endParaRPr lang="en-US" altLang="zh-TW" sz="6400" b="1" dirty="0">
               <a:solidFill>
                 <a:srgbClr val="660033"/>
               </a:solidFill>
@@ -4226,21 +4444,120 @@
               <a:ea typeface="微軟正黑體" pitchFamily="34" charset="-120"/>
             </a:endParaRPr>
           </a:p>
+        </p:txBody>
+      </p:sp>
+      <p:sp>
+        <p:nvSpPr>
+          <p:cNvPr id="3" name="TextBox 2"/>
+          <p:cNvSpPr txBox="1"/>
+          <p:nvPr/>
+        </p:nvSpPr>
+        <p:spPr>
+          <a:xfrm>
+            <a:off x="331" y="5253203"/>
+            <a:ext cx="12192000" cy="830997"/>
+          </a:xfrm>
+          <a:prstGeom prst="rect">
+            <a:avLst/>
+          </a:prstGeom>
+          <a:noFill/>
+        </p:spPr>
+        <p:txBody>
+          <a:bodyPr wrap="square" rtlCol="0">
+            <a:spAutoFit/>
+          </a:bodyPr>
+          <a:lstStyle/>
+          <a:p>
+            <a:pPr algn="ctr"/>
+            <a:r>
+              <a:rPr lang="en-US" sz="4800" b="1" dirty="0">
+                <a:solidFill>
+                  <a:srgbClr val="660033"/>
+                </a:solidFill>
+              </a:rPr>
+              <a:t>( 2 )</a:t>
+            </a:r>
+            <a:endParaRPr lang="vi-VN" sz="4800" b="1" dirty="0">
+              <a:solidFill>
+                <a:srgbClr val="660033"/>
+              </a:solidFill>
+            </a:endParaRPr>
+          </a:p>
+        </p:txBody>
+      </p:sp>
+    </p:spTree>
+    <p:extLst>
+      <p:ext uri="{BB962C8B-B14F-4D97-AF65-F5344CB8AC3E}">
+        <p14:creationId xmlns:p14="http://schemas.microsoft.com/office/powerpoint/2010/main" val="4215160495"/>
+      </p:ext>
+    </p:extLst>
+  </p:cSld>
+  <p:clrMapOvr>
+    <a:masterClrMapping/>
+  </p:clrMapOvr>
+  <p:timing>
+    <p:tnLst>
+      <p:par>
+        <p:cTn id="1" dur="indefinite" restart="never" nodeType="tmRoot"/>
+      </p:par>
+    </p:tnLst>
+  </p:timing>
+</p:sld>
+</file>
+
+<file path=ppt/slides/slide7.xml><?xml version="1.0" encoding="utf-8"?>
+<p:sld xmlns:a="http://schemas.openxmlformats.org/drawingml/2006/main" xmlns:r="http://schemas.openxmlformats.org/officeDocument/2006/relationships" xmlns:p="http://schemas.openxmlformats.org/presentationml/2006/main">
+  <p:cSld>
+    <p:spTree>
+      <p:nvGrpSpPr>
+        <p:cNvPr id="1" name=""/>
+        <p:cNvGrpSpPr/>
+        <p:nvPr/>
+      </p:nvGrpSpPr>
+      <p:grpSpPr>
+        <a:xfrm>
+          <a:off x="0" y="0"/>
+          <a:ext cx="0" cy="0"/>
+          <a:chOff x="0" y="0"/>
+          <a:chExt cx="0" cy="0"/>
+        </a:xfrm>
+      </p:grpSpPr>
+      <p:sp>
+        <p:nvSpPr>
+          <p:cNvPr id="5" name="內容版面配置區 4"/>
+          <p:cNvSpPr>
+            <a:spLocks noGrp="1"/>
+          </p:cNvSpPr>
+          <p:nvPr>
+            <p:ph idx="1"/>
+          </p:nvPr>
+        </p:nvSpPr>
+        <p:spPr>
+          <a:xfrm>
+            <a:off x="0" y="2084851"/>
+            <a:ext cx="12192000" cy="2404863"/>
+          </a:xfrm>
+        </p:spPr>
+        <p:txBody>
+          <a:bodyPr anchor="ctr">
+            <a:normAutofit/>
+          </a:bodyPr>
+          <a:lstStyle/>
           <a:p>
             <a:pPr algn="ctr">
               <a:buNone/>
             </a:pPr>
             <a:r>
-              <a:rPr lang="zh-TW" altLang="en-US" sz="5400" b="1" dirty="0">
+              <a:rPr lang="zh-TW" altLang="en-US" sz="6400" b="1" dirty="0">
                 <a:solidFill>
                   <a:srgbClr val="660033"/>
                 </a:solidFill>
                 <a:latin typeface="微軟正黑體" pitchFamily="34" charset="-120"/>
                 <a:ea typeface="微軟正黑體" pitchFamily="34" charset="-120"/>
               </a:rPr>
-              <a:t>今將身心獻與救主</a:t>
-            </a:r>
-            <a:endParaRPr lang="en-US" altLang="zh-TW" sz="5400" b="1" dirty="0">
+              <a:t>主曾保護  直到現時</a:t>
+            </a:r>
+            <a:endParaRPr lang="en-US" altLang="zh-TW" sz="6400" b="1" dirty="0">
               <a:solidFill>
                 <a:srgbClr val="660033"/>
               </a:solidFill>
@@ -4253,28 +4570,35 @@
               <a:buNone/>
             </a:pPr>
             <a:r>
-              <a:rPr lang="zh-TW" altLang="en-US" sz="5400" b="1" dirty="0">
+              <a:rPr lang="zh-TW" altLang="en-US" sz="6400" b="1" dirty="0">
                 <a:solidFill>
                   <a:srgbClr val="660033"/>
                 </a:solidFill>
                 <a:latin typeface="微軟正黑體" pitchFamily="34" charset="-120"/>
                 <a:ea typeface="微軟正黑體" pitchFamily="34" charset="-120"/>
               </a:rPr>
-              <a:t>使我傳揚主恩典</a:t>
-            </a:r>
-          </a:p>
-        </p:txBody>
-      </p:sp>
-      <p:sp>
-        <p:nvSpPr>
-          <p:cNvPr id="6" name="TextBox 5"/>
+              <a:t>總不離棄到末日</a:t>
+            </a:r>
+            <a:endParaRPr lang="zh-TW" altLang="en-US" sz="6400" b="1" dirty="0">
+              <a:solidFill>
+                <a:srgbClr val="660033"/>
+              </a:solidFill>
+              <a:latin typeface="微軟正黑體" pitchFamily="34" charset="-120"/>
+              <a:ea typeface="微軟正黑體" pitchFamily="34" charset="-120"/>
+            </a:endParaRPr>
+          </a:p>
+        </p:txBody>
+      </p:sp>
+      <p:sp>
+        <p:nvSpPr>
+          <p:cNvPr id="3" name="TextBox 2"/>
           <p:cNvSpPr txBox="1"/>
           <p:nvPr/>
         </p:nvSpPr>
         <p:spPr>
           <a:xfrm>
-            <a:off x="1271464" y="1574486"/>
-            <a:ext cx="1008112" cy="1107996"/>
+            <a:off x="331" y="5253203"/>
+            <a:ext cx="12192000" cy="830997"/>
           </a:xfrm>
           <a:prstGeom prst="rect">
             <a:avLst/>
@@ -4287,23 +4611,16 @@
           </a:bodyPr>
           <a:lstStyle/>
           <a:p>
-            <a:r>
-              <a:rPr lang="en-US" sz="6600" b="1" dirty="0">
+            <a:pPr algn="ctr"/>
+            <a:r>
+              <a:rPr lang="en-US" sz="4800" b="1" dirty="0">
                 <a:solidFill>
                   <a:srgbClr val="660033"/>
                 </a:solidFill>
               </a:rPr>
-              <a:t>3</a:t>
-            </a:r>
-            <a:r>
-              <a:rPr lang="en-US" sz="6600" b="1" dirty="0" smtClean="0">
-                <a:solidFill>
-                  <a:srgbClr val="660033"/>
-                </a:solidFill>
-              </a:rPr>
-              <a:t>.</a:t>
-            </a:r>
-            <a:endParaRPr lang="vi-VN" sz="6600" b="1" dirty="0">
+              <a:t>( 2 )</a:t>
+            </a:r>
+            <a:endParaRPr lang="vi-VN" sz="4800" b="1" dirty="0">
               <a:solidFill>
                 <a:srgbClr val="660033"/>
               </a:solidFill>
@@ -4312,10 +4629,308 @@
         </p:txBody>
       </p:sp>
     </p:spTree>
+    <p:extLst>
+      <p:ext uri="{BB962C8B-B14F-4D97-AF65-F5344CB8AC3E}">
+        <p14:creationId xmlns:p14="http://schemas.microsoft.com/office/powerpoint/2010/main" val="2072427731"/>
+      </p:ext>
+    </p:extLst>
   </p:cSld>
   <p:clrMapOvr>
     <a:masterClrMapping/>
   </p:clrMapOvr>
+  <p:timing>
+    <p:tnLst>
+      <p:par>
+        <p:cTn id="1" dur="indefinite" restart="never" nodeType="tmRoot"/>
+      </p:par>
+    </p:tnLst>
+  </p:timing>
+</p:sld>
+</file>
+
+<file path=ppt/slides/slide8.xml><?xml version="1.0" encoding="utf-8"?>
+<p:sld xmlns:a="http://schemas.openxmlformats.org/drawingml/2006/main" xmlns:r="http://schemas.openxmlformats.org/officeDocument/2006/relationships" xmlns:p="http://schemas.openxmlformats.org/presentationml/2006/main">
+  <p:cSld>
+    <p:spTree>
+      <p:nvGrpSpPr>
+        <p:cNvPr id="1" name=""/>
+        <p:cNvGrpSpPr/>
+        <p:nvPr/>
+      </p:nvGrpSpPr>
+      <p:grpSpPr>
+        <a:xfrm>
+          <a:off x="0" y="0"/>
+          <a:ext cx="0" cy="0"/>
+          <a:chOff x="0" y="0"/>
+          <a:chExt cx="0" cy="0"/>
+        </a:xfrm>
+      </p:grpSpPr>
+      <p:sp>
+        <p:nvSpPr>
+          <p:cNvPr id="5" name="內容版面配置區 4"/>
+          <p:cNvSpPr>
+            <a:spLocks noGrp="1"/>
+          </p:cNvSpPr>
+          <p:nvPr>
+            <p:ph idx="1"/>
+          </p:nvPr>
+        </p:nvSpPr>
+        <p:spPr>
+          <a:xfrm>
+            <a:off x="0" y="2084851"/>
+            <a:ext cx="12192000" cy="2404863"/>
+          </a:xfrm>
+        </p:spPr>
+        <p:txBody>
+          <a:bodyPr anchor="ctr">
+            <a:normAutofit/>
+          </a:bodyPr>
+          <a:lstStyle/>
+          <a:p>
+            <a:pPr algn="ctr">
+              <a:buNone/>
+            </a:pPr>
+            <a:r>
+              <a:rPr lang="zh-TW" altLang="en-US" sz="6400" b="1" dirty="0">
+                <a:solidFill>
+                  <a:srgbClr val="660033"/>
+                </a:solidFill>
+                <a:latin typeface="微軟正黑體" pitchFamily="34" charset="-120"/>
+                <a:ea typeface="微軟正黑體" pitchFamily="34" charset="-120"/>
+              </a:rPr>
+              <a:t>耶穌看我如羊失群</a:t>
+            </a:r>
+            <a:endParaRPr lang="en-US" altLang="zh-TW" sz="6400" b="1" dirty="0">
+              <a:solidFill>
+                <a:srgbClr val="660033"/>
+              </a:solidFill>
+              <a:latin typeface="微軟正黑體" pitchFamily="34" charset="-120"/>
+              <a:ea typeface="微軟正黑體" pitchFamily="34" charset="-120"/>
+            </a:endParaRPr>
+          </a:p>
+          <a:p>
+            <a:pPr algn="ctr">
+              <a:buNone/>
+            </a:pPr>
+            <a:r>
+              <a:rPr lang="zh-TW" altLang="en-US" sz="6400" b="1" dirty="0">
+                <a:solidFill>
+                  <a:srgbClr val="660033"/>
+                </a:solidFill>
+                <a:latin typeface="微軟正黑體" pitchFamily="34" charset="-120"/>
+                <a:ea typeface="微軟正黑體" pitchFamily="34" charset="-120"/>
+              </a:rPr>
+              <a:t>離開天父去遙遠</a:t>
+            </a:r>
+            <a:endParaRPr lang="en-US" altLang="zh-TW" sz="6400" b="1" dirty="0">
+              <a:solidFill>
+                <a:srgbClr val="660033"/>
+              </a:solidFill>
+              <a:latin typeface="微軟正黑體" pitchFamily="34" charset="-120"/>
+              <a:ea typeface="微軟正黑體" pitchFamily="34" charset="-120"/>
+            </a:endParaRPr>
+          </a:p>
+        </p:txBody>
+      </p:sp>
+      <p:sp>
+        <p:nvSpPr>
+          <p:cNvPr id="3" name="TextBox 2"/>
+          <p:cNvSpPr txBox="1"/>
+          <p:nvPr/>
+        </p:nvSpPr>
+        <p:spPr>
+          <a:xfrm>
+            <a:off x="331" y="5253203"/>
+            <a:ext cx="12192000" cy="830997"/>
+          </a:xfrm>
+          <a:prstGeom prst="rect">
+            <a:avLst/>
+          </a:prstGeom>
+          <a:noFill/>
+        </p:spPr>
+        <p:txBody>
+          <a:bodyPr wrap="square" rtlCol="0">
+            <a:spAutoFit/>
+          </a:bodyPr>
+          <a:lstStyle/>
+          <a:p>
+            <a:pPr algn="ctr"/>
+            <a:r>
+              <a:rPr lang="en-US" sz="4800" b="1" dirty="0">
+                <a:solidFill>
+                  <a:srgbClr val="660033"/>
+                </a:solidFill>
+              </a:rPr>
+              <a:t>( 2 )</a:t>
+            </a:r>
+            <a:endParaRPr lang="vi-VN" sz="4800" b="1" dirty="0">
+              <a:solidFill>
+                <a:srgbClr val="660033"/>
+              </a:solidFill>
+            </a:endParaRPr>
+          </a:p>
+        </p:txBody>
+      </p:sp>
+    </p:spTree>
+    <p:extLst>
+      <p:ext uri="{BB962C8B-B14F-4D97-AF65-F5344CB8AC3E}">
+        <p14:creationId xmlns:p14="http://schemas.microsoft.com/office/powerpoint/2010/main" val="3258905980"/>
+      </p:ext>
+    </p:extLst>
+  </p:cSld>
+  <p:clrMapOvr>
+    <a:masterClrMapping/>
+  </p:clrMapOvr>
+  <p:timing>
+    <p:tnLst>
+      <p:par>
+        <p:cTn id="1" dur="indefinite" restart="never" nodeType="tmRoot"/>
+      </p:par>
+    </p:tnLst>
+  </p:timing>
+</p:sld>
+</file>
+
+<file path=ppt/slides/slide9.xml><?xml version="1.0" encoding="utf-8"?>
+<p:sld xmlns:a="http://schemas.openxmlformats.org/drawingml/2006/main" xmlns:r="http://schemas.openxmlformats.org/officeDocument/2006/relationships" xmlns:p="http://schemas.openxmlformats.org/presentationml/2006/main">
+  <p:cSld>
+    <p:spTree>
+      <p:nvGrpSpPr>
+        <p:cNvPr id="1" name=""/>
+        <p:cNvGrpSpPr/>
+        <p:nvPr/>
+      </p:nvGrpSpPr>
+      <p:grpSpPr>
+        <a:xfrm>
+          <a:off x="0" y="0"/>
+          <a:ext cx="0" cy="0"/>
+          <a:chOff x="0" y="0"/>
+          <a:chExt cx="0" cy="0"/>
+        </a:xfrm>
+      </p:grpSpPr>
+      <p:sp>
+        <p:nvSpPr>
+          <p:cNvPr id="5" name="內容版面配置區 4"/>
+          <p:cNvSpPr>
+            <a:spLocks noGrp="1"/>
+          </p:cNvSpPr>
+          <p:nvPr>
+            <p:ph idx="1"/>
+          </p:nvPr>
+        </p:nvSpPr>
+        <p:spPr>
+          <a:xfrm>
+            <a:off x="0" y="2084851"/>
+            <a:ext cx="12192000" cy="2404863"/>
+          </a:xfrm>
+        </p:spPr>
+        <p:txBody>
+          <a:bodyPr anchor="ctr">
+            <a:normAutofit/>
+          </a:bodyPr>
+          <a:lstStyle/>
+          <a:p>
+            <a:pPr algn="ctr">
+              <a:buNone/>
+            </a:pPr>
+            <a:r>
+              <a:rPr lang="zh-TW" altLang="en-US" sz="6400" b="1" dirty="0">
+                <a:solidFill>
+                  <a:srgbClr val="660033"/>
+                </a:solidFill>
+                <a:latin typeface="微軟正黑體" pitchFamily="34" charset="-120"/>
+                <a:ea typeface="微軟正黑體" pitchFamily="34" charset="-120"/>
+              </a:rPr>
+              <a:t>自流寶血救我罪身</a:t>
+            </a:r>
+            <a:endParaRPr lang="en-US" altLang="zh-TW" sz="6400" b="1" dirty="0">
+              <a:solidFill>
+                <a:srgbClr val="660033"/>
+              </a:solidFill>
+              <a:latin typeface="微軟正黑體" pitchFamily="34" charset="-120"/>
+              <a:ea typeface="微軟正黑體" pitchFamily="34" charset="-120"/>
+            </a:endParaRPr>
+          </a:p>
+          <a:p>
+            <a:pPr algn="ctr">
+              <a:buNone/>
+            </a:pPr>
+            <a:r>
+              <a:rPr lang="zh-TW" altLang="en-US" sz="6400" b="1" dirty="0">
+                <a:solidFill>
+                  <a:srgbClr val="660033"/>
+                </a:solidFill>
+                <a:latin typeface="微軟正黑體" pitchFamily="34" charset="-120"/>
+                <a:ea typeface="微軟正黑體" pitchFamily="34" charset="-120"/>
+              </a:rPr>
+              <a:t>親來引我歸羊圈</a:t>
+            </a:r>
+            <a:endParaRPr lang="zh-TW" altLang="en-US" sz="6400" b="1" dirty="0">
+              <a:solidFill>
+                <a:srgbClr val="660033"/>
+              </a:solidFill>
+              <a:latin typeface="微軟正黑體" pitchFamily="34" charset="-120"/>
+              <a:ea typeface="微軟正黑體" pitchFamily="34" charset="-120"/>
+            </a:endParaRPr>
+          </a:p>
+        </p:txBody>
+      </p:sp>
+      <p:sp>
+        <p:nvSpPr>
+          <p:cNvPr id="3" name="TextBox 2"/>
+          <p:cNvSpPr txBox="1"/>
+          <p:nvPr/>
+        </p:nvSpPr>
+        <p:spPr>
+          <a:xfrm>
+            <a:off x="331" y="5253203"/>
+            <a:ext cx="12192000" cy="830997"/>
+          </a:xfrm>
+          <a:prstGeom prst="rect">
+            <a:avLst/>
+          </a:prstGeom>
+          <a:noFill/>
+        </p:spPr>
+        <p:txBody>
+          <a:bodyPr wrap="square" rtlCol="0">
+            <a:spAutoFit/>
+          </a:bodyPr>
+          <a:lstStyle/>
+          <a:p>
+            <a:pPr algn="ctr"/>
+            <a:r>
+              <a:rPr lang="en-US" sz="4800" b="1" dirty="0">
+                <a:solidFill>
+                  <a:srgbClr val="660033"/>
+                </a:solidFill>
+              </a:rPr>
+              <a:t>( 2 )</a:t>
+            </a:r>
+            <a:endParaRPr lang="vi-VN" sz="4800" b="1" dirty="0">
+              <a:solidFill>
+                <a:srgbClr val="660033"/>
+              </a:solidFill>
+            </a:endParaRPr>
+          </a:p>
+        </p:txBody>
+      </p:sp>
+    </p:spTree>
+    <p:extLst>
+      <p:ext uri="{BB962C8B-B14F-4D97-AF65-F5344CB8AC3E}">
+        <p14:creationId xmlns:p14="http://schemas.microsoft.com/office/powerpoint/2010/main" val="296281040"/>
+      </p:ext>
+    </p:extLst>
+  </p:cSld>
+  <p:clrMapOvr>
+    <a:masterClrMapping/>
+  </p:clrMapOvr>
+  <p:timing>
+    <p:tnLst>
+      <p:par>
+        <p:cTn id="1" dur="indefinite" restart="never" nodeType="tmRoot"/>
+      </p:par>
+    </p:tnLst>
+  </p:timing>
 </p:sld>
 </file>
 

--- a/宣道詩/(宣道詩9)萬福源頭.pptx
+++ b/宣道詩/(宣道詩9)萬福源頭.pptx
@@ -173,10 +173,9 @@
           <a:lstStyle/>
           <a:p>
             <a:r>
-              <a:rPr lang="zh-TW" altLang="en-US" smtClean="0"/>
+              <a:rPr lang="zh-TW" altLang="en-US"/>
               <a:t>按一下以編輯母片標題樣式</a:t>
             </a:r>
-            <a:endParaRPr lang="zh-TW" altLang="en-US"/>
           </a:p>
         </p:txBody>
       </p:sp>
@@ -292,10 +291,9 @@
           </a:lstStyle>
           <a:p>
             <a:r>
-              <a:rPr lang="zh-TW" altLang="en-US" smtClean="0"/>
+              <a:rPr lang="zh-TW" altLang="en-US"/>
               <a:t>按一下以編輯母片副標題樣式</a:t>
             </a:r>
-            <a:endParaRPr lang="zh-TW" altLang="en-US"/>
           </a:p>
         </p:txBody>
       </p:sp>
@@ -316,7 +314,7 @@
           <a:p>
             <a:fld id="{D491BD5D-4119-46B2-8859-2390DC870597}" type="datetimeFigureOut">
               <a:rPr lang="zh-TW" altLang="en-US" smtClean="0"/>
-              <a:t>2021/2/9</a:t>
+              <a:t>2024/2/8</a:t>
             </a:fld>
             <a:endParaRPr lang="zh-TW" altLang="en-US"/>
           </a:p>
@@ -405,10 +403,9 @@
           <a:lstStyle/>
           <a:p>
             <a:r>
-              <a:rPr lang="zh-TW" altLang="en-US" smtClean="0"/>
+              <a:rPr lang="zh-TW" altLang="en-US"/>
               <a:t>按一下以編輯母片標題樣式</a:t>
             </a:r>
-            <a:endParaRPr lang="zh-TW" altLang="en-US"/>
           </a:p>
         </p:txBody>
       </p:sp>
@@ -429,38 +426,37 @@
           <a:p>
             <a:pPr lvl="0"/>
             <a:r>
-              <a:rPr lang="zh-TW" altLang="en-US" smtClean="0"/>
+              <a:rPr lang="zh-TW" altLang="en-US"/>
               <a:t>按一下以編輯母片文字樣式</a:t>
             </a:r>
           </a:p>
           <a:p>
             <a:pPr lvl="1"/>
             <a:r>
-              <a:rPr lang="zh-TW" altLang="en-US" smtClean="0"/>
+              <a:rPr lang="zh-TW" altLang="en-US"/>
               <a:t>第二層</a:t>
             </a:r>
           </a:p>
           <a:p>
             <a:pPr lvl="2"/>
             <a:r>
-              <a:rPr lang="zh-TW" altLang="en-US" smtClean="0"/>
+              <a:rPr lang="zh-TW" altLang="en-US"/>
               <a:t>第三層</a:t>
             </a:r>
           </a:p>
           <a:p>
             <a:pPr lvl="3"/>
             <a:r>
-              <a:rPr lang="zh-TW" altLang="en-US" smtClean="0"/>
+              <a:rPr lang="zh-TW" altLang="en-US"/>
               <a:t>第四層</a:t>
             </a:r>
           </a:p>
           <a:p>
             <a:pPr lvl="4"/>
             <a:r>
-              <a:rPr lang="zh-TW" altLang="en-US" smtClean="0"/>
+              <a:rPr lang="zh-TW" altLang="en-US"/>
               <a:t>第五層</a:t>
             </a:r>
-            <a:endParaRPr lang="zh-TW" altLang="en-US"/>
           </a:p>
         </p:txBody>
       </p:sp>
@@ -481,7 +477,7 @@
           <a:p>
             <a:fld id="{D491BD5D-4119-46B2-8859-2390DC870597}" type="datetimeFigureOut">
               <a:rPr lang="zh-TW" altLang="en-US" smtClean="0"/>
-              <a:t>2021/2/9</a:t>
+              <a:t>2024/2/8</a:t>
             </a:fld>
             <a:endParaRPr lang="zh-TW" altLang="en-US"/>
           </a:p>
@@ -575,10 +571,9 @@
           <a:lstStyle/>
           <a:p>
             <a:r>
-              <a:rPr lang="zh-TW" altLang="en-US" smtClean="0"/>
+              <a:rPr lang="zh-TW" altLang="en-US"/>
               <a:t>按一下以編輯母片標題樣式</a:t>
             </a:r>
-            <a:endParaRPr lang="zh-TW" altLang="en-US"/>
           </a:p>
         </p:txBody>
       </p:sp>
@@ -604,38 +599,37 @@
           <a:p>
             <a:pPr lvl="0"/>
             <a:r>
-              <a:rPr lang="zh-TW" altLang="en-US" smtClean="0"/>
+              <a:rPr lang="zh-TW" altLang="en-US"/>
               <a:t>按一下以編輯母片文字樣式</a:t>
             </a:r>
           </a:p>
           <a:p>
             <a:pPr lvl="1"/>
             <a:r>
-              <a:rPr lang="zh-TW" altLang="en-US" smtClean="0"/>
+              <a:rPr lang="zh-TW" altLang="en-US"/>
               <a:t>第二層</a:t>
             </a:r>
           </a:p>
           <a:p>
             <a:pPr lvl="2"/>
             <a:r>
-              <a:rPr lang="zh-TW" altLang="en-US" smtClean="0"/>
+              <a:rPr lang="zh-TW" altLang="en-US"/>
               <a:t>第三層</a:t>
             </a:r>
           </a:p>
           <a:p>
             <a:pPr lvl="3"/>
             <a:r>
-              <a:rPr lang="zh-TW" altLang="en-US" smtClean="0"/>
+              <a:rPr lang="zh-TW" altLang="en-US"/>
               <a:t>第四層</a:t>
             </a:r>
           </a:p>
           <a:p>
             <a:pPr lvl="4"/>
             <a:r>
-              <a:rPr lang="zh-TW" altLang="en-US" smtClean="0"/>
+              <a:rPr lang="zh-TW" altLang="en-US"/>
               <a:t>第五層</a:t>
             </a:r>
-            <a:endParaRPr lang="zh-TW" altLang="en-US"/>
           </a:p>
         </p:txBody>
       </p:sp>
@@ -656,7 +650,7 @@
           <a:p>
             <a:fld id="{D491BD5D-4119-46B2-8859-2390DC870597}" type="datetimeFigureOut">
               <a:rPr lang="zh-TW" altLang="en-US" smtClean="0"/>
-              <a:t>2021/2/9</a:t>
+              <a:t>2024/2/8</a:t>
             </a:fld>
             <a:endParaRPr lang="zh-TW" altLang="en-US"/>
           </a:p>
@@ -745,10 +739,9 @@
           <a:lstStyle/>
           <a:p>
             <a:r>
-              <a:rPr lang="zh-TW" altLang="en-US" smtClean="0"/>
+              <a:rPr lang="zh-TW" altLang="en-US"/>
               <a:t>按一下以編輯母片標題樣式</a:t>
             </a:r>
-            <a:endParaRPr lang="zh-TW" altLang="en-US"/>
           </a:p>
         </p:txBody>
       </p:sp>
@@ -769,38 +762,37 @@
           <a:p>
             <a:pPr lvl="0"/>
             <a:r>
-              <a:rPr lang="zh-TW" altLang="en-US" smtClean="0"/>
+              <a:rPr lang="zh-TW" altLang="en-US"/>
               <a:t>按一下以編輯母片文字樣式</a:t>
             </a:r>
           </a:p>
           <a:p>
             <a:pPr lvl="1"/>
             <a:r>
-              <a:rPr lang="zh-TW" altLang="en-US" smtClean="0"/>
+              <a:rPr lang="zh-TW" altLang="en-US"/>
               <a:t>第二層</a:t>
             </a:r>
           </a:p>
           <a:p>
             <a:pPr lvl="2"/>
             <a:r>
-              <a:rPr lang="zh-TW" altLang="en-US" smtClean="0"/>
+              <a:rPr lang="zh-TW" altLang="en-US"/>
               <a:t>第三層</a:t>
             </a:r>
           </a:p>
           <a:p>
             <a:pPr lvl="3"/>
             <a:r>
-              <a:rPr lang="zh-TW" altLang="en-US" smtClean="0"/>
+              <a:rPr lang="zh-TW" altLang="en-US"/>
               <a:t>第四層</a:t>
             </a:r>
           </a:p>
           <a:p>
             <a:pPr lvl="4"/>
             <a:r>
-              <a:rPr lang="zh-TW" altLang="en-US" smtClean="0"/>
+              <a:rPr lang="zh-TW" altLang="en-US"/>
               <a:t>第五層</a:t>
             </a:r>
-            <a:endParaRPr lang="zh-TW" altLang="en-US"/>
           </a:p>
         </p:txBody>
       </p:sp>
@@ -821,7 +813,7 @@
           <a:p>
             <a:fld id="{D491BD5D-4119-46B2-8859-2390DC870597}" type="datetimeFigureOut">
               <a:rPr lang="zh-TW" altLang="en-US" smtClean="0"/>
-              <a:t>2021/2/9</a:t>
+              <a:t>2024/2/8</a:t>
             </a:fld>
             <a:endParaRPr lang="zh-TW" altLang="en-US"/>
           </a:p>
@@ -919,10 +911,9 @@
           </a:lstStyle>
           <a:p>
             <a:r>
-              <a:rPr lang="zh-TW" altLang="en-US" smtClean="0"/>
+              <a:rPr lang="zh-TW" altLang="en-US"/>
               <a:t>按一下以編輯母片標題樣式</a:t>
             </a:r>
-            <a:endParaRPr lang="zh-TW" altLang="en-US"/>
           </a:p>
         </p:txBody>
       </p:sp>
@@ -1039,7 +1030,7 @@
           <a:p>
             <a:pPr lvl="0"/>
             <a:r>
-              <a:rPr lang="zh-TW" altLang="en-US" smtClean="0"/>
+              <a:rPr lang="zh-TW" altLang="en-US"/>
               <a:t>按一下以編輯母片文字樣式</a:t>
             </a:r>
           </a:p>
@@ -1062,7 +1053,7 @@
           <a:p>
             <a:fld id="{D491BD5D-4119-46B2-8859-2390DC870597}" type="datetimeFigureOut">
               <a:rPr lang="zh-TW" altLang="en-US" smtClean="0"/>
-              <a:t>2021/2/9</a:t>
+              <a:t>2024/2/8</a:t>
             </a:fld>
             <a:endParaRPr lang="zh-TW" altLang="en-US"/>
           </a:p>
@@ -1151,10 +1142,9 @@
           <a:lstStyle/>
           <a:p>
             <a:r>
-              <a:rPr lang="zh-TW" altLang="en-US" smtClean="0"/>
+              <a:rPr lang="zh-TW" altLang="en-US"/>
               <a:t>按一下以編輯母片標題樣式</a:t>
             </a:r>
-            <a:endParaRPr lang="zh-TW" altLang="en-US"/>
           </a:p>
         </p:txBody>
       </p:sp>
@@ -1208,38 +1198,37 @@
           <a:p>
             <a:pPr lvl="0"/>
             <a:r>
-              <a:rPr lang="zh-TW" altLang="en-US" smtClean="0"/>
+              <a:rPr lang="zh-TW" altLang="en-US"/>
               <a:t>按一下以編輯母片文字樣式</a:t>
             </a:r>
           </a:p>
           <a:p>
             <a:pPr lvl="1"/>
             <a:r>
-              <a:rPr lang="zh-TW" altLang="en-US" smtClean="0"/>
+              <a:rPr lang="zh-TW" altLang="en-US"/>
               <a:t>第二層</a:t>
             </a:r>
           </a:p>
           <a:p>
             <a:pPr lvl="2"/>
             <a:r>
-              <a:rPr lang="zh-TW" altLang="en-US" smtClean="0"/>
+              <a:rPr lang="zh-TW" altLang="en-US"/>
               <a:t>第三層</a:t>
             </a:r>
           </a:p>
           <a:p>
             <a:pPr lvl="3"/>
             <a:r>
-              <a:rPr lang="zh-TW" altLang="en-US" smtClean="0"/>
+              <a:rPr lang="zh-TW" altLang="en-US"/>
               <a:t>第四層</a:t>
             </a:r>
           </a:p>
           <a:p>
             <a:pPr lvl="4"/>
             <a:r>
-              <a:rPr lang="zh-TW" altLang="en-US" smtClean="0"/>
+              <a:rPr lang="zh-TW" altLang="en-US"/>
               <a:t>第五層</a:t>
             </a:r>
-            <a:endParaRPr lang="zh-TW" altLang="en-US"/>
           </a:p>
         </p:txBody>
       </p:sp>
@@ -1293,38 +1282,37 @@
           <a:p>
             <a:pPr lvl="0"/>
             <a:r>
-              <a:rPr lang="zh-TW" altLang="en-US" smtClean="0"/>
+              <a:rPr lang="zh-TW" altLang="en-US"/>
               <a:t>按一下以編輯母片文字樣式</a:t>
             </a:r>
           </a:p>
           <a:p>
             <a:pPr lvl="1"/>
             <a:r>
-              <a:rPr lang="zh-TW" altLang="en-US" smtClean="0"/>
+              <a:rPr lang="zh-TW" altLang="en-US"/>
               <a:t>第二層</a:t>
             </a:r>
           </a:p>
           <a:p>
             <a:pPr lvl="2"/>
             <a:r>
-              <a:rPr lang="zh-TW" altLang="en-US" smtClean="0"/>
+              <a:rPr lang="zh-TW" altLang="en-US"/>
               <a:t>第三層</a:t>
             </a:r>
           </a:p>
           <a:p>
             <a:pPr lvl="3"/>
             <a:r>
-              <a:rPr lang="zh-TW" altLang="en-US" smtClean="0"/>
+              <a:rPr lang="zh-TW" altLang="en-US"/>
               <a:t>第四層</a:t>
             </a:r>
           </a:p>
           <a:p>
             <a:pPr lvl="4"/>
             <a:r>
-              <a:rPr lang="zh-TW" altLang="en-US" smtClean="0"/>
+              <a:rPr lang="zh-TW" altLang="en-US"/>
               <a:t>第五層</a:t>
             </a:r>
-            <a:endParaRPr lang="zh-TW" altLang="en-US"/>
           </a:p>
         </p:txBody>
       </p:sp>
@@ -1345,7 +1333,7 @@
           <a:p>
             <a:fld id="{D491BD5D-4119-46B2-8859-2390DC870597}" type="datetimeFigureOut">
               <a:rPr lang="zh-TW" altLang="en-US" smtClean="0"/>
-              <a:t>2021/2/9</a:t>
+              <a:t>2024/2/8</a:t>
             </a:fld>
             <a:endParaRPr lang="zh-TW" altLang="en-US"/>
           </a:p>
@@ -1438,10 +1426,9 @@
           </a:lstStyle>
           <a:p>
             <a:r>
-              <a:rPr lang="zh-TW" altLang="en-US" smtClean="0"/>
+              <a:rPr lang="zh-TW" altLang="en-US"/>
               <a:t>按一下以編輯母片標題樣式</a:t>
             </a:r>
-            <a:endParaRPr lang="zh-TW" altLang="en-US"/>
           </a:p>
         </p:txBody>
       </p:sp>
@@ -1504,7 +1491,7 @@
           <a:p>
             <a:pPr lvl="0"/>
             <a:r>
-              <a:rPr lang="zh-TW" altLang="en-US" smtClean="0"/>
+              <a:rPr lang="zh-TW" altLang="en-US"/>
               <a:t>按一下以編輯母片文字樣式</a:t>
             </a:r>
           </a:p>
@@ -1560,38 +1547,37 @@
           <a:p>
             <a:pPr lvl="0"/>
             <a:r>
-              <a:rPr lang="zh-TW" altLang="en-US" smtClean="0"/>
+              <a:rPr lang="zh-TW" altLang="en-US"/>
               <a:t>按一下以編輯母片文字樣式</a:t>
             </a:r>
           </a:p>
           <a:p>
             <a:pPr lvl="1"/>
             <a:r>
-              <a:rPr lang="zh-TW" altLang="en-US" smtClean="0"/>
+              <a:rPr lang="zh-TW" altLang="en-US"/>
               <a:t>第二層</a:t>
             </a:r>
           </a:p>
           <a:p>
             <a:pPr lvl="2"/>
             <a:r>
-              <a:rPr lang="zh-TW" altLang="en-US" smtClean="0"/>
+              <a:rPr lang="zh-TW" altLang="en-US"/>
               <a:t>第三層</a:t>
             </a:r>
           </a:p>
           <a:p>
             <a:pPr lvl="3"/>
             <a:r>
-              <a:rPr lang="zh-TW" altLang="en-US" smtClean="0"/>
+              <a:rPr lang="zh-TW" altLang="en-US"/>
               <a:t>第四層</a:t>
             </a:r>
           </a:p>
           <a:p>
             <a:pPr lvl="4"/>
             <a:r>
-              <a:rPr lang="zh-TW" altLang="en-US" smtClean="0"/>
+              <a:rPr lang="zh-TW" altLang="en-US"/>
               <a:t>第五層</a:t>
             </a:r>
-            <a:endParaRPr lang="zh-TW" altLang="en-US"/>
           </a:p>
         </p:txBody>
       </p:sp>
@@ -1654,7 +1640,7 @@
           <a:p>
             <a:pPr lvl="0"/>
             <a:r>
-              <a:rPr lang="zh-TW" altLang="en-US" smtClean="0"/>
+              <a:rPr lang="zh-TW" altLang="en-US"/>
               <a:t>按一下以編輯母片文字樣式</a:t>
             </a:r>
           </a:p>
@@ -1710,38 +1696,37 @@
           <a:p>
             <a:pPr lvl="0"/>
             <a:r>
-              <a:rPr lang="zh-TW" altLang="en-US" smtClean="0"/>
+              <a:rPr lang="zh-TW" altLang="en-US"/>
               <a:t>按一下以編輯母片文字樣式</a:t>
             </a:r>
           </a:p>
           <a:p>
             <a:pPr lvl="1"/>
             <a:r>
-              <a:rPr lang="zh-TW" altLang="en-US" smtClean="0"/>
+              <a:rPr lang="zh-TW" altLang="en-US"/>
               <a:t>第二層</a:t>
             </a:r>
           </a:p>
           <a:p>
             <a:pPr lvl="2"/>
             <a:r>
-              <a:rPr lang="zh-TW" altLang="en-US" smtClean="0"/>
+              <a:rPr lang="zh-TW" altLang="en-US"/>
               <a:t>第三層</a:t>
             </a:r>
           </a:p>
           <a:p>
             <a:pPr lvl="3"/>
             <a:r>
-              <a:rPr lang="zh-TW" altLang="en-US" smtClean="0"/>
+              <a:rPr lang="zh-TW" altLang="en-US"/>
               <a:t>第四層</a:t>
             </a:r>
           </a:p>
           <a:p>
             <a:pPr lvl="4"/>
             <a:r>
-              <a:rPr lang="zh-TW" altLang="en-US" smtClean="0"/>
+              <a:rPr lang="zh-TW" altLang="en-US"/>
               <a:t>第五層</a:t>
             </a:r>
-            <a:endParaRPr lang="zh-TW" altLang="en-US"/>
           </a:p>
         </p:txBody>
       </p:sp>
@@ -1762,7 +1747,7 @@
           <a:p>
             <a:fld id="{D491BD5D-4119-46B2-8859-2390DC870597}" type="datetimeFigureOut">
               <a:rPr lang="zh-TW" altLang="en-US" smtClean="0"/>
-              <a:t>2021/2/9</a:t>
+              <a:t>2024/2/8</a:t>
             </a:fld>
             <a:endParaRPr lang="zh-TW" altLang="en-US"/>
           </a:p>
@@ -1851,10 +1836,9 @@
           <a:lstStyle/>
           <a:p>
             <a:r>
-              <a:rPr lang="zh-TW" altLang="en-US" smtClean="0"/>
+              <a:rPr lang="zh-TW" altLang="en-US"/>
               <a:t>按一下以編輯母片標題樣式</a:t>
             </a:r>
-            <a:endParaRPr lang="zh-TW" altLang="en-US"/>
           </a:p>
         </p:txBody>
       </p:sp>
@@ -1875,7 +1859,7 @@
           <a:p>
             <a:fld id="{D491BD5D-4119-46B2-8859-2390DC870597}" type="datetimeFigureOut">
               <a:rPr lang="zh-TW" altLang="en-US" smtClean="0"/>
-              <a:t>2021/2/9</a:t>
+              <a:t>2024/2/8</a:t>
             </a:fld>
             <a:endParaRPr lang="zh-TW" altLang="en-US"/>
           </a:p>
@@ -1965,7 +1949,7 @@
           <a:p>
             <a:fld id="{D491BD5D-4119-46B2-8859-2390DC870597}" type="datetimeFigureOut">
               <a:rPr lang="zh-TW" altLang="en-US" smtClean="0"/>
-              <a:t>2021/2/9</a:t>
+              <a:t>2024/2/8</a:t>
             </a:fld>
             <a:endParaRPr lang="zh-TW" altLang="en-US"/>
           </a:p>
@@ -2063,10 +2047,9 @@
           </a:lstStyle>
           <a:p>
             <a:r>
-              <a:rPr lang="zh-TW" altLang="en-US" smtClean="0"/>
+              <a:rPr lang="zh-TW" altLang="en-US"/>
               <a:t>按一下以編輯母片標題樣式</a:t>
             </a:r>
-            <a:endParaRPr lang="zh-TW" altLang="en-US"/>
           </a:p>
         </p:txBody>
       </p:sp>
@@ -2120,38 +2103,37 @@
           <a:p>
             <a:pPr lvl="0"/>
             <a:r>
-              <a:rPr lang="zh-TW" altLang="en-US" smtClean="0"/>
+              <a:rPr lang="zh-TW" altLang="en-US"/>
               <a:t>按一下以編輯母片文字樣式</a:t>
             </a:r>
           </a:p>
           <a:p>
             <a:pPr lvl="1"/>
             <a:r>
-              <a:rPr lang="zh-TW" altLang="en-US" smtClean="0"/>
+              <a:rPr lang="zh-TW" altLang="en-US"/>
               <a:t>第二層</a:t>
             </a:r>
           </a:p>
           <a:p>
             <a:pPr lvl="2"/>
             <a:r>
-              <a:rPr lang="zh-TW" altLang="en-US" smtClean="0"/>
+              <a:rPr lang="zh-TW" altLang="en-US"/>
               <a:t>第三層</a:t>
             </a:r>
           </a:p>
           <a:p>
             <a:pPr lvl="3"/>
             <a:r>
-              <a:rPr lang="zh-TW" altLang="en-US" smtClean="0"/>
+              <a:rPr lang="zh-TW" altLang="en-US"/>
               <a:t>第四層</a:t>
             </a:r>
           </a:p>
           <a:p>
             <a:pPr lvl="4"/>
             <a:r>
-              <a:rPr lang="zh-TW" altLang="en-US" smtClean="0"/>
+              <a:rPr lang="zh-TW" altLang="en-US"/>
               <a:t>第五層</a:t>
             </a:r>
-            <a:endParaRPr lang="zh-TW" altLang="en-US"/>
           </a:p>
         </p:txBody>
       </p:sp>
@@ -2214,7 +2196,7 @@
           <a:p>
             <a:pPr lvl="0"/>
             <a:r>
-              <a:rPr lang="zh-TW" altLang="en-US" smtClean="0"/>
+              <a:rPr lang="zh-TW" altLang="en-US"/>
               <a:t>按一下以編輯母片文字樣式</a:t>
             </a:r>
           </a:p>
@@ -2237,7 +2219,7 @@
           <a:p>
             <a:fld id="{D491BD5D-4119-46B2-8859-2390DC870597}" type="datetimeFigureOut">
               <a:rPr lang="zh-TW" altLang="en-US" smtClean="0"/>
-              <a:t>2021/2/9</a:t>
+              <a:t>2024/2/8</a:t>
             </a:fld>
             <a:endParaRPr lang="zh-TW" altLang="en-US"/>
           </a:p>
@@ -2335,10 +2317,9 @@
           </a:lstStyle>
           <a:p>
             <a:r>
-              <a:rPr lang="zh-TW" altLang="en-US" smtClean="0"/>
+              <a:rPr lang="zh-TW" altLang="en-US"/>
               <a:t>按一下以編輯母片標題樣式</a:t>
             </a:r>
-            <a:endParaRPr lang="zh-TW" altLang="en-US"/>
           </a:p>
         </p:txBody>
       </p:sp>
@@ -2400,10 +2381,9 @@
           </a:lstStyle>
           <a:p>
             <a:r>
-              <a:rPr lang="zh-TW" altLang="en-US" smtClean="0"/>
+              <a:rPr lang="zh-TW" altLang="en-US"/>
               <a:t>按一下圖示以新增圖片</a:t>
             </a:r>
-            <a:endParaRPr lang="zh-TW" altLang="en-US"/>
           </a:p>
         </p:txBody>
       </p:sp>
@@ -2466,7 +2446,7 @@
           <a:p>
             <a:pPr lvl="0"/>
             <a:r>
-              <a:rPr lang="zh-TW" altLang="en-US" smtClean="0"/>
+              <a:rPr lang="zh-TW" altLang="en-US"/>
               <a:t>按一下以編輯母片文字樣式</a:t>
             </a:r>
           </a:p>
@@ -2489,7 +2469,7 @@
           <a:p>
             <a:fld id="{D491BD5D-4119-46B2-8859-2390DC870597}" type="datetimeFigureOut">
               <a:rPr lang="zh-TW" altLang="en-US" smtClean="0"/>
-              <a:t>2021/2/9</a:t>
+              <a:t>2024/2/8</a:t>
             </a:fld>
             <a:endParaRPr lang="zh-TW" altLang="en-US"/>
           </a:p>
@@ -2598,10 +2578,9 @@
           <a:lstStyle/>
           <a:p>
             <a:r>
-              <a:rPr lang="zh-TW" altLang="en-US" smtClean="0"/>
+              <a:rPr lang="zh-TW" altLang="en-US"/>
               <a:t>按一下以編輯母片標題樣式</a:t>
             </a:r>
-            <a:endParaRPr lang="zh-TW" altLang="en-US"/>
           </a:p>
         </p:txBody>
       </p:sp>
@@ -2632,38 +2611,37 @@
           <a:p>
             <a:pPr lvl="0"/>
             <a:r>
-              <a:rPr lang="zh-TW" altLang="en-US" smtClean="0"/>
+              <a:rPr lang="zh-TW" altLang="en-US"/>
               <a:t>按一下以編輯母片文字樣式</a:t>
             </a:r>
           </a:p>
           <a:p>
             <a:pPr lvl="1"/>
             <a:r>
-              <a:rPr lang="zh-TW" altLang="en-US" smtClean="0"/>
+              <a:rPr lang="zh-TW" altLang="en-US"/>
               <a:t>第二層</a:t>
             </a:r>
           </a:p>
           <a:p>
             <a:pPr lvl="2"/>
             <a:r>
-              <a:rPr lang="zh-TW" altLang="en-US" smtClean="0"/>
+              <a:rPr lang="zh-TW" altLang="en-US"/>
               <a:t>第三層</a:t>
             </a:r>
           </a:p>
           <a:p>
             <a:pPr lvl="3"/>
             <a:r>
-              <a:rPr lang="zh-TW" altLang="en-US" smtClean="0"/>
+              <a:rPr lang="zh-TW" altLang="en-US"/>
               <a:t>第四層</a:t>
             </a:r>
           </a:p>
           <a:p>
             <a:pPr lvl="4"/>
             <a:r>
-              <a:rPr lang="zh-TW" altLang="en-US" smtClean="0"/>
+              <a:rPr lang="zh-TW" altLang="en-US"/>
               <a:t>第五層</a:t>
             </a:r>
-            <a:endParaRPr lang="zh-TW" altLang="en-US"/>
           </a:p>
         </p:txBody>
       </p:sp>
@@ -2702,7 +2680,7 @@
           <a:p>
             <a:fld id="{D491BD5D-4119-46B2-8859-2390DC870597}" type="datetimeFigureOut">
               <a:rPr lang="zh-TW" altLang="en-US" smtClean="0"/>
-              <a:t>2021/2/9</a:t>
+              <a:t>2024/2/8</a:t>
             </a:fld>
             <a:endParaRPr lang="zh-TW" altLang="en-US"/>
           </a:p>
@@ -3128,23 +3106,6 @@
               </a:rPr>
               <a:t>9</a:t>
             </a:r>
-            <a:r>
-              <a:rPr lang="en-US" altLang="zh-CN" sz="7200" b="1" i="1" dirty="0">
-                <a:solidFill>
-                  <a:srgbClr val="660033"/>
-                </a:solidFill>
-                <a:effectLst>
-                  <a:outerShdw blurRad="38100" dist="38100" dir="2700000" algn="tl">
-                    <a:srgbClr val="000000">
-                      <a:alpha val="43137"/>
-                    </a:srgbClr>
-                  </a:outerShdw>
-                </a:effectLst>
-                <a:latin typeface="微軟正黑體" pitchFamily="34" charset="-120"/>
-                <a:ea typeface="微軟正黑體" pitchFamily="34" charset="-120"/>
-              </a:rPr>
-              <a:t/>
-            </a:r>
             <a:br>
               <a:rPr lang="en-US" altLang="zh-CN" sz="7200" b="1" i="1" dirty="0">
                 <a:solidFill>
@@ -3176,24 +3137,7 @@
                 <a:latin typeface="微軟正黑體" pitchFamily="34" charset="-120"/>
                 <a:ea typeface="微軟正黑體" pitchFamily="34" charset="-120"/>
               </a:rPr>
-              <a:t>萬</a:t>
-            </a:r>
-            <a:r>
-              <a:rPr lang="zh-TW" altLang="en-US" sz="8000" b="1" dirty="0">
-                <a:solidFill>
-                  <a:srgbClr val="660033"/>
-                </a:solidFill>
-                <a:effectLst>
-                  <a:outerShdw blurRad="38100" dist="38100" dir="2700000" algn="tl">
-                    <a:srgbClr val="000000">
-                      <a:alpha val="43137"/>
-                    </a:srgbClr>
-                  </a:outerShdw>
-                </a:effectLst>
-                <a:latin typeface="微軟正黑體" pitchFamily="34" charset="-120"/>
-                <a:ea typeface="微軟正黑體" pitchFamily="34" charset="-120"/>
-              </a:rPr>
-              <a:t>福源頭</a:t>
+              <a:t>萬福源頭</a:t>
             </a:r>
           </a:p>
         </p:txBody>
@@ -3208,13 +3152,6 @@
   <p:clrMapOvr>
     <a:masterClrMapping/>
   </p:clrMapOvr>
-  <p:timing>
-    <p:tnLst>
-      <p:par>
-        <p:cTn id="1" dur="indefinite" restart="never" nodeType="tmRoot"/>
-      </p:par>
-    </p:tnLst>
-  </p:timing>
 </p:sld>
 </file>
 
@@ -3311,7 +3248,7 @@
         <p:spPr>
           <a:xfrm>
             <a:off x="331" y="5253203"/>
-            <a:ext cx="12192000" cy="830997"/>
+            <a:ext cx="12192000" cy="646331"/>
           </a:xfrm>
           <a:prstGeom prst="rect">
             <a:avLst/>
@@ -3326,14 +3263,14 @@
           <a:p>
             <a:pPr algn="ctr"/>
             <a:r>
-              <a:rPr lang="en-US" sz="4800" b="1" dirty="0">
+              <a:rPr lang="en-US" sz="3600" b="1" dirty="0">
                 <a:solidFill>
                   <a:srgbClr val="660033"/>
                 </a:solidFill>
               </a:rPr>
-              <a:t>( 3 )</a:t>
-            </a:r>
-            <a:endParaRPr lang="vi-VN" sz="4800" b="1" dirty="0">
+              <a:t>( 3 / 3 )</a:t>
+            </a:r>
+            <a:endParaRPr lang="vi-VN" sz="3600" b="1" dirty="0">
               <a:solidFill>
                 <a:srgbClr val="660033"/>
               </a:solidFill>
@@ -3351,13 +3288,6 @@
   <p:clrMapOvr>
     <a:masterClrMapping/>
   </p:clrMapOvr>
-  <p:timing>
-    <p:tnLst>
-      <p:par>
-        <p:cTn id="1" dur="indefinite" restart="never" nodeType="tmRoot"/>
-      </p:par>
-    </p:tnLst>
-  </p:timing>
 </p:sld>
 </file>
 
@@ -3435,13 +3365,6 @@
               </a:rPr>
               <a:t>一心戀主蒙引導</a:t>
             </a:r>
-            <a:endParaRPr lang="zh-TW" altLang="en-US" sz="6400" b="1" dirty="0">
-              <a:solidFill>
-                <a:srgbClr val="660033"/>
-              </a:solidFill>
-              <a:latin typeface="微軟正黑體" pitchFamily="34" charset="-120"/>
-              <a:ea typeface="微軟正黑體" pitchFamily="34" charset="-120"/>
-            </a:endParaRPr>
           </a:p>
         </p:txBody>
       </p:sp>
@@ -3454,7 +3377,7 @@
         <p:spPr>
           <a:xfrm>
             <a:off x="331" y="5253203"/>
-            <a:ext cx="12192000" cy="830997"/>
+            <a:ext cx="12192000" cy="646331"/>
           </a:xfrm>
           <a:prstGeom prst="rect">
             <a:avLst/>
@@ -3469,14 +3392,14 @@
           <a:p>
             <a:pPr algn="ctr"/>
             <a:r>
-              <a:rPr lang="en-US" sz="4800" b="1" dirty="0">
+              <a:rPr lang="en-US" sz="3600" b="1" dirty="0">
                 <a:solidFill>
                   <a:srgbClr val="660033"/>
                 </a:solidFill>
               </a:rPr>
-              <a:t>( 3 )</a:t>
-            </a:r>
-            <a:endParaRPr lang="vi-VN" sz="4800" b="1" dirty="0">
+              <a:t>( 3 / 3 )</a:t>
+            </a:r>
+            <a:endParaRPr lang="vi-VN" sz="3600" b="1" dirty="0">
               <a:solidFill>
                 <a:srgbClr val="660033"/>
               </a:solidFill>
@@ -3494,13 +3417,6 @@
   <p:clrMapOvr>
     <a:masterClrMapping/>
   </p:clrMapOvr>
-  <p:timing>
-    <p:tnLst>
-      <p:par>
-        <p:cTn id="1" dur="indefinite" restart="never" nodeType="tmRoot"/>
-      </p:par>
-    </p:tnLst>
-  </p:timing>
 </p:sld>
 </file>
 
@@ -3597,7 +3513,7 @@
         <p:spPr>
           <a:xfrm>
             <a:off x="331" y="5253203"/>
-            <a:ext cx="12192000" cy="830997"/>
+            <a:ext cx="12192000" cy="646331"/>
           </a:xfrm>
           <a:prstGeom prst="rect">
             <a:avLst/>
@@ -3612,14 +3528,14 @@
           <a:p>
             <a:pPr algn="ctr"/>
             <a:r>
-              <a:rPr lang="en-US" sz="4800" b="1" dirty="0">
+              <a:rPr lang="en-US" sz="3600" b="1" dirty="0">
                 <a:solidFill>
                   <a:srgbClr val="660033"/>
                 </a:solidFill>
               </a:rPr>
-              <a:t>( 3 )</a:t>
-            </a:r>
-            <a:endParaRPr lang="vi-VN" sz="4800" b="1" dirty="0">
+              <a:t>( 3 / 3 )</a:t>
+            </a:r>
+            <a:endParaRPr lang="vi-VN" sz="3600" b="1" dirty="0">
               <a:solidFill>
                 <a:srgbClr val="660033"/>
               </a:solidFill>
@@ -3637,13 +3553,6 @@
   <p:clrMapOvr>
     <a:masterClrMapping/>
   </p:clrMapOvr>
-  <p:timing>
-    <p:tnLst>
-      <p:par>
-        <p:cTn id="1" dur="indefinite" restart="never" nodeType="tmRoot"/>
-      </p:par>
-    </p:tnLst>
-  </p:timing>
 </p:sld>
 </file>
 
@@ -3721,13 +3630,6 @@
               </a:rPr>
               <a:t>使我傳揚主恩典</a:t>
             </a:r>
-            <a:endParaRPr lang="zh-TW" altLang="en-US" sz="6400" b="1" dirty="0">
-              <a:solidFill>
-                <a:srgbClr val="660033"/>
-              </a:solidFill>
-              <a:latin typeface="微軟正黑體" pitchFamily="34" charset="-120"/>
-              <a:ea typeface="微軟正黑體" pitchFamily="34" charset="-120"/>
-            </a:endParaRPr>
           </a:p>
         </p:txBody>
       </p:sp>
@@ -3740,7 +3642,7 @@
         <p:spPr>
           <a:xfrm>
             <a:off x="331" y="5253203"/>
-            <a:ext cx="12192000" cy="830997"/>
+            <a:ext cx="12192000" cy="646331"/>
           </a:xfrm>
           <a:prstGeom prst="rect">
             <a:avLst/>
@@ -3755,14 +3657,14 @@
           <a:p>
             <a:pPr algn="ctr"/>
             <a:r>
-              <a:rPr lang="en-US" sz="4800" b="1" dirty="0">
+              <a:rPr lang="en-US" sz="3600" b="1" dirty="0">
                 <a:solidFill>
                   <a:srgbClr val="660033"/>
                 </a:solidFill>
               </a:rPr>
-              <a:t>( 3 )</a:t>
-            </a:r>
-            <a:endParaRPr lang="vi-VN" sz="4800" b="1" dirty="0">
+              <a:t>( 3 / 3 )</a:t>
+            </a:r>
+            <a:endParaRPr lang="vi-VN" sz="3600" b="1" dirty="0">
               <a:solidFill>
                 <a:srgbClr val="660033"/>
               </a:solidFill>
@@ -3780,13 +3682,6 @@
   <p:clrMapOvr>
     <a:masterClrMapping/>
   </p:clrMapOvr>
-  <p:timing>
-    <p:tnLst>
-      <p:par>
-        <p:cTn id="1" dur="indefinite" restart="never" nodeType="tmRoot"/>
-      </p:par>
-    </p:tnLst>
-  </p:timing>
 </p:sld>
 </file>
 
@@ -3883,7 +3778,7 @@
         <p:spPr>
           <a:xfrm>
             <a:off x="331" y="5253203"/>
-            <a:ext cx="12192000" cy="830997"/>
+            <a:ext cx="12192000" cy="646331"/>
           </a:xfrm>
           <a:prstGeom prst="rect">
             <a:avLst/>
@@ -3898,14 +3793,14 @@
           <a:p>
             <a:pPr algn="ctr"/>
             <a:r>
-              <a:rPr lang="en-US" sz="4800" b="1" dirty="0">
+              <a:rPr lang="en-US" sz="3600" b="1" dirty="0">
                 <a:solidFill>
                   <a:srgbClr val="660033"/>
                 </a:solidFill>
               </a:rPr>
-              <a:t>( 1 )</a:t>
-            </a:r>
-            <a:endParaRPr lang="vi-VN" sz="4800" b="1" dirty="0">
+              <a:t>( 1 / 3 )</a:t>
+            </a:r>
+            <a:endParaRPr lang="vi-VN" sz="3600" b="1" dirty="0">
               <a:solidFill>
                 <a:srgbClr val="660033"/>
               </a:solidFill>
@@ -3923,13 +3818,6 @@
   <p:clrMapOvr>
     <a:masterClrMapping/>
   </p:clrMapOvr>
-  <p:timing>
-    <p:tnLst>
-      <p:par>
-        <p:cTn id="1" dur="indefinite" restart="never" nodeType="tmRoot"/>
-      </p:par>
-    </p:tnLst>
-  </p:timing>
 </p:sld>
 </file>
 
@@ -4007,13 +3895,6 @@
               </a:rPr>
               <a:t>應當高歌詠無疆</a:t>
             </a:r>
-            <a:endParaRPr lang="zh-TW" altLang="en-US" sz="6400" b="1" dirty="0">
-              <a:solidFill>
-                <a:srgbClr val="660033"/>
-              </a:solidFill>
-              <a:latin typeface="微軟正黑體" pitchFamily="34" charset="-120"/>
-              <a:ea typeface="微軟正黑體" pitchFamily="34" charset="-120"/>
-            </a:endParaRPr>
           </a:p>
         </p:txBody>
       </p:sp>
@@ -4026,7 +3907,7 @@
         <p:spPr>
           <a:xfrm>
             <a:off x="331" y="5253203"/>
-            <a:ext cx="12192000" cy="830997"/>
+            <a:ext cx="12192000" cy="646331"/>
           </a:xfrm>
           <a:prstGeom prst="rect">
             <a:avLst/>
@@ -4041,14 +3922,14 @@
           <a:p>
             <a:pPr algn="ctr"/>
             <a:r>
-              <a:rPr lang="en-US" sz="4800" b="1" dirty="0">
+              <a:rPr lang="en-US" sz="3600" b="1" dirty="0">
                 <a:solidFill>
                   <a:srgbClr val="660033"/>
                 </a:solidFill>
               </a:rPr>
-              <a:t>( 1 )</a:t>
-            </a:r>
-            <a:endParaRPr lang="vi-VN" sz="4800" b="1" dirty="0">
+              <a:t>( 1 / 3 )</a:t>
+            </a:r>
+            <a:endParaRPr lang="vi-VN" sz="3600" b="1" dirty="0">
               <a:solidFill>
                 <a:srgbClr val="660033"/>
               </a:solidFill>
@@ -4066,13 +3947,6 @@
   <p:clrMapOvr>
     <a:masterClrMapping/>
   </p:clrMapOvr>
-  <p:timing>
-    <p:tnLst>
-      <p:par>
-        <p:cTn id="1" dur="indefinite" restart="never" nodeType="tmRoot"/>
-      </p:par>
-    </p:tnLst>
-  </p:timing>
 </p:sld>
 </file>
 
@@ -4169,7 +4043,7 @@
         <p:spPr>
           <a:xfrm>
             <a:off x="331" y="5253203"/>
-            <a:ext cx="12192000" cy="830997"/>
+            <a:ext cx="12192000" cy="646331"/>
           </a:xfrm>
           <a:prstGeom prst="rect">
             <a:avLst/>
@@ -4184,14 +4058,14 @@
           <a:p>
             <a:pPr algn="ctr"/>
             <a:r>
-              <a:rPr lang="en-US" sz="4800" b="1" dirty="0">
+              <a:rPr lang="en-US" sz="3600" b="1" dirty="0">
                 <a:solidFill>
                   <a:srgbClr val="660033"/>
                 </a:solidFill>
               </a:rPr>
-              <a:t>( 1 )</a:t>
-            </a:r>
-            <a:endParaRPr lang="vi-VN" sz="4800" b="1" dirty="0">
+              <a:t>( 1 / 3 )</a:t>
+            </a:r>
+            <a:endParaRPr lang="vi-VN" sz="3600" b="1" dirty="0">
               <a:solidFill>
                 <a:srgbClr val="660033"/>
               </a:solidFill>
@@ -4209,13 +4083,6 @@
   <p:clrMapOvr>
     <a:masterClrMapping/>
   </p:clrMapOvr>
-  <p:timing>
-    <p:tnLst>
-      <p:par>
-        <p:cTn id="1" dur="indefinite" restart="never" nodeType="tmRoot"/>
-      </p:par>
-    </p:tnLst>
-  </p:timing>
 </p:sld>
 </file>
 
@@ -4293,13 +4160,6 @@
               </a:rPr>
               <a:t>尤當讚美常感謝</a:t>
             </a:r>
-            <a:endParaRPr lang="zh-TW" altLang="en-US" sz="6400" b="1" dirty="0">
-              <a:solidFill>
-                <a:srgbClr val="660033"/>
-              </a:solidFill>
-              <a:latin typeface="微軟正黑體" pitchFamily="34" charset="-120"/>
-              <a:ea typeface="微軟正黑體" pitchFamily="34" charset="-120"/>
-            </a:endParaRPr>
           </a:p>
         </p:txBody>
       </p:sp>
@@ -4312,7 +4172,7 @@
         <p:spPr>
           <a:xfrm>
             <a:off x="331" y="5253203"/>
-            <a:ext cx="12192000" cy="830997"/>
+            <a:ext cx="12192000" cy="646331"/>
           </a:xfrm>
           <a:prstGeom prst="rect">
             <a:avLst/>
@@ -4327,14 +4187,14 @@
           <a:p>
             <a:pPr algn="ctr"/>
             <a:r>
-              <a:rPr lang="en-US" sz="4800" b="1" dirty="0">
+              <a:rPr lang="en-US" sz="3600" b="1" dirty="0">
                 <a:solidFill>
                   <a:srgbClr val="660033"/>
                 </a:solidFill>
               </a:rPr>
-              <a:t>( 1 )</a:t>
-            </a:r>
-            <a:endParaRPr lang="vi-VN" sz="4800" b="1" dirty="0">
+              <a:t>( 1 / 3 )</a:t>
+            </a:r>
+            <a:endParaRPr lang="vi-VN" sz="3600" b="1" dirty="0">
               <a:solidFill>
                 <a:srgbClr val="660033"/>
               </a:solidFill>
@@ -4352,13 +4212,6 @@
   <p:clrMapOvr>
     <a:masterClrMapping/>
   </p:clrMapOvr>
-  <p:timing>
-    <p:tnLst>
-      <p:par>
-        <p:cTn id="1" dur="indefinite" restart="never" nodeType="tmRoot"/>
-      </p:par>
-    </p:tnLst>
-  </p:timing>
 </p:sld>
 </file>
 
@@ -4455,7 +4308,7 @@
         <p:spPr>
           <a:xfrm>
             <a:off x="331" y="5253203"/>
-            <a:ext cx="12192000" cy="830997"/>
+            <a:ext cx="12192000" cy="646331"/>
           </a:xfrm>
           <a:prstGeom prst="rect">
             <a:avLst/>
@@ -4470,14 +4323,14 @@
           <a:p>
             <a:pPr algn="ctr"/>
             <a:r>
-              <a:rPr lang="en-US" sz="4800" b="1" dirty="0">
+              <a:rPr lang="en-US" sz="3600" b="1" dirty="0">
                 <a:solidFill>
                   <a:srgbClr val="660033"/>
                 </a:solidFill>
               </a:rPr>
-              <a:t>( 2 )</a:t>
-            </a:r>
-            <a:endParaRPr lang="vi-VN" sz="4800" b="1" dirty="0">
+              <a:t>( 2 / 3 )</a:t>
+            </a:r>
+            <a:endParaRPr lang="vi-VN" sz="3600" b="1" dirty="0">
               <a:solidFill>
                 <a:srgbClr val="660033"/>
               </a:solidFill>
@@ -4495,13 +4348,6 @@
   <p:clrMapOvr>
     <a:masterClrMapping/>
   </p:clrMapOvr>
-  <p:timing>
-    <p:tnLst>
-      <p:par>
-        <p:cTn id="1" dur="indefinite" restart="never" nodeType="tmRoot"/>
-      </p:par>
-    </p:tnLst>
-  </p:timing>
 </p:sld>
 </file>
 
@@ -4579,13 +4425,6 @@
               </a:rPr>
               <a:t>總不離棄到末日</a:t>
             </a:r>
-            <a:endParaRPr lang="zh-TW" altLang="en-US" sz="6400" b="1" dirty="0">
-              <a:solidFill>
-                <a:srgbClr val="660033"/>
-              </a:solidFill>
-              <a:latin typeface="微軟正黑體" pitchFamily="34" charset="-120"/>
-              <a:ea typeface="微軟正黑體" pitchFamily="34" charset="-120"/>
-            </a:endParaRPr>
           </a:p>
         </p:txBody>
       </p:sp>
@@ -4598,7 +4437,7 @@
         <p:spPr>
           <a:xfrm>
             <a:off x="331" y="5253203"/>
-            <a:ext cx="12192000" cy="830997"/>
+            <a:ext cx="12192000" cy="646331"/>
           </a:xfrm>
           <a:prstGeom prst="rect">
             <a:avLst/>
@@ -4613,14 +4452,14 @@
           <a:p>
             <a:pPr algn="ctr"/>
             <a:r>
-              <a:rPr lang="en-US" sz="4800" b="1" dirty="0">
+              <a:rPr lang="en-US" sz="3600" b="1" dirty="0">
                 <a:solidFill>
                   <a:srgbClr val="660033"/>
                 </a:solidFill>
               </a:rPr>
-              <a:t>( 2 )</a:t>
-            </a:r>
-            <a:endParaRPr lang="vi-VN" sz="4800" b="1" dirty="0">
+              <a:t>( 2 / 3 )</a:t>
+            </a:r>
+            <a:endParaRPr lang="vi-VN" sz="3600" b="1" dirty="0">
               <a:solidFill>
                 <a:srgbClr val="660033"/>
               </a:solidFill>
@@ -4638,13 +4477,6 @@
   <p:clrMapOvr>
     <a:masterClrMapping/>
   </p:clrMapOvr>
-  <p:timing>
-    <p:tnLst>
-      <p:par>
-        <p:cTn id="1" dur="indefinite" restart="never" nodeType="tmRoot"/>
-      </p:par>
-    </p:tnLst>
-  </p:timing>
 </p:sld>
 </file>
 
@@ -4741,7 +4573,7 @@
         <p:spPr>
           <a:xfrm>
             <a:off x="331" y="5253203"/>
-            <a:ext cx="12192000" cy="830997"/>
+            <a:ext cx="12192000" cy="646331"/>
           </a:xfrm>
           <a:prstGeom prst="rect">
             <a:avLst/>
@@ -4756,14 +4588,14 @@
           <a:p>
             <a:pPr algn="ctr"/>
             <a:r>
-              <a:rPr lang="en-US" sz="4800" b="1" dirty="0">
+              <a:rPr lang="en-US" sz="3600" b="1" dirty="0">
                 <a:solidFill>
                   <a:srgbClr val="660033"/>
                 </a:solidFill>
               </a:rPr>
-              <a:t>( 2 )</a:t>
-            </a:r>
-            <a:endParaRPr lang="vi-VN" sz="4800" b="1" dirty="0">
+              <a:t>( 2 / 3 )</a:t>
+            </a:r>
+            <a:endParaRPr lang="vi-VN" sz="3600" b="1" dirty="0">
               <a:solidFill>
                 <a:srgbClr val="660033"/>
               </a:solidFill>
@@ -4781,13 +4613,6 @@
   <p:clrMapOvr>
     <a:masterClrMapping/>
   </p:clrMapOvr>
-  <p:timing>
-    <p:tnLst>
-      <p:par>
-        <p:cTn id="1" dur="indefinite" restart="never" nodeType="tmRoot"/>
-      </p:par>
-    </p:tnLst>
-  </p:timing>
 </p:sld>
 </file>
 
@@ -4865,13 +4690,6 @@
               </a:rPr>
               <a:t>親來引我歸羊圈</a:t>
             </a:r>
-            <a:endParaRPr lang="zh-TW" altLang="en-US" sz="6400" b="1" dirty="0">
-              <a:solidFill>
-                <a:srgbClr val="660033"/>
-              </a:solidFill>
-              <a:latin typeface="微軟正黑體" pitchFamily="34" charset="-120"/>
-              <a:ea typeface="微軟正黑體" pitchFamily="34" charset="-120"/>
-            </a:endParaRPr>
           </a:p>
         </p:txBody>
       </p:sp>
@@ -4884,7 +4702,7 @@
         <p:spPr>
           <a:xfrm>
             <a:off x="331" y="5253203"/>
-            <a:ext cx="12192000" cy="830997"/>
+            <a:ext cx="12192000" cy="646331"/>
           </a:xfrm>
           <a:prstGeom prst="rect">
             <a:avLst/>
@@ -4899,14 +4717,14 @@
           <a:p>
             <a:pPr algn="ctr"/>
             <a:r>
-              <a:rPr lang="en-US" sz="4800" b="1" dirty="0">
+              <a:rPr lang="en-US" sz="3600" b="1" dirty="0">
                 <a:solidFill>
                   <a:srgbClr val="660033"/>
                 </a:solidFill>
               </a:rPr>
-              <a:t>( 2 )</a:t>
-            </a:r>
-            <a:endParaRPr lang="vi-VN" sz="4800" b="1" dirty="0">
+              <a:t>( 2 / 3 )</a:t>
+            </a:r>
+            <a:endParaRPr lang="vi-VN" sz="3600" b="1" dirty="0">
               <a:solidFill>
                 <a:srgbClr val="660033"/>
               </a:solidFill>
@@ -4924,13 +4742,6 @@
   <p:clrMapOvr>
     <a:masterClrMapping/>
   </p:clrMapOvr>
-  <p:timing>
-    <p:tnLst>
-      <p:par>
-        <p:cTn id="1" dur="indefinite" restart="never" nodeType="tmRoot"/>
-      </p:par>
-    </p:tnLst>
-  </p:timing>
 </p:sld>
 </file>
 
